--- a/Colloquium/Kolloquium.pptx
+++ b/Colloquium/Kolloquium.pptx
@@ -5,17 +5,23 @@
     <p:sldMasterId id="2147483672" r:id="rId1"/>
   </p:sldMasterIdLst>
   <p:notesMasterIdLst>
-    <p:notesMasterId r:id="rId7"/>
+    <p:notesMasterId r:id="rId13"/>
   </p:notesMasterIdLst>
   <p:handoutMasterIdLst>
-    <p:handoutMasterId r:id="rId8"/>
+    <p:handoutMasterId r:id="rId14"/>
   </p:handoutMasterIdLst>
   <p:sldIdLst>
     <p:sldId id="256" r:id="rId2"/>
     <p:sldId id="257" r:id="rId3"/>
-    <p:sldId id="258" r:id="rId4"/>
-    <p:sldId id="260" r:id="rId5"/>
-    <p:sldId id="259" r:id="rId6"/>
+    <p:sldId id="262" r:id="rId4"/>
+    <p:sldId id="258" r:id="rId5"/>
+    <p:sldId id="260" r:id="rId6"/>
+    <p:sldId id="261" r:id="rId7"/>
+    <p:sldId id="263" r:id="rId8"/>
+    <p:sldId id="264" r:id="rId9"/>
+    <p:sldId id="265" r:id="rId10"/>
+    <p:sldId id="266" r:id="rId11"/>
+    <p:sldId id="259" r:id="rId12"/>
   </p:sldIdLst>
   <p:sldSz cx="12192000" cy="6858000"/>
   <p:notesSz cx="6858000" cy="9144000"/>
@@ -3471,7 +3477,7 @@
           <a:p>
             <a:fld id="{3ABDE448-252D-414B-8D88-7F653C15F9DE}" type="datetimeFigureOut">
               <a:rPr lang="de-DE" smtClean="0"/>
-              <a:t>04.11.2020</a:t>
+              <a:t>05.11.2020</a:t>
             </a:fld>
             <a:endParaRPr lang="de-DE"/>
           </a:p>
@@ -3649,7 +3655,7 @@
           <a:p>
             <a:fld id="{B172FAAD-3BAB-4526-AAC7-4F3AE7719F84}" type="datetimeFigureOut">
               <a:rPr lang="de-DE" smtClean="0"/>
-              <a:t>04.11.2020</a:t>
+              <a:t>05.11.2020</a:t>
             </a:fld>
             <a:endParaRPr lang="de-DE"/>
           </a:p>
@@ -3918,6 +3924,90 @@
 </p:notesMaster>
 </file>
 
+<file path=ppt/notesSlides/notesSlide1.xml><?xml version="1.0" encoding="utf-8"?>
+<p:notes xmlns:a="http://schemas.openxmlformats.org/drawingml/2006/main" xmlns:r="http://schemas.openxmlformats.org/officeDocument/2006/relationships" xmlns:p="http://schemas.openxmlformats.org/presentationml/2006/main">
+  <p:cSld>
+    <p:spTree>
+      <p:nvGrpSpPr>
+        <p:cNvPr id="1" name=""/>
+        <p:cNvGrpSpPr/>
+        <p:nvPr/>
+      </p:nvGrpSpPr>
+      <p:grpSpPr>
+        <a:xfrm>
+          <a:off x="0" y="0"/>
+          <a:ext cx="0" cy="0"/>
+          <a:chOff x="0" y="0"/>
+          <a:chExt cx="0" cy="0"/>
+        </a:xfrm>
+      </p:grpSpPr>
+      <p:sp>
+        <p:nvSpPr>
+          <p:cNvPr id="2" name="Slide Image Placeholder 1"/>
+          <p:cNvSpPr>
+            <a:spLocks noGrp="1" noRot="1" noChangeAspect="1"/>
+          </p:cNvSpPr>
+          <p:nvPr>
+            <p:ph type="sldImg"/>
+          </p:nvPr>
+        </p:nvSpPr>
+        <p:spPr/>
+      </p:sp>
+      <p:sp>
+        <p:nvSpPr>
+          <p:cNvPr id="3" name="Notes Placeholder 2"/>
+          <p:cNvSpPr>
+            <a:spLocks noGrp="1"/>
+          </p:cNvSpPr>
+          <p:nvPr>
+            <p:ph type="body" idx="1"/>
+          </p:nvPr>
+        </p:nvSpPr>
+        <p:spPr/>
+        <p:txBody>
+          <a:bodyPr/>
+          <a:lstStyle/>
+          <a:p>
+            <a:endParaRPr lang="de-DE" dirty="0"/>
+          </a:p>
+        </p:txBody>
+      </p:sp>
+      <p:sp>
+        <p:nvSpPr>
+          <p:cNvPr id="4" name="Slide Number Placeholder 3"/>
+          <p:cNvSpPr>
+            <a:spLocks noGrp="1"/>
+          </p:cNvSpPr>
+          <p:nvPr>
+            <p:ph type="sldNum" sz="quarter" idx="5"/>
+          </p:nvPr>
+        </p:nvSpPr>
+        <p:spPr/>
+        <p:txBody>
+          <a:bodyPr/>
+          <a:lstStyle/>
+          <a:p>
+            <a:fld id="{03A665EB-5ED7-49D2-8898-9FDD315ADB7C}" type="slidenum">
+              <a:rPr lang="de-DE" smtClean="0"/>
+              <a:t>7</a:t>
+            </a:fld>
+            <a:endParaRPr lang="de-DE"/>
+          </a:p>
+        </p:txBody>
+      </p:sp>
+    </p:spTree>
+    <p:extLst>
+      <p:ext uri="{BB962C8B-B14F-4D97-AF65-F5344CB8AC3E}">
+        <p14:creationId xmlns:p14="http://schemas.microsoft.com/office/powerpoint/2010/main" val="1695517614"/>
+      </p:ext>
+    </p:extLst>
+  </p:cSld>
+  <p:clrMapOvr>
+    <a:masterClrMapping/>
+  </p:clrMapOvr>
+</p:notes>
+</file>
+
 <file path=ppt/slideLayouts/slideLayout1.xml><?xml version="1.0" encoding="utf-8"?>
 <p:sldLayout xmlns:a="http://schemas.openxmlformats.org/drawingml/2006/main" xmlns:r="http://schemas.openxmlformats.org/officeDocument/2006/relationships" xmlns:p="http://schemas.openxmlformats.org/presentationml/2006/main" type="title" preserve="1">
   <p:cSld name="Title Slide">
@@ -4057,7 +4147,7 @@
           <a:p>
             <a:fld id="{6610431E-669A-4FB5-A4F8-594D109AAFCA}" type="datetime1">
               <a:rPr lang="de-DE" smtClean="0"/>
-              <a:t>04.11.2020</a:t>
+              <a:t>05.11.2020</a:t>
             </a:fld>
             <a:endParaRPr lang="de-DE"/>
           </a:p>
@@ -4268,7 +4358,7 @@
           <a:p>
             <a:fld id="{D05B1630-20CA-4528-AFA8-C8C5F46EE5A1}" type="datetime1">
               <a:rPr lang="de-DE" smtClean="0"/>
-              <a:t>04.11.2020</a:t>
+              <a:t>05.11.2020</a:t>
             </a:fld>
             <a:endParaRPr lang="de-DE"/>
           </a:p>
@@ -4483,7 +4573,7 @@
           <a:p>
             <a:fld id="{349C1630-8E69-484C-B961-5D9F3E160A79}" type="datetime1">
               <a:rPr lang="de-DE" smtClean="0"/>
-              <a:t>04.11.2020</a:t>
+              <a:t>05.11.2020</a:t>
             </a:fld>
             <a:endParaRPr lang="de-DE"/>
           </a:p>
@@ -4684,7 +4774,7 @@
           <a:p>
             <a:fld id="{48BCFF82-C342-422C-A4DD-34307C62C2D9}" type="datetime1">
               <a:rPr lang="de-DE" smtClean="0"/>
-              <a:t>04.11.2020</a:t>
+              <a:t>05.11.2020</a:t>
             </a:fld>
             <a:endParaRPr lang="de-DE"/>
           </a:p>
@@ -4963,7 +5053,7 @@
           <a:p>
             <a:fld id="{35B12B37-394A-4C15-9988-7CBD966C93CE}" type="datetime1">
               <a:rPr lang="de-DE" smtClean="0"/>
-              <a:t>04.11.2020</a:t>
+              <a:t>05.11.2020</a:t>
             </a:fld>
             <a:endParaRPr lang="de-DE"/>
           </a:p>
@@ -5231,7 +5321,7 @@
           <a:p>
             <a:fld id="{905984C5-5228-47ED-99B7-57BEE3E90413}" type="datetime1">
               <a:rPr lang="de-DE" smtClean="0"/>
-              <a:t>04.11.2020</a:t>
+              <a:t>05.11.2020</a:t>
             </a:fld>
             <a:endParaRPr lang="de-DE"/>
           </a:p>
@@ -5647,7 +5737,7 @@
           <a:p>
             <a:fld id="{3C4DCE6D-7271-4A36-8A46-B14F6CED6D93}" type="datetime1">
               <a:rPr lang="de-DE" smtClean="0"/>
-              <a:t>04.11.2020</a:t>
+              <a:t>05.11.2020</a:t>
             </a:fld>
             <a:endParaRPr lang="de-DE"/>
           </a:p>
@@ -5796,7 +5886,7 @@
           <a:p>
             <a:fld id="{1C93DD34-728C-4FEF-89E4-F3B352B28E56}" type="datetime1">
               <a:rPr lang="de-DE" smtClean="0"/>
-              <a:t>04.11.2020</a:t>
+              <a:t>05.11.2020</a:t>
             </a:fld>
             <a:endParaRPr lang="de-DE"/>
           </a:p>
@@ -5922,7 +6012,7 @@
           <a:p>
             <a:fld id="{2E962AFC-78BF-4C27-968D-9F86BE7DBD9B}" type="datetime1">
               <a:rPr lang="de-DE" smtClean="0"/>
-              <a:t>04.11.2020</a:t>
+              <a:t>05.11.2020</a:t>
             </a:fld>
             <a:endParaRPr lang="de-DE"/>
           </a:p>
@@ -6173,7 +6263,7 @@
           <a:p>
             <a:fld id="{E929D11D-2036-48B3-94D5-66B66A32B3CD}" type="datetime1">
               <a:rPr lang="de-DE" smtClean="0"/>
-              <a:t>04.11.2020</a:t>
+              <a:t>05.11.2020</a:t>
             </a:fld>
             <a:endParaRPr lang="de-DE"/>
           </a:p>
@@ -6618,7 +6708,7 @@
           <a:p>
             <a:fld id="{FA4BADA1-3247-4F1A-AF5E-63939A6BAECB}" type="datetime1">
               <a:rPr lang="de-DE" smtClean="0"/>
-              <a:t>04.11.2020</a:t>
+              <a:t>05.11.2020</a:t>
             </a:fld>
             <a:endParaRPr lang="de-DE"/>
           </a:p>
@@ -6945,7 +7035,7 @@
           <a:p>
             <a:fld id="{0E379357-6AA6-4A96-A310-63C374D26E5A}" type="datetime1">
               <a:rPr lang="de-DE" smtClean="0"/>
-              <a:t>04.11.2020</a:t>
+              <a:t>05.11.2020</a:t>
             </a:fld>
             <a:endParaRPr lang="de-DE"/>
           </a:p>
@@ -7510,7 +7600,7 @@
 </p:sld>
 </file>
 
-<file path=ppt/slides/slide2.xml><?xml version="1.0" encoding="utf-8"?>
+<file path=ppt/slides/slide10.xml><?xml version="1.0" encoding="utf-8"?>
 <p:sld xmlns:a="http://schemas.openxmlformats.org/drawingml/2006/main" xmlns:r="http://schemas.openxmlformats.org/officeDocument/2006/relationships" xmlns:p="http://schemas.openxmlformats.org/presentationml/2006/main">
   <p:cSld>
     <p:spTree>
@@ -7532,7 +7622,7 @@
           <p:cNvPr id="2" name="Title 1">
             <a:extLst>
               <a:ext uri="{FF2B5EF4-FFF2-40B4-BE49-F238E27FC236}">
-                <a16:creationId xmlns:a16="http://schemas.microsoft.com/office/drawing/2014/main" id="{383D3E38-E8B3-4ADA-A494-5FD14AFD6470}"/>
+                <a16:creationId xmlns:a16="http://schemas.microsoft.com/office/drawing/2014/main" id="{BFD4A6AD-BE9E-4441-9BD8-973DB0400DC8}"/>
               </a:ext>
             </a:extLst>
           </p:cNvPr>
@@ -7545,19 +7635,17 @@
         </p:nvSpPr>
         <p:spPr>
           <a:xfrm>
-            <a:off x="1451579" y="1296140"/>
-            <a:ext cx="9603275" cy="495471"/>
+            <a:off x="1451579" y="1302551"/>
+            <a:ext cx="9603275" cy="551203"/>
           </a:xfrm>
         </p:spPr>
         <p:txBody>
-          <a:bodyPr>
-            <a:normAutofit fontScale="90000"/>
-          </a:bodyPr>
+          <a:bodyPr/>
           <a:lstStyle/>
           <a:p>
             <a:r>
               <a:rPr lang="de-DE" dirty="0"/>
-              <a:t>Gliederung</a:t>
+              <a:t>5. ZUSAMMENFASSUNG</a:t>
             </a:r>
           </a:p>
         </p:txBody>
@@ -7567,7 +7655,7 @@
           <p:cNvPr id="3" name="Content Placeholder 2">
             <a:extLst>
               <a:ext uri="{FF2B5EF4-FFF2-40B4-BE49-F238E27FC236}">
-                <a16:creationId xmlns:a16="http://schemas.microsoft.com/office/drawing/2014/main" id="{1F7CDB46-68C0-4249-8E88-FAA3F629AE18}"/>
+                <a16:creationId xmlns:a16="http://schemas.microsoft.com/office/drawing/2014/main" id="{2AFC031A-7697-450A-8416-737DE809F81B}"/>
               </a:ext>
             </a:extLst>
           </p:cNvPr>
@@ -7580,63 +7668,19 @@
         </p:nvSpPr>
         <p:spPr/>
         <p:txBody>
-          <a:bodyPr>
-            <a:normAutofit/>
-          </a:bodyPr>
+          <a:bodyPr/>
           <a:lstStyle/>
           <a:p>
-            <a:r>
-              <a:rPr lang="de-DE" dirty="0"/>
-              <a:t>1. Einleitung</a:t>
-            </a:r>
-          </a:p>
-          <a:p>
-            <a:pPr lvl="1"/>
-            <a:r>
-              <a:rPr lang="de-DE" dirty="0"/>
-              <a:t>1.1 Motivation</a:t>
-            </a:r>
-          </a:p>
-          <a:p>
-            <a:pPr lvl="1"/>
-            <a:r>
-              <a:rPr lang="de-DE" dirty="0"/>
-              <a:t>1.2  Vorangehensweise</a:t>
-            </a:r>
-          </a:p>
-          <a:p>
-            <a:pPr lvl="1"/>
-            <a:r>
-              <a:rPr lang="de-DE" dirty="0"/>
-              <a:t>1.3 Zusammenfassung</a:t>
-            </a:r>
-          </a:p>
-          <a:p>
-            <a:r>
-              <a:rPr lang="de-DE" dirty="0"/>
-              <a:t>2. Erkenntnisse</a:t>
-            </a:r>
-          </a:p>
-          <a:p>
-            <a:r>
-              <a:rPr lang="de-DE" dirty="0"/>
-              <a:t>3. Spannende Aspekte</a:t>
-            </a:r>
-          </a:p>
-          <a:p>
-            <a:r>
-              <a:rPr lang="de-DE" dirty="0"/>
-              <a:t>4. Reflektion &amp; Analyse der Arbeit</a:t>
-            </a:r>
-          </a:p>
-        </p:txBody>
-      </p:sp>
-      <p:sp>
-        <p:nvSpPr>
-          <p:cNvPr id="8" name="Slide Number Placeholder 7">
+            <a:endParaRPr lang="de-DE" dirty="0"/>
+          </a:p>
+        </p:txBody>
+      </p:sp>
+      <p:sp>
+        <p:nvSpPr>
+          <p:cNvPr id="4" name="Slide Number Placeholder 3">
             <a:extLst>
               <a:ext uri="{FF2B5EF4-FFF2-40B4-BE49-F238E27FC236}">
-                <a16:creationId xmlns:a16="http://schemas.microsoft.com/office/drawing/2014/main" id="{CDC32835-5BC9-4F61-9362-2EED11DCD888}"/>
+                <a16:creationId xmlns:a16="http://schemas.microsoft.com/office/drawing/2014/main" id="{99175887-9508-472E-8D20-02C574E7633C}"/>
               </a:ext>
             </a:extLst>
           </p:cNvPr>
@@ -7654,7 +7698,7 @@
           <a:p>
             <a:fld id="{2506CCB9-12E8-4B80-952C-584D19B36CCD}" type="slidenum">
               <a:rPr lang="de-DE" smtClean="0"/>
-              <a:t>2</a:t>
+              <a:t>10</a:t>
             </a:fld>
             <a:endParaRPr lang="de-DE"/>
           </a:p>
@@ -7663,7 +7707,7 @@
     </p:spTree>
     <p:extLst>
       <p:ext uri="{BB962C8B-B14F-4D97-AF65-F5344CB8AC3E}">
-        <p14:creationId xmlns:p14="http://schemas.microsoft.com/office/powerpoint/2010/main" val="1652078566"/>
+        <p14:creationId xmlns:p14="http://schemas.microsoft.com/office/powerpoint/2010/main" val="31547043"/>
       </p:ext>
     </p:extLst>
   </p:cSld>
@@ -7673,473 +7717,7 @@
 </p:sld>
 </file>
 
-<file path=ppt/slides/slide3.xml><?xml version="1.0" encoding="utf-8"?>
-<p:sld xmlns:a="http://schemas.openxmlformats.org/drawingml/2006/main" xmlns:r="http://schemas.openxmlformats.org/officeDocument/2006/relationships" xmlns:p="http://schemas.openxmlformats.org/presentationml/2006/main">
-  <p:cSld>
-    <p:spTree>
-      <p:nvGrpSpPr>
-        <p:cNvPr id="1" name=""/>
-        <p:cNvGrpSpPr/>
-        <p:nvPr/>
-      </p:nvGrpSpPr>
-      <p:grpSpPr>
-        <a:xfrm>
-          <a:off x="0" y="0"/>
-          <a:ext cx="0" cy="0"/>
-          <a:chOff x="0" y="0"/>
-          <a:chExt cx="0" cy="0"/>
-        </a:xfrm>
-      </p:grpSpPr>
-      <p:sp>
-        <p:nvSpPr>
-          <p:cNvPr id="2" name="Title 1">
-            <a:extLst>
-              <a:ext uri="{FF2B5EF4-FFF2-40B4-BE49-F238E27FC236}">
-                <a16:creationId xmlns:a16="http://schemas.microsoft.com/office/drawing/2014/main" id="{036CFF5D-590D-46D6-96F2-B346EBF1AF20}"/>
-              </a:ext>
-            </a:extLst>
-          </p:cNvPr>
-          <p:cNvSpPr>
-            <a:spLocks noGrp="1"/>
-          </p:cNvSpPr>
-          <p:nvPr>
-            <p:ph type="title"/>
-          </p:nvPr>
-        </p:nvSpPr>
-        <p:spPr>
-          <a:xfrm>
-            <a:off x="1380558" y="1239525"/>
-            <a:ext cx="9603275" cy="1049235"/>
-          </a:xfrm>
-        </p:spPr>
-        <p:txBody>
-          <a:bodyPr/>
-          <a:lstStyle/>
-          <a:p>
-            <a:r>
-              <a:rPr lang="de-DE" dirty="0"/>
-              <a:t>1. Motivation</a:t>
-            </a:r>
-            <a:br>
-              <a:rPr lang="de-DE" dirty="0"/>
-            </a:br>
-            <a:endParaRPr lang="de-DE" dirty="0"/>
-          </a:p>
-        </p:txBody>
-      </p:sp>
-      <p:sp>
-        <p:nvSpPr>
-          <p:cNvPr id="3" name="Content Placeholder 2">
-            <a:extLst>
-              <a:ext uri="{FF2B5EF4-FFF2-40B4-BE49-F238E27FC236}">
-                <a16:creationId xmlns:a16="http://schemas.microsoft.com/office/drawing/2014/main" id="{F10478B3-C53D-4011-99D0-9C097803737F}"/>
-              </a:ext>
-            </a:extLst>
-          </p:cNvPr>
-          <p:cNvSpPr>
-            <a:spLocks noGrp="1"/>
-          </p:cNvSpPr>
-          <p:nvPr>
-            <p:ph idx="1"/>
-          </p:nvPr>
-        </p:nvSpPr>
-        <p:spPr>
-          <a:xfrm>
-            <a:off x="1470038" y="1868776"/>
-            <a:ext cx="8251012" cy="2091703"/>
-          </a:xfrm>
-        </p:spPr>
-        <p:txBody>
-          <a:bodyPr>
-            <a:noAutofit/>
-          </a:bodyPr>
-          <a:lstStyle/>
-          <a:p>
-            <a:r>
-              <a:rPr lang="de-DE" sz="1800" dirty="0"/>
-              <a:t>19. Juli 2020 </a:t>
-            </a:r>
-            <a:r>
-              <a:rPr lang="de-DE" sz="1800" dirty="0">
-                <a:sym typeface="Wingdings" panose="05000000000000000000" pitchFamily="2" charset="2"/>
-              </a:rPr>
-              <a:t> </a:t>
-            </a:r>
-            <a:r>
-              <a:rPr lang="de-DE" sz="1800" dirty="0"/>
-              <a:t>Wattpad Databreach</a:t>
-            </a:r>
-          </a:p>
-          <a:p>
-            <a:r>
-              <a:rPr lang="de-DE" sz="1800" dirty="0"/>
-              <a:t>Kleine Webseite – Große Daten (268 Millionen Datensätze)</a:t>
-            </a:r>
-          </a:p>
-          <a:p>
-            <a:r>
-              <a:rPr lang="de-DE" sz="1800" dirty="0"/>
-              <a:t>Disskusionen im Freundeskreis zu 2FA</a:t>
-            </a:r>
-          </a:p>
-          <a:p>
-            <a:pPr lvl="1"/>
-            <a:r>
-              <a:rPr lang="de-DE" dirty="0"/>
-              <a:t>„Sind sie selbst Schuld wenn sie überall die selben Passwörter verwenden.“</a:t>
-            </a:r>
-          </a:p>
-          <a:p>
-            <a:pPr lvl="1"/>
-            <a:r>
-              <a:rPr lang="de-DE" dirty="0"/>
-              <a:t>„Wenn ich mein Handy (2FA registriert) verliere, dann sind ja alle Daten weg.“</a:t>
-            </a:r>
-          </a:p>
-          <a:p>
-            <a:pPr lvl="1"/>
-            <a:endParaRPr lang="de-DE" dirty="0"/>
-          </a:p>
-          <a:p>
-            <a:pPr marL="457200" lvl="1" indent="0">
-              <a:buNone/>
-            </a:pPr>
-            <a:endParaRPr lang="de-DE" dirty="0"/>
-          </a:p>
-        </p:txBody>
-      </p:sp>
-      <p:sp>
-        <p:nvSpPr>
-          <p:cNvPr id="8" name="Slide Number Placeholder 7">
-            <a:extLst>
-              <a:ext uri="{FF2B5EF4-FFF2-40B4-BE49-F238E27FC236}">
-                <a16:creationId xmlns:a16="http://schemas.microsoft.com/office/drawing/2014/main" id="{1ADABE09-CBD3-4BD4-A84E-BE22AA08BBD7}"/>
-              </a:ext>
-            </a:extLst>
-          </p:cNvPr>
-          <p:cNvSpPr>
-            <a:spLocks noGrp="1"/>
-          </p:cNvSpPr>
-          <p:nvPr>
-            <p:ph type="sldNum" sz="quarter" idx="12"/>
-          </p:nvPr>
-        </p:nvSpPr>
-        <p:spPr/>
-        <p:txBody>
-          <a:bodyPr/>
-          <a:lstStyle/>
-          <a:p>
-            <a:fld id="{2506CCB9-12E8-4B80-952C-584D19B36CCD}" type="slidenum">
-              <a:rPr lang="de-DE" smtClean="0"/>
-              <a:t>3</a:t>
-            </a:fld>
-            <a:endParaRPr lang="de-DE"/>
-          </a:p>
-        </p:txBody>
-      </p:sp>
-      <p:sp>
-        <p:nvSpPr>
-          <p:cNvPr id="9" name="Arrow: Down 8">
-            <a:extLst>
-              <a:ext uri="{FF2B5EF4-FFF2-40B4-BE49-F238E27FC236}">
-                <a16:creationId xmlns:a16="http://schemas.microsoft.com/office/drawing/2014/main" id="{5F00B5F7-6C44-4056-A166-1DC8EAAB5656}"/>
-              </a:ext>
-            </a:extLst>
-          </p:cNvPr>
-          <p:cNvSpPr/>
-          <p:nvPr/>
-        </p:nvSpPr>
-        <p:spPr>
-          <a:xfrm>
-            <a:off x="5175677" y="4041354"/>
-            <a:ext cx="541541" cy="671686"/>
-          </a:xfrm>
-          <a:prstGeom prst="downArrow">
-            <a:avLst/>
-          </a:prstGeom>
-        </p:spPr>
-        <p:style>
-          <a:lnRef idx="2">
-            <a:schemeClr val="accent1">
-              <a:shade val="50000"/>
-            </a:schemeClr>
-          </a:lnRef>
-          <a:fillRef idx="1">
-            <a:schemeClr val="accent1"/>
-          </a:fillRef>
-          <a:effectRef idx="0">
-            <a:schemeClr val="accent1"/>
-          </a:effectRef>
-          <a:fontRef idx="minor">
-            <a:schemeClr val="lt1"/>
-          </a:fontRef>
-        </p:style>
-        <p:txBody>
-          <a:bodyPr rtlCol="0" anchor="ctr"/>
-          <a:lstStyle/>
-          <a:p>
-            <a:pPr algn="ctr"/>
-            <a:endParaRPr lang="de-DE"/>
-          </a:p>
-        </p:txBody>
-      </p:sp>
-      <p:sp>
-        <p:nvSpPr>
-          <p:cNvPr id="11" name="TextBox 10">
-            <a:extLst>
-              <a:ext uri="{FF2B5EF4-FFF2-40B4-BE49-F238E27FC236}">
-                <a16:creationId xmlns:a16="http://schemas.microsoft.com/office/drawing/2014/main" id="{11B54DF0-FBA4-4FD1-BE7C-1D9D81745430}"/>
-              </a:ext>
-            </a:extLst>
-          </p:cNvPr>
-          <p:cNvSpPr txBox="1"/>
-          <p:nvPr/>
-        </p:nvSpPr>
-        <p:spPr>
-          <a:xfrm>
-            <a:off x="2595607" y="4793915"/>
-            <a:ext cx="5701683" cy="1200329"/>
-          </a:xfrm>
-          <a:prstGeom prst="rect">
-            <a:avLst/>
-          </a:prstGeom>
-          <a:noFill/>
-        </p:spPr>
-        <p:txBody>
-          <a:bodyPr wrap="square">
-            <a:spAutoFit/>
-          </a:bodyPr>
-          <a:lstStyle/>
-          <a:p>
-            <a:pPr marL="457200" lvl="1" indent="0" algn="ctr">
-              <a:buNone/>
-            </a:pPr>
-            <a:r>
-              <a:rPr lang="de-DE" dirty="0"/>
-              <a:t>„</a:t>
-            </a:r>
-            <a:r>
-              <a:rPr lang="de-DE" b="1" dirty="0"/>
-              <a:t>Ist die Authentifikation ohne Passwort immer noch eine Seltenheit?“</a:t>
-            </a:r>
-          </a:p>
-          <a:p>
-            <a:pPr marL="457200" lvl="1" indent="0" algn="ctr">
-              <a:buNone/>
-            </a:pPr>
-            <a:r>
-              <a:rPr lang="de-DE" dirty="0"/>
-              <a:t>„</a:t>
-            </a:r>
-            <a:r>
-              <a:rPr lang="de-DE" b="1" dirty="0"/>
-              <a:t>Wie könnte man Passwortprobleme reduzieren / lösen?“</a:t>
-            </a:r>
-          </a:p>
-        </p:txBody>
-      </p:sp>
-    </p:spTree>
-    <p:extLst>
-      <p:ext uri="{BB962C8B-B14F-4D97-AF65-F5344CB8AC3E}">
-        <p14:creationId xmlns:p14="http://schemas.microsoft.com/office/powerpoint/2010/main" val="2193435266"/>
-      </p:ext>
-    </p:extLst>
-  </p:cSld>
-  <p:clrMapOvr>
-    <a:masterClrMapping/>
-  </p:clrMapOvr>
-</p:sld>
-</file>
-
-<file path=ppt/slides/slide4.xml><?xml version="1.0" encoding="utf-8"?>
-<p:sld xmlns:a="http://schemas.openxmlformats.org/drawingml/2006/main" xmlns:r="http://schemas.openxmlformats.org/officeDocument/2006/relationships" xmlns:p="http://schemas.openxmlformats.org/presentationml/2006/main">
-  <p:cSld>
-    <p:spTree>
-      <p:nvGrpSpPr>
-        <p:cNvPr id="1" name=""/>
-        <p:cNvGrpSpPr/>
-        <p:nvPr/>
-      </p:nvGrpSpPr>
-      <p:grpSpPr>
-        <a:xfrm>
-          <a:off x="0" y="0"/>
-          <a:ext cx="0" cy="0"/>
-          <a:chOff x="0" y="0"/>
-          <a:chExt cx="0" cy="0"/>
-        </a:xfrm>
-      </p:grpSpPr>
-      <p:sp>
-        <p:nvSpPr>
-          <p:cNvPr id="2" name="Title 1">
-            <a:extLst>
-              <a:ext uri="{FF2B5EF4-FFF2-40B4-BE49-F238E27FC236}">
-                <a16:creationId xmlns:a16="http://schemas.microsoft.com/office/drawing/2014/main" id="{036CFF5D-590D-46D6-96F2-B346EBF1AF20}"/>
-              </a:ext>
-            </a:extLst>
-          </p:cNvPr>
-          <p:cNvSpPr>
-            <a:spLocks noGrp="1"/>
-          </p:cNvSpPr>
-          <p:nvPr>
-            <p:ph type="title"/>
-          </p:nvPr>
-        </p:nvSpPr>
-        <p:spPr>
-          <a:xfrm>
-            <a:off x="1380558" y="1239525"/>
-            <a:ext cx="9603275" cy="503579"/>
-          </a:xfrm>
-        </p:spPr>
-        <p:txBody>
-          <a:bodyPr>
-            <a:normAutofit fontScale="90000"/>
-          </a:bodyPr>
-          <a:lstStyle/>
-          <a:p>
-            <a:r>
-              <a:rPr lang="de-DE" dirty="0"/>
-              <a:t>2. Vorangehensweise</a:t>
-            </a:r>
-            <a:br>
-              <a:rPr lang="de-DE" dirty="0"/>
-            </a:br>
-            <a:endParaRPr lang="de-DE" dirty="0"/>
-          </a:p>
-        </p:txBody>
-      </p:sp>
-      <p:sp>
-        <p:nvSpPr>
-          <p:cNvPr id="8" name="Slide Number Placeholder 7">
-            <a:extLst>
-              <a:ext uri="{FF2B5EF4-FFF2-40B4-BE49-F238E27FC236}">
-                <a16:creationId xmlns:a16="http://schemas.microsoft.com/office/drawing/2014/main" id="{1ADABE09-CBD3-4BD4-A84E-BE22AA08BBD7}"/>
-              </a:ext>
-            </a:extLst>
-          </p:cNvPr>
-          <p:cNvSpPr>
-            <a:spLocks noGrp="1"/>
-          </p:cNvSpPr>
-          <p:nvPr>
-            <p:ph type="sldNum" sz="quarter" idx="12"/>
-          </p:nvPr>
-        </p:nvSpPr>
-        <p:spPr/>
-        <p:txBody>
-          <a:bodyPr/>
-          <a:lstStyle/>
-          <a:p>
-            <a:fld id="{2506CCB9-12E8-4B80-952C-584D19B36CCD}" type="slidenum">
-              <a:rPr lang="de-DE" smtClean="0"/>
-              <a:t>4</a:t>
-            </a:fld>
-            <a:endParaRPr lang="de-DE"/>
-          </a:p>
-        </p:txBody>
-      </p:sp>
-      <p:graphicFrame>
-        <p:nvGraphicFramePr>
-          <p:cNvPr id="4" name="Diagram 3">
-            <a:extLst>
-              <a:ext uri="{FF2B5EF4-FFF2-40B4-BE49-F238E27FC236}">
-                <a16:creationId xmlns:a16="http://schemas.microsoft.com/office/drawing/2014/main" id="{A0C665B6-DEDC-4CD4-9962-2B3F829B14EB}"/>
-              </a:ext>
-            </a:extLst>
-          </p:cNvPr>
-          <p:cNvGraphicFramePr/>
-          <p:nvPr>
-            <p:extLst>
-              <p:ext uri="{D42A27DB-BD31-4B8C-83A1-F6EECF244321}">
-                <p14:modId xmlns:p14="http://schemas.microsoft.com/office/powerpoint/2010/main" val="1415450933"/>
-              </p:ext>
-            </p:extLst>
-          </p:nvPr>
-        </p:nvGraphicFramePr>
-        <p:xfrm>
-          <a:off x="-453747" y="1944209"/>
-          <a:ext cx="12332070" cy="4008286"/>
-        </p:xfrm>
-        <a:graphic>
-          <a:graphicData uri="http://schemas.openxmlformats.org/drawingml/2006/diagram">
-            <dgm:relIds xmlns:dgm="http://schemas.openxmlformats.org/drawingml/2006/diagram" xmlns:r="http://schemas.openxmlformats.org/officeDocument/2006/relationships" r:dm="rId2" r:lo="rId3" r:qs="rId4" r:cs="rId5"/>
-          </a:graphicData>
-        </a:graphic>
-      </p:graphicFrame>
-      <p:sp>
-        <p:nvSpPr>
-          <p:cNvPr id="14" name="Arrow: Bent-Up 13">
-            <a:extLst>
-              <a:ext uri="{FF2B5EF4-FFF2-40B4-BE49-F238E27FC236}">
-                <a16:creationId xmlns:a16="http://schemas.microsoft.com/office/drawing/2014/main" id="{5031E6F2-A903-4F50-A27D-43A319407A82}"/>
-              </a:ext>
-            </a:extLst>
-          </p:cNvPr>
-          <p:cNvSpPr/>
-          <p:nvPr/>
-        </p:nvSpPr>
-        <p:spPr>
-          <a:xfrm rot="16200000">
-            <a:off x="6287362" y="3728941"/>
-            <a:ext cx="611576" cy="696258"/>
-          </a:xfrm>
-          <a:prstGeom prst="bentUpArrow">
-            <a:avLst>
-              <a:gd name="adj1" fmla="val 32840"/>
-              <a:gd name="adj2" fmla="val 25000"/>
-              <a:gd name="adj3" fmla="val 35780"/>
-            </a:avLst>
-          </a:prstGeom>
-        </p:spPr>
-        <p:style>
-          <a:lnRef idx="2">
-            <a:schemeClr val="lt1">
-              <a:hueOff val="0"/>
-              <a:satOff val="0"/>
-              <a:lumOff val="0"/>
-              <a:alphaOff val="0"/>
-            </a:schemeClr>
-          </a:lnRef>
-          <a:fillRef idx="1">
-            <a:schemeClr val="accent1">
-              <a:tint val="50000"/>
-              <a:hueOff val="0"/>
-              <a:satOff val="0"/>
-              <a:lumOff val="0"/>
-              <a:alphaOff val="0"/>
-            </a:schemeClr>
-          </a:fillRef>
-          <a:effectRef idx="0">
-            <a:schemeClr val="accent1">
-              <a:tint val="50000"/>
-              <a:hueOff val="0"/>
-              <a:satOff val="0"/>
-              <a:lumOff val="0"/>
-              <a:alphaOff val="0"/>
-            </a:schemeClr>
-          </a:effectRef>
-          <a:fontRef idx="minor">
-            <a:schemeClr val="lt1">
-              <a:hueOff val="0"/>
-              <a:satOff val="0"/>
-              <a:lumOff val="0"/>
-              <a:alphaOff val="0"/>
-            </a:schemeClr>
-          </a:fontRef>
-        </p:style>
-      </p:sp>
-    </p:spTree>
-    <p:extLst>
-      <p:ext uri="{BB962C8B-B14F-4D97-AF65-F5344CB8AC3E}">
-        <p14:creationId xmlns:p14="http://schemas.microsoft.com/office/powerpoint/2010/main" val="1344500527"/>
-      </p:ext>
-    </p:extLst>
-  </p:cSld>
-  <p:clrMapOvr>
-    <a:masterClrMapping/>
-  </p:clrMapOvr>
-</p:sld>
-</file>
-
-<file path=ppt/slides/slide5.xml><?xml version="1.0" encoding="utf-8"?>
+<file path=ppt/slides/slide11.xml><?xml version="1.0" encoding="utf-8"?>
 <p:sld xmlns:a="http://schemas.openxmlformats.org/drawingml/2006/main" xmlns:r="http://schemas.openxmlformats.org/officeDocument/2006/relationships" xmlns:p="http://schemas.openxmlformats.org/presentationml/2006/main">
   <p:cSld>
     <p:spTree>
@@ -8426,7 +8004,7 @@
           <a:p>
             <a:fld id="{2506CCB9-12E8-4B80-952C-584D19B36CCD}" type="slidenum">
               <a:rPr lang="de-DE" smtClean="0"/>
-              <a:t>5</a:t>
+              <a:t>11</a:t>
             </a:fld>
             <a:endParaRPr lang="de-DE"/>
           </a:p>
@@ -8436,6 +8014,1886 @@
     <p:extLst>
       <p:ext uri="{BB962C8B-B14F-4D97-AF65-F5344CB8AC3E}">
         <p14:creationId xmlns:p14="http://schemas.microsoft.com/office/powerpoint/2010/main" val="769275696"/>
+      </p:ext>
+    </p:extLst>
+  </p:cSld>
+  <p:clrMapOvr>
+    <a:masterClrMapping/>
+  </p:clrMapOvr>
+</p:sld>
+</file>
+
+<file path=ppt/slides/slide2.xml><?xml version="1.0" encoding="utf-8"?>
+<p:sld xmlns:a="http://schemas.openxmlformats.org/drawingml/2006/main" xmlns:r="http://schemas.openxmlformats.org/officeDocument/2006/relationships" xmlns:p="http://schemas.openxmlformats.org/presentationml/2006/main">
+  <p:cSld>
+    <p:spTree>
+      <p:nvGrpSpPr>
+        <p:cNvPr id="1" name=""/>
+        <p:cNvGrpSpPr/>
+        <p:nvPr/>
+      </p:nvGrpSpPr>
+      <p:grpSpPr>
+        <a:xfrm>
+          <a:off x="0" y="0"/>
+          <a:ext cx="0" cy="0"/>
+          <a:chOff x="0" y="0"/>
+          <a:chExt cx="0" cy="0"/>
+        </a:xfrm>
+      </p:grpSpPr>
+      <p:sp>
+        <p:nvSpPr>
+          <p:cNvPr id="2" name="Title 1">
+            <a:extLst>
+              <a:ext uri="{FF2B5EF4-FFF2-40B4-BE49-F238E27FC236}">
+                <a16:creationId xmlns:a16="http://schemas.microsoft.com/office/drawing/2014/main" id="{383D3E38-E8B3-4ADA-A494-5FD14AFD6470}"/>
+              </a:ext>
+            </a:extLst>
+          </p:cNvPr>
+          <p:cNvSpPr>
+            <a:spLocks noGrp="1"/>
+          </p:cNvSpPr>
+          <p:nvPr>
+            <p:ph type="title"/>
+          </p:nvPr>
+        </p:nvSpPr>
+        <p:spPr>
+          <a:xfrm>
+            <a:off x="1451579" y="1296140"/>
+            <a:ext cx="9603275" cy="495471"/>
+          </a:xfrm>
+        </p:spPr>
+        <p:txBody>
+          <a:bodyPr>
+            <a:normAutofit fontScale="90000"/>
+          </a:bodyPr>
+          <a:lstStyle/>
+          <a:p>
+            <a:r>
+              <a:rPr lang="de-DE" dirty="0"/>
+              <a:t>Gliederung</a:t>
+            </a:r>
+          </a:p>
+        </p:txBody>
+      </p:sp>
+      <p:sp>
+        <p:nvSpPr>
+          <p:cNvPr id="3" name="Content Placeholder 2">
+            <a:extLst>
+              <a:ext uri="{FF2B5EF4-FFF2-40B4-BE49-F238E27FC236}">
+                <a16:creationId xmlns:a16="http://schemas.microsoft.com/office/drawing/2014/main" id="{1F7CDB46-68C0-4249-8E88-FAA3F629AE18}"/>
+              </a:ext>
+            </a:extLst>
+          </p:cNvPr>
+          <p:cNvSpPr>
+            <a:spLocks noGrp="1"/>
+          </p:cNvSpPr>
+          <p:nvPr>
+            <p:ph idx="1"/>
+          </p:nvPr>
+        </p:nvSpPr>
+        <p:spPr>
+          <a:xfrm>
+            <a:off x="1451579" y="2077876"/>
+            <a:ext cx="9603275" cy="3923429"/>
+          </a:xfrm>
+        </p:spPr>
+        <p:txBody>
+          <a:bodyPr>
+            <a:normAutofit/>
+          </a:bodyPr>
+          <a:lstStyle/>
+          <a:p>
+            <a:r>
+              <a:rPr lang="de-DE" dirty="0"/>
+              <a:t>1. Einleitung</a:t>
+            </a:r>
+          </a:p>
+          <a:p>
+            <a:pPr lvl="1"/>
+            <a:r>
+              <a:rPr lang="de-DE" dirty="0"/>
+              <a:t>1.1 Motivation</a:t>
+            </a:r>
+          </a:p>
+          <a:p>
+            <a:pPr lvl="1"/>
+            <a:r>
+              <a:rPr lang="de-DE" dirty="0"/>
+              <a:t>1.2  Vorangehensweise</a:t>
+            </a:r>
+          </a:p>
+          <a:p>
+            <a:pPr lvl="1"/>
+            <a:r>
+              <a:rPr lang="de-DE" dirty="0"/>
+              <a:t>1.3 Zusammenfassung</a:t>
+            </a:r>
+          </a:p>
+          <a:p>
+            <a:r>
+              <a:rPr lang="de-DE" dirty="0"/>
+              <a:t>2. Erkenntnisse</a:t>
+            </a:r>
+          </a:p>
+          <a:p>
+            <a:r>
+              <a:rPr lang="de-DE" dirty="0"/>
+              <a:t>3. Spannende Aspekte</a:t>
+            </a:r>
+          </a:p>
+          <a:p>
+            <a:r>
+              <a:rPr lang="de-DE" dirty="0"/>
+              <a:t>4. Reflektion</a:t>
+            </a:r>
+          </a:p>
+          <a:p>
+            <a:r>
+              <a:rPr lang="de-DE" dirty="0"/>
+              <a:t>5. Zusammenfassung</a:t>
+            </a:r>
+          </a:p>
+        </p:txBody>
+      </p:sp>
+      <p:sp>
+        <p:nvSpPr>
+          <p:cNvPr id="8" name="Slide Number Placeholder 7">
+            <a:extLst>
+              <a:ext uri="{FF2B5EF4-FFF2-40B4-BE49-F238E27FC236}">
+                <a16:creationId xmlns:a16="http://schemas.microsoft.com/office/drawing/2014/main" id="{CDC32835-5BC9-4F61-9362-2EED11DCD888}"/>
+              </a:ext>
+            </a:extLst>
+          </p:cNvPr>
+          <p:cNvSpPr>
+            <a:spLocks noGrp="1"/>
+          </p:cNvSpPr>
+          <p:nvPr>
+            <p:ph type="sldNum" sz="quarter" idx="12"/>
+          </p:nvPr>
+        </p:nvSpPr>
+        <p:spPr/>
+        <p:txBody>
+          <a:bodyPr/>
+          <a:lstStyle/>
+          <a:p>
+            <a:fld id="{2506CCB9-12E8-4B80-952C-584D19B36CCD}" type="slidenum">
+              <a:rPr lang="de-DE" smtClean="0"/>
+              <a:t>2</a:t>
+            </a:fld>
+            <a:endParaRPr lang="de-DE"/>
+          </a:p>
+        </p:txBody>
+      </p:sp>
+    </p:spTree>
+    <p:extLst>
+      <p:ext uri="{BB962C8B-B14F-4D97-AF65-F5344CB8AC3E}">
+        <p14:creationId xmlns:p14="http://schemas.microsoft.com/office/powerpoint/2010/main" val="1652078566"/>
+      </p:ext>
+    </p:extLst>
+  </p:cSld>
+  <p:clrMapOvr>
+    <a:masterClrMapping/>
+  </p:clrMapOvr>
+</p:sld>
+</file>
+
+<file path=ppt/slides/slide3.xml><?xml version="1.0" encoding="utf-8"?>
+<p:sld xmlns:a="http://schemas.openxmlformats.org/drawingml/2006/main" xmlns:r="http://schemas.openxmlformats.org/officeDocument/2006/relationships" xmlns:p="http://schemas.openxmlformats.org/presentationml/2006/main">
+  <p:cSld>
+    <p:spTree>
+      <p:nvGrpSpPr>
+        <p:cNvPr id="1" name=""/>
+        <p:cNvGrpSpPr/>
+        <p:nvPr/>
+      </p:nvGrpSpPr>
+      <p:grpSpPr>
+        <a:xfrm>
+          <a:off x="0" y="0"/>
+          <a:ext cx="0" cy="0"/>
+          <a:chOff x="0" y="0"/>
+          <a:chExt cx="0" cy="0"/>
+        </a:xfrm>
+      </p:grpSpPr>
+      <p:sp>
+        <p:nvSpPr>
+          <p:cNvPr id="2" name="Title 1">
+            <a:extLst>
+              <a:ext uri="{FF2B5EF4-FFF2-40B4-BE49-F238E27FC236}">
+                <a16:creationId xmlns:a16="http://schemas.microsoft.com/office/drawing/2014/main" id="{7470DDF2-A80B-482E-AEB0-FBE6C1E6EEEB}"/>
+              </a:ext>
+            </a:extLst>
+          </p:cNvPr>
+          <p:cNvSpPr>
+            <a:spLocks noGrp="1"/>
+          </p:cNvSpPr>
+          <p:nvPr>
+            <p:ph type="title"/>
+          </p:nvPr>
+        </p:nvSpPr>
+        <p:spPr>
+          <a:xfrm>
+            <a:off x="1451579" y="1233996"/>
+            <a:ext cx="9603275" cy="619758"/>
+          </a:xfrm>
+        </p:spPr>
+        <p:txBody>
+          <a:bodyPr/>
+          <a:lstStyle/>
+          <a:p>
+            <a:r>
+              <a:rPr lang="de-DE" dirty="0"/>
+              <a:t>1. Einleitung</a:t>
+            </a:r>
+          </a:p>
+        </p:txBody>
+      </p:sp>
+      <p:sp>
+        <p:nvSpPr>
+          <p:cNvPr id="4" name="Slide Number Placeholder 3">
+            <a:extLst>
+              <a:ext uri="{FF2B5EF4-FFF2-40B4-BE49-F238E27FC236}">
+                <a16:creationId xmlns:a16="http://schemas.microsoft.com/office/drawing/2014/main" id="{2543CDA8-6212-4716-99F1-31071465B32B}"/>
+              </a:ext>
+            </a:extLst>
+          </p:cNvPr>
+          <p:cNvSpPr>
+            <a:spLocks noGrp="1"/>
+          </p:cNvSpPr>
+          <p:nvPr>
+            <p:ph type="sldNum" sz="quarter" idx="12"/>
+          </p:nvPr>
+        </p:nvSpPr>
+        <p:spPr/>
+        <p:txBody>
+          <a:bodyPr/>
+          <a:lstStyle/>
+          <a:p>
+            <a:fld id="{2506CCB9-12E8-4B80-952C-584D19B36CCD}" type="slidenum">
+              <a:rPr lang="de-DE" smtClean="0"/>
+              <a:t>3</a:t>
+            </a:fld>
+            <a:endParaRPr lang="de-DE"/>
+          </a:p>
+        </p:txBody>
+      </p:sp>
+      <p:pic>
+        <p:nvPicPr>
+          <p:cNvPr id="6" name="Picture 5">
+            <a:extLst>
+              <a:ext uri="{FF2B5EF4-FFF2-40B4-BE49-F238E27FC236}">
+                <a16:creationId xmlns:a16="http://schemas.microsoft.com/office/drawing/2014/main" id="{8A82FF8F-2C48-4337-A416-B276F8E55655}"/>
+              </a:ext>
+            </a:extLst>
+          </p:cNvPr>
+          <p:cNvPicPr>
+            <a:picLocks noChangeAspect="1"/>
+          </p:cNvPicPr>
+          <p:nvPr/>
+        </p:nvPicPr>
+        <p:blipFill>
+          <a:blip r:embed="rId2">
+            <a:extLst>
+              <a:ext uri="{28A0092B-C50C-407E-A947-70E740481C1C}">
+                <a14:useLocalDpi xmlns:a14="http://schemas.microsoft.com/office/drawing/2010/main" val="0"/>
+              </a:ext>
+            </a:extLst>
+          </a:blip>
+          <a:stretch>
+            <a:fillRect/>
+          </a:stretch>
+        </p:blipFill>
+        <p:spPr>
+          <a:xfrm>
+            <a:off x="2454838" y="1951409"/>
+            <a:ext cx="7282324" cy="4094284"/>
+          </a:xfrm>
+          <a:prstGeom prst="rect">
+            <a:avLst/>
+          </a:prstGeom>
+        </p:spPr>
+      </p:pic>
+    </p:spTree>
+    <p:extLst>
+      <p:ext uri="{BB962C8B-B14F-4D97-AF65-F5344CB8AC3E}">
+        <p14:creationId xmlns:p14="http://schemas.microsoft.com/office/powerpoint/2010/main" val="2220257138"/>
+      </p:ext>
+    </p:extLst>
+  </p:cSld>
+  <p:clrMapOvr>
+    <a:masterClrMapping/>
+  </p:clrMapOvr>
+</p:sld>
+</file>
+
+<file path=ppt/slides/slide4.xml><?xml version="1.0" encoding="utf-8"?>
+<p:sld xmlns:a="http://schemas.openxmlformats.org/drawingml/2006/main" xmlns:r="http://schemas.openxmlformats.org/officeDocument/2006/relationships" xmlns:p="http://schemas.openxmlformats.org/presentationml/2006/main">
+  <p:cSld>
+    <p:spTree>
+      <p:nvGrpSpPr>
+        <p:cNvPr id="1" name=""/>
+        <p:cNvGrpSpPr/>
+        <p:nvPr/>
+      </p:nvGrpSpPr>
+      <p:grpSpPr>
+        <a:xfrm>
+          <a:off x="0" y="0"/>
+          <a:ext cx="0" cy="0"/>
+          <a:chOff x="0" y="0"/>
+          <a:chExt cx="0" cy="0"/>
+        </a:xfrm>
+      </p:grpSpPr>
+      <p:sp>
+        <p:nvSpPr>
+          <p:cNvPr id="2" name="Title 1">
+            <a:extLst>
+              <a:ext uri="{FF2B5EF4-FFF2-40B4-BE49-F238E27FC236}">
+                <a16:creationId xmlns:a16="http://schemas.microsoft.com/office/drawing/2014/main" id="{036CFF5D-590D-46D6-96F2-B346EBF1AF20}"/>
+              </a:ext>
+            </a:extLst>
+          </p:cNvPr>
+          <p:cNvSpPr>
+            <a:spLocks noGrp="1"/>
+          </p:cNvSpPr>
+          <p:nvPr>
+            <p:ph type="title"/>
+          </p:nvPr>
+        </p:nvSpPr>
+        <p:spPr>
+          <a:xfrm>
+            <a:off x="1380558" y="1239525"/>
+            <a:ext cx="9603275" cy="1049235"/>
+          </a:xfrm>
+        </p:spPr>
+        <p:txBody>
+          <a:bodyPr/>
+          <a:lstStyle/>
+          <a:p>
+            <a:r>
+              <a:rPr lang="de-DE" dirty="0"/>
+              <a:t>1.1 Motivation</a:t>
+            </a:r>
+            <a:br>
+              <a:rPr lang="de-DE" dirty="0"/>
+            </a:br>
+            <a:endParaRPr lang="de-DE" dirty="0"/>
+          </a:p>
+        </p:txBody>
+      </p:sp>
+      <p:sp>
+        <p:nvSpPr>
+          <p:cNvPr id="3" name="Content Placeholder 2">
+            <a:extLst>
+              <a:ext uri="{FF2B5EF4-FFF2-40B4-BE49-F238E27FC236}">
+                <a16:creationId xmlns:a16="http://schemas.microsoft.com/office/drawing/2014/main" id="{F10478B3-C53D-4011-99D0-9C097803737F}"/>
+              </a:ext>
+            </a:extLst>
+          </p:cNvPr>
+          <p:cNvSpPr>
+            <a:spLocks noGrp="1"/>
+          </p:cNvSpPr>
+          <p:nvPr>
+            <p:ph idx="1"/>
+          </p:nvPr>
+        </p:nvSpPr>
+        <p:spPr>
+          <a:xfrm>
+            <a:off x="1470038" y="1868776"/>
+            <a:ext cx="9603274" cy="2170564"/>
+          </a:xfrm>
+        </p:spPr>
+        <p:txBody>
+          <a:bodyPr>
+            <a:noAutofit/>
+          </a:bodyPr>
+          <a:lstStyle/>
+          <a:p>
+            <a:r>
+              <a:rPr lang="de-DE" sz="1800" dirty="0"/>
+              <a:t>19. Juli 2020 </a:t>
+            </a:r>
+            <a:r>
+              <a:rPr lang="de-DE" sz="1800" dirty="0">
+                <a:sym typeface="Wingdings" panose="05000000000000000000" pitchFamily="2" charset="2"/>
+              </a:rPr>
+              <a:t> </a:t>
+            </a:r>
+            <a:r>
+              <a:rPr lang="de-DE" sz="1800" dirty="0"/>
+              <a:t>Wattpad Databreach</a:t>
+            </a:r>
+          </a:p>
+          <a:p>
+            <a:r>
+              <a:rPr lang="de-DE" sz="1800" dirty="0"/>
+              <a:t>Kleine Webseite – Große Daten (268 Millionen Datensätze)</a:t>
+            </a:r>
+          </a:p>
+          <a:p>
+            <a:r>
+              <a:rPr lang="de-DE" sz="1800" dirty="0"/>
+              <a:t>Disskusionen im Freundeskreis zu 2FA -&gt; Bestehend aus zwei Lagern</a:t>
+            </a:r>
+          </a:p>
+          <a:p>
+            <a:pPr lvl="1"/>
+            <a:r>
+              <a:rPr lang="de-DE" dirty="0"/>
+              <a:t>1) „Sind sie selbst Schuld wenn sie überall die selben Passwörter verwenden.“</a:t>
+            </a:r>
+          </a:p>
+          <a:p>
+            <a:pPr lvl="1"/>
+            <a:r>
+              <a:rPr lang="de-DE" dirty="0"/>
+              <a:t>2) „Wenn ich mein Handy (2FA registriert) verliere, dann sind ja alle Daten weg.“</a:t>
+            </a:r>
+          </a:p>
+        </p:txBody>
+      </p:sp>
+      <p:sp>
+        <p:nvSpPr>
+          <p:cNvPr id="8" name="Slide Number Placeholder 7">
+            <a:extLst>
+              <a:ext uri="{FF2B5EF4-FFF2-40B4-BE49-F238E27FC236}">
+                <a16:creationId xmlns:a16="http://schemas.microsoft.com/office/drawing/2014/main" id="{1ADABE09-CBD3-4BD4-A84E-BE22AA08BBD7}"/>
+              </a:ext>
+            </a:extLst>
+          </p:cNvPr>
+          <p:cNvSpPr>
+            <a:spLocks noGrp="1"/>
+          </p:cNvSpPr>
+          <p:nvPr>
+            <p:ph type="sldNum" sz="quarter" idx="12"/>
+          </p:nvPr>
+        </p:nvSpPr>
+        <p:spPr/>
+        <p:txBody>
+          <a:bodyPr/>
+          <a:lstStyle/>
+          <a:p>
+            <a:fld id="{2506CCB9-12E8-4B80-952C-584D19B36CCD}" type="slidenum">
+              <a:rPr lang="de-DE" smtClean="0"/>
+              <a:t>4</a:t>
+            </a:fld>
+            <a:endParaRPr lang="de-DE"/>
+          </a:p>
+        </p:txBody>
+      </p:sp>
+      <p:sp>
+        <p:nvSpPr>
+          <p:cNvPr id="9" name="Arrow: Down 8">
+            <a:extLst>
+              <a:ext uri="{FF2B5EF4-FFF2-40B4-BE49-F238E27FC236}">
+                <a16:creationId xmlns:a16="http://schemas.microsoft.com/office/drawing/2014/main" id="{5F00B5F7-6C44-4056-A166-1DC8EAAB5656}"/>
+              </a:ext>
+            </a:extLst>
+          </p:cNvPr>
+          <p:cNvSpPr/>
+          <p:nvPr/>
+        </p:nvSpPr>
+        <p:spPr>
+          <a:xfrm>
+            <a:off x="5324773" y="4116814"/>
+            <a:ext cx="541541" cy="671686"/>
+          </a:xfrm>
+          <a:prstGeom prst="downArrow">
+            <a:avLst/>
+          </a:prstGeom>
+        </p:spPr>
+        <p:style>
+          <a:lnRef idx="2">
+            <a:schemeClr val="accent1">
+              <a:shade val="50000"/>
+            </a:schemeClr>
+          </a:lnRef>
+          <a:fillRef idx="1">
+            <a:schemeClr val="accent1"/>
+          </a:fillRef>
+          <a:effectRef idx="0">
+            <a:schemeClr val="accent1"/>
+          </a:effectRef>
+          <a:fontRef idx="minor">
+            <a:schemeClr val="lt1"/>
+          </a:fontRef>
+        </p:style>
+        <p:txBody>
+          <a:bodyPr rtlCol="0" anchor="ctr"/>
+          <a:lstStyle/>
+          <a:p>
+            <a:pPr algn="ctr"/>
+            <a:endParaRPr lang="de-DE"/>
+          </a:p>
+        </p:txBody>
+      </p:sp>
+      <p:sp>
+        <p:nvSpPr>
+          <p:cNvPr id="11" name="TextBox 10">
+            <a:extLst>
+              <a:ext uri="{FF2B5EF4-FFF2-40B4-BE49-F238E27FC236}">
+                <a16:creationId xmlns:a16="http://schemas.microsoft.com/office/drawing/2014/main" id="{11B54DF0-FBA4-4FD1-BE7C-1D9D81745430}"/>
+              </a:ext>
+            </a:extLst>
+          </p:cNvPr>
+          <p:cNvSpPr txBox="1"/>
+          <p:nvPr/>
+        </p:nvSpPr>
+        <p:spPr>
+          <a:xfrm>
+            <a:off x="1185006" y="4944835"/>
+            <a:ext cx="8821076" cy="923330"/>
+          </a:xfrm>
+          <a:prstGeom prst="rect">
+            <a:avLst/>
+          </a:prstGeom>
+          <a:noFill/>
+        </p:spPr>
+        <p:txBody>
+          <a:bodyPr wrap="square">
+            <a:spAutoFit/>
+          </a:bodyPr>
+          <a:lstStyle/>
+          <a:p>
+            <a:pPr marL="457200" lvl="1" indent="0" algn="ctr">
+              <a:buNone/>
+            </a:pPr>
+            <a:r>
+              <a:rPr lang="de-DE" dirty="0"/>
+              <a:t>„</a:t>
+            </a:r>
+            <a:r>
+              <a:rPr lang="de-DE" b="1" dirty="0"/>
+              <a:t>Inwiefern bietet die Authentifikation ohne Passwort Vor- und Nachteile gegenüber Webanwendungen hinsichtlich Nutzerfreundlichkeit, Datenschutz und Sicherheit?“</a:t>
+            </a:r>
+          </a:p>
+        </p:txBody>
+      </p:sp>
+    </p:spTree>
+    <p:extLst>
+      <p:ext uri="{BB962C8B-B14F-4D97-AF65-F5344CB8AC3E}">
+        <p14:creationId xmlns:p14="http://schemas.microsoft.com/office/powerpoint/2010/main" val="2193435266"/>
+      </p:ext>
+    </p:extLst>
+  </p:cSld>
+  <p:clrMapOvr>
+    <a:masterClrMapping/>
+  </p:clrMapOvr>
+</p:sld>
+</file>
+
+<file path=ppt/slides/slide5.xml><?xml version="1.0" encoding="utf-8"?>
+<p:sld xmlns:a="http://schemas.openxmlformats.org/drawingml/2006/main" xmlns:r="http://schemas.openxmlformats.org/officeDocument/2006/relationships" xmlns:p="http://schemas.openxmlformats.org/presentationml/2006/main">
+  <p:cSld>
+    <p:spTree>
+      <p:nvGrpSpPr>
+        <p:cNvPr id="1" name=""/>
+        <p:cNvGrpSpPr/>
+        <p:nvPr/>
+      </p:nvGrpSpPr>
+      <p:grpSpPr>
+        <a:xfrm>
+          <a:off x="0" y="0"/>
+          <a:ext cx="0" cy="0"/>
+          <a:chOff x="0" y="0"/>
+          <a:chExt cx="0" cy="0"/>
+        </a:xfrm>
+      </p:grpSpPr>
+      <p:sp>
+        <p:nvSpPr>
+          <p:cNvPr id="2" name="Title 1">
+            <a:extLst>
+              <a:ext uri="{FF2B5EF4-FFF2-40B4-BE49-F238E27FC236}">
+                <a16:creationId xmlns:a16="http://schemas.microsoft.com/office/drawing/2014/main" id="{036CFF5D-590D-46D6-96F2-B346EBF1AF20}"/>
+              </a:ext>
+            </a:extLst>
+          </p:cNvPr>
+          <p:cNvSpPr>
+            <a:spLocks noGrp="1"/>
+          </p:cNvSpPr>
+          <p:nvPr>
+            <p:ph type="title"/>
+          </p:nvPr>
+        </p:nvSpPr>
+        <p:spPr>
+          <a:xfrm>
+            <a:off x="1380558" y="1239525"/>
+            <a:ext cx="9603275" cy="503579"/>
+          </a:xfrm>
+        </p:spPr>
+        <p:txBody>
+          <a:bodyPr>
+            <a:normAutofit fontScale="90000"/>
+          </a:bodyPr>
+          <a:lstStyle/>
+          <a:p>
+            <a:r>
+              <a:rPr lang="de-DE" dirty="0"/>
+              <a:t>1.2  Vorangehensweise</a:t>
+            </a:r>
+            <a:br>
+              <a:rPr lang="de-DE" dirty="0"/>
+            </a:br>
+            <a:endParaRPr lang="de-DE" dirty="0"/>
+          </a:p>
+        </p:txBody>
+      </p:sp>
+      <p:sp>
+        <p:nvSpPr>
+          <p:cNvPr id="8" name="Slide Number Placeholder 7">
+            <a:extLst>
+              <a:ext uri="{FF2B5EF4-FFF2-40B4-BE49-F238E27FC236}">
+                <a16:creationId xmlns:a16="http://schemas.microsoft.com/office/drawing/2014/main" id="{1ADABE09-CBD3-4BD4-A84E-BE22AA08BBD7}"/>
+              </a:ext>
+            </a:extLst>
+          </p:cNvPr>
+          <p:cNvSpPr>
+            <a:spLocks noGrp="1"/>
+          </p:cNvSpPr>
+          <p:nvPr>
+            <p:ph type="sldNum" sz="quarter" idx="12"/>
+          </p:nvPr>
+        </p:nvSpPr>
+        <p:spPr/>
+        <p:txBody>
+          <a:bodyPr/>
+          <a:lstStyle/>
+          <a:p>
+            <a:fld id="{2506CCB9-12E8-4B80-952C-584D19B36CCD}" type="slidenum">
+              <a:rPr lang="de-DE" smtClean="0"/>
+              <a:t>5</a:t>
+            </a:fld>
+            <a:endParaRPr lang="de-DE"/>
+          </a:p>
+        </p:txBody>
+      </p:sp>
+      <p:graphicFrame>
+        <p:nvGraphicFramePr>
+          <p:cNvPr id="4" name="Diagram 3">
+            <a:extLst>
+              <a:ext uri="{FF2B5EF4-FFF2-40B4-BE49-F238E27FC236}">
+                <a16:creationId xmlns:a16="http://schemas.microsoft.com/office/drawing/2014/main" id="{A0C665B6-DEDC-4CD4-9962-2B3F829B14EB}"/>
+              </a:ext>
+            </a:extLst>
+          </p:cNvPr>
+          <p:cNvGraphicFramePr/>
+          <p:nvPr>
+            <p:extLst>
+              <p:ext uri="{D42A27DB-BD31-4B8C-83A1-F6EECF244321}">
+                <p14:modId xmlns:p14="http://schemas.microsoft.com/office/powerpoint/2010/main" val="1415450933"/>
+              </p:ext>
+            </p:extLst>
+          </p:nvPr>
+        </p:nvGraphicFramePr>
+        <p:xfrm>
+          <a:off x="-453747" y="1944209"/>
+          <a:ext cx="12332070" cy="4008286"/>
+        </p:xfrm>
+        <a:graphic>
+          <a:graphicData uri="http://schemas.openxmlformats.org/drawingml/2006/diagram">
+            <dgm:relIds xmlns:dgm="http://schemas.openxmlformats.org/drawingml/2006/diagram" xmlns:r="http://schemas.openxmlformats.org/officeDocument/2006/relationships" r:dm="rId2" r:lo="rId3" r:qs="rId4" r:cs="rId5"/>
+          </a:graphicData>
+        </a:graphic>
+      </p:graphicFrame>
+      <p:sp>
+        <p:nvSpPr>
+          <p:cNvPr id="14" name="Arrow: Bent-Up 13">
+            <a:extLst>
+              <a:ext uri="{FF2B5EF4-FFF2-40B4-BE49-F238E27FC236}">
+                <a16:creationId xmlns:a16="http://schemas.microsoft.com/office/drawing/2014/main" id="{5031E6F2-A903-4F50-A27D-43A319407A82}"/>
+              </a:ext>
+            </a:extLst>
+          </p:cNvPr>
+          <p:cNvSpPr/>
+          <p:nvPr/>
+        </p:nvSpPr>
+        <p:spPr>
+          <a:xfrm rot="16200000">
+            <a:off x="6287362" y="3728941"/>
+            <a:ext cx="611576" cy="696258"/>
+          </a:xfrm>
+          <a:prstGeom prst="bentUpArrow">
+            <a:avLst>
+              <a:gd name="adj1" fmla="val 32840"/>
+              <a:gd name="adj2" fmla="val 25000"/>
+              <a:gd name="adj3" fmla="val 35780"/>
+            </a:avLst>
+          </a:prstGeom>
+        </p:spPr>
+        <p:style>
+          <a:lnRef idx="2">
+            <a:schemeClr val="lt1">
+              <a:hueOff val="0"/>
+              <a:satOff val="0"/>
+              <a:lumOff val="0"/>
+              <a:alphaOff val="0"/>
+            </a:schemeClr>
+          </a:lnRef>
+          <a:fillRef idx="1">
+            <a:schemeClr val="accent1">
+              <a:tint val="50000"/>
+              <a:hueOff val="0"/>
+              <a:satOff val="0"/>
+              <a:lumOff val="0"/>
+              <a:alphaOff val="0"/>
+            </a:schemeClr>
+          </a:fillRef>
+          <a:effectRef idx="0">
+            <a:schemeClr val="accent1">
+              <a:tint val="50000"/>
+              <a:hueOff val="0"/>
+              <a:satOff val="0"/>
+              <a:lumOff val="0"/>
+              <a:alphaOff val="0"/>
+            </a:schemeClr>
+          </a:effectRef>
+          <a:fontRef idx="minor">
+            <a:schemeClr val="lt1">
+              <a:hueOff val="0"/>
+              <a:satOff val="0"/>
+              <a:lumOff val="0"/>
+              <a:alphaOff val="0"/>
+            </a:schemeClr>
+          </a:fontRef>
+        </p:style>
+      </p:sp>
+    </p:spTree>
+    <p:extLst>
+      <p:ext uri="{BB962C8B-B14F-4D97-AF65-F5344CB8AC3E}">
+        <p14:creationId xmlns:p14="http://schemas.microsoft.com/office/powerpoint/2010/main" val="1344500527"/>
+      </p:ext>
+    </p:extLst>
+  </p:cSld>
+  <p:clrMapOvr>
+    <a:masterClrMapping/>
+  </p:clrMapOvr>
+</p:sld>
+</file>
+
+<file path=ppt/slides/slide6.xml><?xml version="1.0" encoding="utf-8"?>
+<p:sld xmlns:a="http://schemas.openxmlformats.org/drawingml/2006/main" xmlns:r="http://schemas.openxmlformats.org/officeDocument/2006/relationships" xmlns:p="http://schemas.openxmlformats.org/presentationml/2006/main">
+  <p:cSld>
+    <p:spTree>
+      <p:nvGrpSpPr>
+        <p:cNvPr id="1" name=""/>
+        <p:cNvGrpSpPr/>
+        <p:nvPr/>
+      </p:nvGrpSpPr>
+      <p:grpSpPr>
+        <a:xfrm>
+          <a:off x="0" y="0"/>
+          <a:ext cx="0" cy="0"/>
+          <a:chOff x="0" y="0"/>
+          <a:chExt cx="0" cy="0"/>
+        </a:xfrm>
+      </p:grpSpPr>
+      <p:sp>
+        <p:nvSpPr>
+          <p:cNvPr id="2" name="Title 1">
+            <a:extLst>
+              <a:ext uri="{FF2B5EF4-FFF2-40B4-BE49-F238E27FC236}">
+                <a16:creationId xmlns:a16="http://schemas.microsoft.com/office/drawing/2014/main" id="{036CFF5D-590D-46D6-96F2-B346EBF1AF20}"/>
+              </a:ext>
+            </a:extLst>
+          </p:cNvPr>
+          <p:cNvSpPr>
+            <a:spLocks noGrp="1"/>
+          </p:cNvSpPr>
+          <p:nvPr>
+            <p:ph type="title"/>
+          </p:nvPr>
+        </p:nvSpPr>
+        <p:spPr>
+          <a:xfrm>
+            <a:off x="1380558" y="1239525"/>
+            <a:ext cx="9603275" cy="503579"/>
+          </a:xfrm>
+        </p:spPr>
+        <p:txBody>
+          <a:bodyPr>
+            <a:normAutofit fontScale="90000"/>
+          </a:bodyPr>
+          <a:lstStyle/>
+          <a:p>
+            <a:r>
+              <a:rPr lang="de-DE" dirty="0"/>
+              <a:t>1.3. ZIeLSETZUNG</a:t>
+            </a:r>
+            <a:br>
+              <a:rPr lang="de-DE" dirty="0"/>
+            </a:br>
+            <a:endParaRPr lang="de-DE" dirty="0"/>
+          </a:p>
+        </p:txBody>
+      </p:sp>
+      <p:sp>
+        <p:nvSpPr>
+          <p:cNvPr id="8" name="Slide Number Placeholder 7">
+            <a:extLst>
+              <a:ext uri="{FF2B5EF4-FFF2-40B4-BE49-F238E27FC236}">
+                <a16:creationId xmlns:a16="http://schemas.microsoft.com/office/drawing/2014/main" id="{1ADABE09-CBD3-4BD4-A84E-BE22AA08BBD7}"/>
+              </a:ext>
+            </a:extLst>
+          </p:cNvPr>
+          <p:cNvSpPr>
+            <a:spLocks noGrp="1"/>
+          </p:cNvSpPr>
+          <p:nvPr>
+            <p:ph type="sldNum" sz="quarter" idx="12"/>
+          </p:nvPr>
+        </p:nvSpPr>
+        <p:spPr/>
+        <p:txBody>
+          <a:bodyPr/>
+          <a:lstStyle/>
+          <a:p>
+            <a:fld id="{2506CCB9-12E8-4B80-952C-584D19B36CCD}" type="slidenum">
+              <a:rPr lang="de-DE" smtClean="0"/>
+              <a:t>6</a:t>
+            </a:fld>
+            <a:endParaRPr lang="de-DE"/>
+          </a:p>
+        </p:txBody>
+      </p:sp>
+      <p:graphicFrame>
+        <p:nvGraphicFramePr>
+          <p:cNvPr id="3" name="Table 4">
+            <a:extLst>
+              <a:ext uri="{FF2B5EF4-FFF2-40B4-BE49-F238E27FC236}">
+                <a16:creationId xmlns:a16="http://schemas.microsoft.com/office/drawing/2014/main" id="{83C832D3-246F-403D-9051-E1B9E4013FC7}"/>
+              </a:ext>
+            </a:extLst>
+          </p:cNvPr>
+          <p:cNvGraphicFramePr>
+            <a:graphicFrameLocks noGrp="1"/>
+          </p:cNvGraphicFramePr>
+          <p:nvPr>
+            <p:extLst>
+              <p:ext uri="{D42A27DB-BD31-4B8C-83A1-F6EECF244321}">
+                <p14:modId xmlns:p14="http://schemas.microsoft.com/office/powerpoint/2010/main" val="1076322742"/>
+              </p:ext>
+            </p:extLst>
+          </p:nvPr>
+        </p:nvGraphicFramePr>
+        <p:xfrm>
+          <a:off x="2032000" y="2051315"/>
+          <a:ext cx="8128000" cy="3891925"/>
+        </p:xfrm>
+        <a:graphic>
+          <a:graphicData uri="http://schemas.openxmlformats.org/drawingml/2006/table">
+            <a:tbl>
+              <a:tblPr firstRow="1" bandRow="1">
+                <a:tableStyleId>{5C22544A-7EE6-4342-B048-85BDC9FD1C3A}</a:tableStyleId>
+              </a:tblPr>
+              <a:tblGrid>
+                <a:gridCol w="4064000">
+                  <a:extLst>
+                    <a:ext uri="{9D8B030D-6E8A-4147-A177-3AD203B41FA5}">
+                      <a16:colId xmlns:a16="http://schemas.microsoft.com/office/drawing/2014/main" val="8746929"/>
+                    </a:ext>
+                  </a:extLst>
+                </a:gridCol>
+                <a:gridCol w="4064000">
+                  <a:extLst>
+                    <a:ext uri="{9D8B030D-6E8A-4147-A177-3AD203B41FA5}">
+                      <a16:colId xmlns:a16="http://schemas.microsoft.com/office/drawing/2014/main" val="1289488921"/>
+                    </a:ext>
+                  </a:extLst>
+                </a:gridCol>
+              </a:tblGrid>
+              <a:tr h="379700">
+                <a:tc>
+                  <a:txBody>
+                    <a:bodyPr/>
+                    <a:lstStyle/>
+                    <a:p>
+                      <a:pPr algn="ctr"/>
+                      <a:r>
+                        <a:rPr lang="de-DE" dirty="0"/>
+                        <a:t>Ziele</a:t>
+                      </a:r>
+                    </a:p>
+                  </a:txBody>
+                  <a:tcPr anchor="ctr"/>
+                </a:tc>
+                <a:tc>
+                  <a:txBody>
+                    <a:bodyPr/>
+                    <a:lstStyle/>
+                    <a:p>
+                      <a:pPr algn="ctr"/>
+                      <a:r>
+                        <a:rPr lang="de-DE" dirty="0"/>
+                        <a:t>Nicht-Ziele</a:t>
+                      </a:r>
+                    </a:p>
+                  </a:txBody>
+                  <a:tcPr anchor="ctr"/>
+                </a:tc>
+                <a:extLst>
+                  <a:ext uri="{0D108BD9-81ED-4DB2-BD59-A6C34878D82A}">
+                    <a16:rowId xmlns:a16="http://schemas.microsoft.com/office/drawing/2014/main" val="3935889859"/>
+                  </a:ext>
+                </a:extLst>
+              </a:tr>
+              <a:tr h="949250">
+                <a:tc>
+                  <a:txBody>
+                    <a:bodyPr/>
+                    <a:lstStyle/>
+                    <a:p>
+                      <a:r>
+                        <a:rPr lang="de-DE" dirty="0"/>
+                        <a:t>- Vor- und Nachteile von Passwörtern ausarbeiten und neueren Verfahren gegenüberstellen</a:t>
+                      </a:r>
+                    </a:p>
+                  </a:txBody>
+                  <a:tcPr/>
+                </a:tc>
+                <a:tc>
+                  <a:txBody>
+                    <a:bodyPr/>
+                    <a:lstStyle/>
+                    <a:p>
+                      <a:r>
+                        <a:rPr lang="de-DE" dirty="0"/>
+                        <a:t>- Jede Authentifikationsmöglichkeit jeder Kategorie durchleuchten</a:t>
+                      </a:r>
+                    </a:p>
+                  </a:txBody>
+                  <a:tcPr/>
+                </a:tc>
+                <a:extLst>
+                  <a:ext uri="{0D108BD9-81ED-4DB2-BD59-A6C34878D82A}">
+                    <a16:rowId xmlns:a16="http://schemas.microsoft.com/office/drawing/2014/main" val="3531731500"/>
+                  </a:ext>
+                </a:extLst>
+              </a:tr>
+              <a:tr h="664475">
+                <a:tc>
+                  <a:txBody>
+                    <a:bodyPr/>
+                    <a:lstStyle/>
+                    <a:p>
+                      <a:r>
+                        <a:rPr lang="de-DE" dirty="0"/>
+                        <a:t>- Eine kriteriengerechte Authentifikation (Prototyp) implementieren</a:t>
+                      </a:r>
+                    </a:p>
+                  </a:txBody>
+                  <a:tcPr/>
+                </a:tc>
+                <a:tc>
+                  <a:txBody>
+                    <a:bodyPr/>
+                    <a:lstStyle/>
+                    <a:p>
+                      <a:r>
+                        <a:rPr lang="de-DE" dirty="0"/>
+                        <a:t>- Die perfekte Lösung für Authentifikation finden / erfinden</a:t>
+                      </a:r>
+                    </a:p>
+                  </a:txBody>
+                  <a:tcPr/>
+                </a:tc>
+                <a:extLst>
+                  <a:ext uri="{0D108BD9-81ED-4DB2-BD59-A6C34878D82A}">
+                    <a16:rowId xmlns:a16="http://schemas.microsoft.com/office/drawing/2014/main" val="2924372483"/>
+                  </a:ext>
+                </a:extLst>
+              </a:tr>
+              <a:tr h="664475">
+                <a:tc>
+                  <a:txBody>
+                    <a:bodyPr/>
+                    <a:lstStyle/>
+                    <a:p>
+                      <a:r>
+                        <a:rPr lang="de-DE" dirty="0"/>
+                        <a:t>- Leser in die Sicht des Angreifers auf Anwendungen versetzen</a:t>
+                      </a:r>
+                    </a:p>
+                  </a:txBody>
+                  <a:tcPr/>
+                </a:tc>
+                <a:tc>
+                  <a:txBody>
+                    <a:bodyPr/>
+                    <a:lstStyle/>
+                    <a:p>
+                      <a:endParaRPr lang="de-DE" dirty="0"/>
+                    </a:p>
+                  </a:txBody>
+                  <a:tcPr/>
+                </a:tc>
+                <a:extLst>
+                  <a:ext uri="{0D108BD9-81ED-4DB2-BD59-A6C34878D82A}">
+                    <a16:rowId xmlns:a16="http://schemas.microsoft.com/office/drawing/2014/main" val="4009633449"/>
+                  </a:ext>
+                </a:extLst>
+              </a:tr>
+              <a:tr h="1234025">
+                <a:tc>
+                  <a:txBody>
+                    <a:bodyPr/>
+                    <a:lstStyle/>
+                    <a:p>
+                      <a:r>
+                        <a:rPr lang="de-DE" dirty="0"/>
+                        <a:t>- Für einige ausgewählte Nutzertypen (Erfahrene, Casuals und ältere Menschen) Empfehlungen zur Wahl eines geeigneten Authentifikators aussprechen</a:t>
+                      </a:r>
+                    </a:p>
+                  </a:txBody>
+                  <a:tcPr/>
+                </a:tc>
+                <a:tc>
+                  <a:txBody>
+                    <a:bodyPr/>
+                    <a:lstStyle/>
+                    <a:p>
+                      <a:endParaRPr lang="de-DE" dirty="0"/>
+                    </a:p>
+                  </a:txBody>
+                  <a:tcPr/>
+                </a:tc>
+                <a:extLst>
+                  <a:ext uri="{0D108BD9-81ED-4DB2-BD59-A6C34878D82A}">
+                    <a16:rowId xmlns:a16="http://schemas.microsoft.com/office/drawing/2014/main" val="3250687234"/>
+                  </a:ext>
+                </a:extLst>
+              </a:tr>
+            </a:tbl>
+          </a:graphicData>
+        </a:graphic>
+      </p:graphicFrame>
+    </p:spTree>
+    <p:extLst>
+      <p:ext uri="{BB962C8B-B14F-4D97-AF65-F5344CB8AC3E}">
+        <p14:creationId xmlns:p14="http://schemas.microsoft.com/office/powerpoint/2010/main" val="2384379303"/>
+      </p:ext>
+    </p:extLst>
+  </p:cSld>
+  <p:clrMapOvr>
+    <a:masterClrMapping/>
+  </p:clrMapOvr>
+</p:sld>
+</file>
+
+<file path=ppt/slides/slide7.xml><?xml version="1.0" encoding="utf-8"?>
+<p:sld xmlns:a="http://schemas.openxmlformats.org/drawingml/2006/main" xmlns:r="http://schemas.openxmlformats.org/officeDocument/2006/relationships" xmlns:p="http://schemas.openxmlformats.org/presentationml/2006/main">
+  <p:cSld>
+    <p:spTree>
+      <p:nvGrpSpPr>
+        <p:cNvPr id="1" name=""/>
+        <p:cNvGrpSpPr/>
+        <p:nvPr/>
+      </p:nvGrpSpPr>
+      <p:grpSpPr>
+        <a:xfrm>
+          <a:off x="0" y="0"/>
+          <a:ext cx="0" cy="0"/>
+          <a:chOff x="0" y="0"/>
+          <a:chExt cx="0" cy="0"/>
+        </a:xfrm>
+      </p:grpSpPr>
+      <p:sp>
+        <p:nvSpPr>
+          <p:cNvPr id="2" name="Title 1">
+            <a:extLst>
+              <a:ext uri="{FF2B5EF4-FFF2-40B4-BE49-F238E27FC236}">
+                <a16:creationId xmlns:a16="http://schemas.microsoft.com/office/drawing/2014/main" id="{3D74CB8F-38D6-48AC-8B02-1C9DAF699319}"/>
+              </a:ext>
+            </a:extLst>
+          </p:cNvPr>
+          <p:cNvSpPr>
+            <a:spLocks noGrp="1"/>
+          </p:cNvSpPr>
+          <p:nvPr>
+            <p:ph type="title"/>
+          </p:nvPr>
+        </p:nvSpPr>
+        <p:spPr>
+          <a:xfrm>
+            <a:off x="1451579" y="1302551"/>
+            <a:ext cx="9603275" cy="551203"/>
+          </a:xfrm>
+        </p:spPr>
+        <p:txBody>
+          <a:bodyPr/>
+          <a:lstStyle/>
+          <a:p>
+            <a:r>
+              <a:rPr lang="de-DE" dirty="0"/>
+              <a:t>2. Erkentnisse</a:t>
+            </a:r>
+          </a:p>
+        </p:txBody>
+      </p:sp>
+      <p:sp>
+        <p:nvSpPr>
+          <p:cNvPr id="4" name="Slide Number Placeholder 3">
+            <a:extLst>
+              <a:ext uri="{FF2B5EF4-FFF2-40B4-BE49-F238E27FC236}">
+                <a16:creationId xmlns:a16="http://schemas.microsoft.com/office/drawing/2014/main" id="{DB39EEAA-937B-479A-AC10-4B00B9D37C53}"/>
+              </a:ext>
+            </a:extLst>
+          </p:cNvPr>
+          <p:cNvSpPr>
+            <a:spLocks noGrp="1"/>
+          </p:cNvSpPr>
+          <p:nvPr>
+            <p:ph type="sldNum" sz="quarter" idx="12"/>
+          </p:nvPr>
+        </p:nvSpPr>
+        <p:spPr/>
+        <p:txBody>
+          <a:bodyPr/>
+          <a:lstStyle/>
+          <a:p>
+            <a:fld id="{2506CCB9-12E8-4B80-952C-584D19B36CCD}" type="slidenum">
+              <a:rPr lang="de-DE" smtClean="0"/>
+              <a:t>7</a:t>
+            </a:fld>
+            <a:endParaRPr lang="de-DE"/>
+          </a:p>
+        </p:txBody>
+      </p:sp>
+      <p:pic>
+        <p:nvPicPr>
+          <p:cNvPr id="6" name="Picture 5">
+            <a:extLst>
+              <a:ext uri="{FF2B5EF4-FFF2-40B4-BE49-F238E27FC236}">
+                <a16:creationId xmlns:a16="http://schemas.microsoft.com/office/drawing/2014/main" id="{87072B78-4430-43CE-972B-5F2CE2D91182}"/>
+              </a:ext>
+            </a:extLst>
+          </p:cNvPr>
+          <p:cNvPicPr>
+            <a:picLocks noChangeAspect="1"/>
+          </p:cNvPicPr>
+          <p:nvPr/>
+        </p:nvPicPr>
+        <p:blipFill>
+          <a:blip r:embed="rId3">
+            <a:extLst>
+              <a:ext uri="{28A0092B-C50C-407E-A947-70E740481C1C}">
+                <a14:useLocalDpi xmlns:a14="http://schemas.microsoft.com/office/drawing/2010/main" val="0"/>
+              </a:ext>
+            </a:extLst>
+          </a:blip>
+          <a:stretch>
+            <a:fillRect/>
+          </a:stretch>
+        </p:blipFill>
+        <p:spPr>
+          <a:xfrm>
+            <a:off x="1451579" y="1939166"/>
+            <a:ext cx="2847773" cy="4028260"/>
+          </a:xfrm>
+          <a:prstGeom prst="rect">
+            <a:avLst/>
+          </a:prstGeom>
+        </p:spPr>
+      </p:pic>
+      <p:sp>
+        <p:nvSpPr>
+          <p:cNvPr id="7" name="Content Placeholder 2">
+            <a:extLst>
+              <a:ext uri="{FF2B5EF4-FFF2-40B4-BE49-F238E27FC236}">
+                <a16:creationId xmlns:a16="http://schemas.microsoft.com/office/drawing/2014/main" id="{44308517-9306-4E3B-A851-B9DCF64768C4}"/>
+              </a:ext>
+            </a:extLst>
+          </p:cNvPr>
+          <p:cNvSpPr>
+            <a:spLocks noGrp="1"/>
+          </p:cNvSpPr>
+          <p:nvPr>
+            <p:ph idx="1"/>
+          </p:nvPr>
+        </p:nvSpPr>
+        <p:spPr>
+          <a:xfrm>
+            <a:off x="4299353" y="2445193"/>
+            <a:ext cx="6870913" cy="2188951"/>
+          </a:xfrm>
+        </p:spPr>
+        <p:txBody>
+          <a:bodyPr>
+            <a:noAutofit/>
+          </a:bodyPr>
+          <a:lstStyle/>
+          <a:p>
+            <a:r>
+              <a:rPr lang="de-DE" dirty="0"/>
+              <a:t>Dem Umgang mit Passwörtern wird statistisch gesehen immer noch keine höhere Beachtung geschenkt.</a:t>
+            </a:r>
+          </a:p>
+          <a:p>
+            <a:r>
+              <a:rPr lang="de-DE" dirty="0"/>
+              <a:t>Menschen wollen Sicherheit, sie darf nur nichts kosten</a:t>
+            </a:r>
+          </a:p>
+          <a:p>
+            <a:pPr lvl="1"/>
+            <a:r>
+              <a:rPr lang="de-DE" dirty="0"/>
+              <a:t>Auch keine ~15€ für einen FIDO-USB</a:t>
+            </a:r>
+          </a:p>
+          <a:p>
+            <a:r>
+              <a:rPr lang="de-DE" dirty="0"/>
+              <a:t>WebAuthn nicht allzu verbreitet obwohl weit unterstützt</a:t>
+            </a:r>
+          </a:p>
+        </p:txBody>
+      </p:sp>
+      <p:sp>
+        <p:nvSpPr>
+          <p:cNvPr id="8" name="Title 1">
+            <a:extLst>
+              <a:ext uri="{FF2B5EF4-FFF2-40B4-BE49-F238E27FC236}">
+                <a16:creationId xmlns:a16="http://schemas.microsoft.com/office/drawing/2014/main" id="{14D915C6-B8D3-4136-91AE-373F069B7C06}"/>
+              </a:ext>
+            </a:extLst>
+          </p:cNvPr>
+          <p:cNvSpPr txBox="1">
+            <a:spLocks/>
+          </p:cNvSpPr>
+          <p:nvPr/>
+        </p:nvSpPr>
+        <p:spPr>
+          <a:xfrm>
+            <a:off x="4414764" y="2084179"/>
+            <a:ext cx="6755502" cy="361014"/>
+          </a:xfrm>
+          <a:prstGeom prst="rect">
+            <a:avLst/>
+          </a:prstGeom>
+        </p:spPr>
+        <p:txBody>
+          <a:bodyPr vert="horz" lIns="91440" tIns="45720" rIns="91440" bIns="45720" rtlCol="0" anchor="t">
+            <a:noAutofit/>
+          </a:bodyPr>
+          <a:lstStyle>
+            <a:lvl1pPr algn="l" defTabSz="914400" rtl="0" eaLnBrk="1" latinLnBrk="0" hangingPunct="1">
+              <a:lnSpc>
+                <a:spcPct val="90000"/>
+              </a:lnSpc>
+              <a:spcBef>
+                <a:spcPct val="0"/>
+              </a:spcBef>
+              <a:buNone/>
+              <a:defRPr sz="3200" b="0" i="0" kern="1200" cap="all">
+                <a:solidFill>
+                  <a:schemeClr val="tx1"/>
+                </a:solidFill>
+                <a:effectLst/>
+                <a:latin typeface="+mj-lt"/>
+                <a:ea typeface="+mj-ea"/>
+                <a:cs typeface="+mj-cs"/>
+              </a:defRPr>
+            </a:lvl1pPr>
+          </a:lstStyle>
+          <a:p>
+            <a:r>
+              <a:rPr lang="de-DE" sz="2500" dirty="0"/>
+              <a:t>Allgemein</a:t>
+            </a:r>
+          </a:p>
+        </p:txBody>
+      </p:sp>
+      <p:sp>
+        <p:nvSpPr>
+          <p:cNvPr id="10" name="Title 1">
+            <a:extLst>
+              <a:ext uri="{FF2B5EF4-FFF2-40B4-BE49-F238E27FC236}">
+                <a16:creationId xmlns:a16="http://schemas.microsoft.com/office/drawing/2014/main" id="{983889F6-7F25-4705-A3BA-42D4D699CBA5}"/>
+              </a:ext>
+            </a:extLst>
+          </p:cNvPr>
+          <p:cNvSpPr txBox="1">
+            <a:spLocks/>
+          </p:cNvSpPr>
+          <p:nvPr/>
+        </p:nvSpPr>
+        <p:spPr>
+          <a:xfrm>
+            <a:off x="4414764" y="4854524"/>
+            <a:ext cx="6755502" cy="361014"/>
+          </a:xfrm>
+          <a:prstGeom prst="rect">
+            <a:avLst/>
+          </a:prstGeom>
+        </p:spPr>
+        <p:txBody>
+          <a:bodyPr vert="horz" lIns="91440" tIns="45720" rIns="91440" bIns="45720" rtlCol="0" anchor="t">
+            <a:noAutofit/>
+          </a:bodyPr>
+          <a:lstStyle>
+            <a:lvl1pPr algn="l" defTabSz="914400" rtl="0" eaLnBrk="1" latinLnBrk="0" hangingPunct="1">
+              <a:lnSpc>
+                <a:spcPct val="90000"/>
+              </a:lnSpc>
+              <a:spcBef>
+                <a:spcPct val="0"/>
+              </a:spcBef>
+              <a:buNone/>
+              <a:defRPr sz="3200" b="0" i="0" kern="1200" cap="all">
+                <a:solidFill>
+                  <a:schemeClr val="tx1"/>
+                </a:solidFill>
+                <a:effectLst/>
+                <a:latin typeface="+mj-lt"/>
+                <a:ea typeface="+mj-ea"/>
+                <a:cs typeface="+mj-cs"/>
+              </a:defRPr>
+            </a:lvl1pPr>
+          </a:lstStyle>
+          <a:p>
+            <a:r>
+              <a:rPr lang="de-DE" sz="2500" dirty="0"/>
+              <a:t>Implementierung</a:t>
+            </a:r>
+          </a:p>
+        </p:txBody>
+      </p:sp>
+      <p:sp>
+        <p:nvSpPr>
+          <p:cNvPr id="11" name="Content Placeholder 2">
+            <a:extLst>
+              <a:ext uri="{FF2B5EF4-FFF2-40B4-BE49-F238E27FC236}">
+                <a16:creationId xmlns:a16="http://schemas.microsoft.com/office/drawing/2014/main" id="{4476918F-5DC8-4A60-BB84-DE8404243CED}"/>
+              </a:ext>
+            </a:extLst>
+          </p:cNvPr>
+          <p:cNvSpPr txBox="1">
+            <a:spLocks/>
+          </p:cNvSpPr>
+          <p:nvPr/>
+        </p:nvSpPr>
+        <p:spPr>
+          <a:xfrm>
+            <a:off x="4357058" y="5225583"/>
+            <a:ext cx="6870914" cy="862354"/>
+          </a:xfrm>
+          <a:prstGeom prst="rect">
+            <a:avLst/>
+          </a:prstGeom>
+        </p:spPr>
+        <p:txBody>
+          <a:bodyPr vert="horz" lIns="91440" tIns="45720" rIns="91440" bIns="45720" rtlCol="0" anchor="t">
+            <a:noAutofit/>
+          </a:bodyPr>
+          <a:lstStyle>
+            <a:lvl1pPr marL="228600" indent="-228600" algn="l" defTabSz="914400" rtl="0" eaLnBrk="1" latinLnBrk="0" hangingPunct="1">
+              <a:lnSpc>
+                <a:spcPct val="120000"/>
+              </a:lnSpc>
+              <a:spcBef>
+                <a:spcPts val="1000"/>
+              </a:spcBef>
+              <a:buClr>
+                <a:schemeClr val="accent1"/>
+              </a:buClr>
+              <a:buSzPct val="100000"/>
+              <a:buFont typeface="Arial" panose="020B0604020202020204" pitchFamily="34" charset="0"/>
+              <a:buChar char="•"/>
+              <a:defRPr sz="2000" kern="1200">
+                <a:solidFill>
+                  <a:schemeClr val="tx1"/>
+                </a:solidFill>
+                <a:effectLst/>
+                <a:latin typeface="+mn-lt"/>
+                <a:ea typeface="+mn-ea"/>
+                <a:cs typeface="+mn-cs"/>
+              </a:defRPr>
+            </a:lvl1pPr>
+            <a:lvl2pPr marL="685800" indent="-228600" algn="l" defTabSz="914400" rtl="0" eaLnBrk="1" latinLnBrk="0" hangingPunct="1">
+              <a:lnSpc>
+                <a:spcPct val="120000"/>
+              </a:lnSpc>
+              <a:spcBef>
+                <a:spcPts val="500"/>
+              </a:spcBef>
+              <a:buClr>
+                <a:schemeClr val="accent1"/>
+              </a:buClr>
+              <a:buSzPct val="100000"/>
+              <a:buFont typeface="Arial" panose="020B0604020202020204" pitchFamily="34" charset="0"/>
+              <a:buChar char="•"/>
+              <a:defRPr sz="1800" kern="1200" cap="none" baseline="0">
+                <a:solidFill>
+                  <a:schemeClr val="tx1"/>
+                </a:solidFill>
+                <a:effectLst/>
+                <a:latin typeface="+mn-lt"/>
+                <a:ea typeface="+mn-ea"/>
+                <a:cs typeface="+mn-cs"/>
+              </a:defRPr>
+            </a:lvl2pPr>
+            <a:lvl3pPr marL="1143000" indent="-228600" algn="l" defTabSz="914400" rtl="0" eaLnBrk="1" latinLnBrk="0" hangingPunct="1">
+              <a:lnSpc>
+                <a:spcPct val="120000"/>
+              </a:lnSpc>
+              <a:spcBef>
+                <a:spcPts val="500"/>
+              </a:spcBef>
+              <a:buClr>
+                <a:schemeClr val="accent1"/>
+              </a:buClr>
+              <a:buSzPct val="100000"/>
+              <a:buFont typeface="Arial" panose="020B0604020202020204" pitchFamily="34" charset="0"/>
+              <a:buChar char="•"/>
+              <a:defRPr sz="1600" kern="1200">
+                <a:solidFill>
+                  <a:schemeClr val="tx1"/>
+                </a:solidFill>
+                <a:effectLst/>
+                <a:latin typeface="+mn-lt"/>
+                <a:ea typeface="+mn-ea"/>
+                <a:cs typeface="+mn-cs"/>
+              </a:defRPr>
+            </a:lvl3pPr>
+            <a:lvl4pPr marL="1600200" indent="-228600" algn="l" defTabSz="914400" rtl="0" eaLnBrk="1" latinLnBrk="0" hangingPunct="1">
+              <a:lnSpc>
+                <a:spcPct val="120000"/>
+              </a:lnSpc>
+              <a:spcBef>
+                <a:spcPts val="500"/>
+              </a:spcBef>
+              <a:buClr>
+                <a:schemeClr val="accent1"/>
+              </a:buClr>
+              <a:buSzPct val="100000"/>
+              <a:buFont typeface="Arial" panose="020B0604020202020204" pitchFamily="34" charset="0"/>
+              <a:buChar char="•"/>
+              <a:defRPr sz="1400" kern="1200" cap="none" baseline="0">
+                <a:solidFill>
+                  <a:schemeClr val="tx1"/>
+                </a:solidFill>
+                <a:effectLst/>
+                <a:latin typeface="+mn-lt"/>
+                <a:ea typeface="+mn-ea"/>
+                <a:cs typeface="+mn-cs"/>
+              </a:defRPr>
+            </a:lvl4pPr>
+            <a:lvl5pPr marL="2057400" indent="-228600" algn="l" defTabSz="914400" rtl="0" eaLnBrk="1" latinLnBrk="0" hangingPunct="1">
+              <a:lnSpc>
+                <a:spcPct val="120000"/>
+              </a:lnSpc>
+              <a:spcBef>
+                <a:spcPts val="500"/>
+              </a:spcBef>
+              <a:buClr>
+                <a:schemeClr val="accent1"/>
+              </a:buClr>
+              <a:buSzPct val="100000"/>
+              <a:buFont typeface="Arial" panose="020B0604020202020204" pitchFamily="34" charset="0"/>
+              <a:buChar char="•"/>
+              <a:defRPr sz="1200" kern="1200">
+                <a:solidFill>
+                  <a:schemeClr val="tx1"/>
+                </a:solidFill>
+                <a:effectLst/>
+                <a:latin typeface="+mn-lt"/>
+                <a:ea typeface="+mn-ea"/>
+                <a:cs typeface="+mn-cs"/>
+              </a:defRPr>
+            </a:lvl5pPr>
+            <a:lvl6pPr marL="2514600" indent="-228600" algn="l" defTabSz="914400" rtl="0" eaLnBrk="1" latinLnBrk="0" hangingPunct="1">
+              <a:lnSpc>
+                <a:spcPct val="120000"/>
+              </a:lnSpc>
+              <a:spcBef>
+                <a:spcPts val="500"/>
+              </a:spcBef>
+              <a:buClr>
+                <a:schemeClr val="accent1"/>
+              </a:buClr>
+              <a:buSzPct val="100000"/>
+              <a:buFont typeface="Arial" panose="020B0604020202020204" pitchFamily="34" charset="0"/>
+              <a:buChar char="•"/>
+              <a:defRPr sz="1200" kern="1200">
+                <a:solidFill>
+                  <a:schemeClr val="tx1"/>
+                </a:solidFill>
+                <a:effectLst/>
+                <a:latin typeface="+mn-lt"/>
+                <a:ea typeface="+mn-ea"/>
+                <a:cs typeface="+mn-cs"/>
+              </a:defRPr>
+            </a:lvl6pPr>
+            <a:lvl7pPr marL="2971800" indent="-228600" algn="l" defTabSz="914400" rtl="0" eaLnBrk="1" latinLnBrk="0" hangingPunct="1">
+              <a:lnSpc>
+                <a:spcPct val="120000"/>
+              </a:lnSpc>
+              <a:spcBef>
+                <a:spcPts val="500"/>
+              </a:spcBef>
+              <a:buClr>
+                <a:schemeClr val="accent1"/>
+              </a:buClr>
+              <a:buSzPct val="100000"/>
+              <a:buFont typeface="Arial" panose="020B0604020202020204" pitchFamily="34" charset="0"/>
+              <a:buChar char="•"/>
+              <a:defRPr sz="1200" kern="1200">
+                <a:solidFill>
+                  <a:schemeClr val="tx1"/>
+                </a:solidFill>
+                <a:effectLst/>
+                <a:latin typeface="+mn-lt"/>
+                <a:ea typeface="+mn-ea"/>
+                <a:cs typeface="+mn-cs"/>
+              </a:defRPr>
+            </a:lvl7pPr>
+            <a:lvl8pPr marL="3429000" indent="-228600" algn="l" defTabSz="914400" rtl="0" eaLnBrk="1" latinLnBrk="0" hangingPunct="1">
+              <a:lnSpc>
+                <a:spcPct val="120000"/>
+              </a:lnSpc>
+              <a:spcBef>
+                <a:spcPts val="500"/>
+              </a:spcBef>
+              <a:buClr>
+                <a:schemeClr val="accent1"/>
+              </a:buClr>
+              <a:buSzPct val="100000"/>
+              <a:buFont typeface="Arial" panose="020B0604020202020204" pitchFamily="34" charset="0"/>
+              <a:buChar char="•"/>
+              <a:defRPr sz="1200" kern="1200" baseline="0">
+                <a:solidFill>
+                  <a:schemeClr val="tx1"/>
+                </a:solidFill>
+                <a:effectLst/>
+                <a:latin typeface="+mn-lt"/>
+                <a:ea typeface="+mn-ea"/>
+                <a:cs typeface="+mn-cs"/>
+              </a:defRPr>
+            </a:lvl8pPr>
+            <a:lvl9pPr marL="3886200" indent="-228600" algn="l" defTabSz="914400" rtl="0" eaLnBrk="1" latinLnBrk="0" hangingPunct="1">
+              <a:lnSpc>
+                <a:spcPct val="120000"/>
+              </a:lnSpc>
+              <a:spcBef>
+                <a:spcPts val="500"/>
+              </a:spcBef>
+              <a:buClr>
+                <a:schemeClr val="accent1"/>
+              </a:buClr>
+              <a:buSzPct val="100000"/>
+              <a:buFont typeface="Arial" panose="020B0604020202020204" pitchFamily="34" charset="0"/>
+              <a:buChar char="•"/>
+              <a:defRPr sz="1200" kern="1200" baseline="0">
+                <a:solidFill>
+                  <a:schemeClr val="tx1"/>
+                </a:solidFill>
+                <a:effectLst/>
+                <a:latin typeface="+mn-lt"/>
+                <a:ea typeface="+mn-ea"/>
+                <a:cs typeface="+mn-cs"/>
+              </a:defRPr>
+            </a:lvl9pPr>
+          </a:lstStyle>
+          <a:p>
+            <a:r>
+              <a:rPr lang="de-DE" dirty="0"/>
+              <a:t>WebAuthn unerwartet kompliziert und Implementierung ein eher steiniger Weg </a:t>
+            </a:r>
+            <a:r>
+              <a:rPr lang="de-DE" dirty="0">
+                <a:sym typeface="Wingdings" panose="05000000000000000000" pitchFamily="2" charset="2"/>
+              </a:rPr>
+              <a:t></a:t>
+            </a:r>
+            <a:r>
+              <a:rPr lang="de-DE" dirty="0"/>
+              <a:t> Abhilfe durch Bibliotheken</a:t>
+            </a:r>
+          </a:p>
+        </p:txBody>
+      </p:sp>
+      <p:sp>
+        <p:nvSpPr>
+          <p:cNvPr id="12" name="Minus Sign 11">
+            <a:extLst>
+              <a:ext uri="{FF2B5EF4-FFF2-40B4-BE49-F238E27FC236}">
+                <a16:creationId xmlns:a16="http://schemas.microsoft.com/office/drawing/2014/main" id="{94B7C4BC-A5A6-4EFF-AB7F-83A5BD774552}"/>
+              </a:ext>
+            </a:extLst>
+          </p:cNvPr>
+          <p:cNvSpPr/>
+          <p:nvPr/>
+        </p:nvSpPr>
+        <p:spPr>
+          <a:xfrm>
+            <a:off x="3346082" y="4624099"/>
+            <a:ext cx="8777453" cy="148566"/>
+          </a:xfrm>
+          <a:prstGeom prst="mathMinus">
+            <a:avLst/>
+          </a:prstGeom>
+        </p:spPr>
+        <p:style>
+          <a:lnRef idx="2">
+            <a:schemeClr val="accent1">
+              <a:shade val="50000"/>
+            </a:schemeClr>
+          </a:lnRef>
+          <a:fillRef idx="1">
+            <a:schemeClr val="accent1"/>
+          </a:fillRef>
+          <a:effectRef idx="0">
+            <a:schemeClr val="accent1"/>
+          </a:effectRef>
+          <a:fontRef idx="minor">
+            <a:schemeClr val="lt1"/>
+          </a:fontRef>
+        </p:style>
+        <p:txBody>
+          <a:bodyPr rtlCol="0" anchor="ctr"/>
+          <a:lstStyle/>
+          <a:p>
+            <a:pPr algn="ctr"/>
+            <a:endParaRPr lang="de-DE"/>
+          </a:p>
+        </p:txBody>
+      </p:sp>
+    </p:spTree>
+    <p:extLst>
+      <p:ext uri="{BB962C8B-B14F-4D97-AF65-F5344CB8AC3E}">
+        <p14:creationId xmlns:p14="http://schemas.microsoft.com/office/powerpoint/2010/main" val="2980752683"/>
+      </p:ext>
+    </p:extLst>
+  </p:cSld>
+  <p:clrMapOvr>
+    <a:masterClrMapping/>
+  </p:clrMapOvr>
+</p:sld>
+</file>
+
+<file path=ppt/slides/slide8.xml><?xml version="1.0" encoding="utf-8"?>
+<p:sld xmlns:a="http://schemas.openxmlformats.org/drawingml/2006/main" xmlns:r="http://schemas.openxmlformats.org/officeDocument/2006/relationships" xmlns:p="http://schemas.openxmlformats.org/presentationml/2006/main">
+  <p:cSld>
+    <p:spTree>
+      <p:nvGrpSpPr>
+        <p:cNvPr id="1" name=""/>
+        <p:cNvGrpSpPr/>
+        <p:nvPr/>
+      </p:nvGrpSpPr>
+      <p:grpSpPr>
+        <a:xfrm>
+          <a:off x="0" y="0"/>
+          <a:ext cx="0" cy="0"/>
+          <a:chOff x="0" y="0"/>
+          <a:chExt cx="0" cy="0"/>
+        </a:xfrm>
+      </p:grpSpPr>
+      <p:sp>
+        <p:nvSpPr>
+          <p:cNvPr id="2" name="Title 1">
+            <a:extLst>
+              <a:ext uri="{FF2B5EF4-FFF2-40B4-BE49-F238E27FC236}">
+                <a16:creationId xmlns:a16="http://schemas.microsoft.com/office/drawing/2014/main" id="{BFD4A6AD-BE9E-4441-9BD8-973DB0400DC8}"/>
+              </a:ext>
+            </a:extLst>
+          </p:cNvPr>
+          <p:cNvSpPr>
+            <a:spLocks noGrp="1"/>
+          </p:cNvSpPr>
+          <p:nvPr>
+            <p:ph type="title"/>
+          </p:nvPr>
+        </p:nvSpPr>
+        <p:spPr>
+          <a:xfrm>
+            <a:off x="1451579" y="1302551"/>
+            <a:ext cx="9603275" cy="551203"/>
+          </a:xfrm>
+        </p:spPr>
+        <p:txBody>
+          <a:bodyPr/>
+          <a:lstStyle/>
+          <a:p>
+            <a:r>
+              <a:rPr lang="de-DE" dirty="0"/>
+              <a:t>3. SPANNENDE ASPEKTE</a:t>
+            </a:r>
+          </a:p>
+        </p:txBody>
+      </p:sp>
+      <p:sp>
+        <p:nvSpPr>
+          <p:cNvPr id="3" name="Content Placeholder 2">
+            <a:extLst>
+              <a:ext uri="{FF2B5EF4-FFF2-40B4-BE49-F238E27FC236}">
+                <a16:creationId xmlns:a16="http://schemas.microsoft.com/office/drawing/2014/main" id="{2AFC031A-7697-450A-8416-737DE809F81B}"/>
+              </a:ext>
+            </a:extLst>
+          </p:cNvPr>
+          <p:cNvSpPr>
+            <a:spLocks noGrp="1"/>
+          </p:cNvSpPr>
+          <p:nvPr>
+            <p:ph idx="1"/>
+          </p:nvPr>
+        </p:nvSpPr>
+        <p:spPr/>
+        <p:txBody>
+          <a:bodyPr/>
+          <a:lstStyle/>
+          <a:p>
+            <a:endParaRPr lang="de-DE" dirty="0"/>
+          </a:p>
+        </p:txBody>
+      </p:sp>
+      <p:sp>
+        <p:nvSpPr>
+          <p:cNvPr id="4" name="Slide Number Placeholder 3">
+            <a:extLst>
+              <a:ext uri="{FF2B5EF4-FFF2-40B4-BE49-F238E27FC236}">
+                <a16:creationId xmlns:a16="http://schemas.microsoft.com/office/drawing/2014/main" id="{99175887-9508-472E-8D20-02C574E7633C}"/>
+              </a:ext>
+            </a:extLst>
+          </p:cNvPr>
+          <p:cNvSpPr>
+            <a:spLocks noGrp="1"/>
+          </p:cNvSpPr>
+          <p:nvPr>
+            <p:ph type="sldNum" sz="quarter" idx="12"/>
+          </p:nvPr>
+        </p:nvSpPr>
+        <p:spPr/>
+        <p:txBody>
+          <a:bodyPr/>
+          <a:lstStyle/>
+          <a:p>
+            <a:fld id="{2506CCB9-12E8-4B80-952C-584D19B36CCD}" type="slidenum">
+              <a:rPr lang="de-DE" smtClean="0"/>
+              <a:t>8</a:t>
+            </a:fld>
+            <a:endParaRPr lang="de-DE"/>
+          </a:p>
+        </p:txBody>
+      </p:sp>
+    </p:spTree>
+    <p:extLst>
+      <p:ext uri="{BB962C8B-B14F-4D97-AF65-F5344CB8AC3E}">
+        <p14:creationId xmlns:p14="http://schemas.microsoft.com/office/powerpoint/2010/main" val="1884964997"/>
+      </p:ext>
+    </p:extLst>
+  </p:cSld>
+  <p:clrMapOvr>
+    <a:masterClrMapping/>
+  </p:clrMapOvr>
+</p:sld>
+</file>
+
+<file path=ppt/slides/slide9.xml><?xml version="1.0" encoding="utf-8"?>
+<p:sld xmlns:a="http://schemas.openxmlformats.org/drawingml/2006/main" xmlns:r="http://schemas.openxmlformats.org/officeDocument/2006/relationships" xmlns:p="http://schemas.openxmlformats.org/presentationml/2006/main">
+  <p:cSld>
+    <p:spTree>
+      <p:nvGrpSpPr>
+        <p:cNvPr id="1" name=""/>
+        <p:cNvGrpSpPr/>
+        <p:nvPr/>
+      </p:nvGrpSpPr>
+      <p:grpSpPr>
+        <a:xfrm>
+          <a:off x="0" y="0"/>
+          <a:ext cx="0" cy="0"/>
+          <a:chOff x="0" y="0"/>
+          <a:chExt cx="0" cy="0"/>
+        </a:xfrm>
+      </p:grpSpPr>
+      <p:sp>
+        <p:nvSpPr>
+          <p:cNvPr id="2" name="Title 1">
+            <a:extLst>
+              <a:ext uri="{FF2B5EF4-FFF2-40B4-BE49-F238E27FC236}">
+                <a16:creationId xmlns:a16="http://schemas.microsoft.com/office/drawing/2014/main" id="{BFD4A6AD-BE9E-4441-9BD8-973DB0400DC8}"/>
+              </a:ext>
+            </a:extLst>
+          </p:cNvPr>
+          <p:cNvSpPr>
+            <a:spLocks noGrp="1"/>
+          </p:cNvSpPr>
+          <p:nvPr>
+            <p:ph type="title"/>
+          </p:nvPr>
+        </p:nvSpPr>
+        <p:spPr>
+          <a:xfrm>
+            <a:off x="1451579" y="1302551"/>
+            <a:ext cx="9603275" cy="551203"/>
+          </a:xfrm>
+        </p:spPr>
+        <p:txBody>
+          <a:bodyPr/>
+          <a:lstStyle/>
+          <a:p>
+            <a:r>
+              <a:rPr lang="de-DE" dirty="0"/>
+              <a:t>4. REFLEKTION &amp; ANALYSE</a:t>
+            </a:r>
+          </a:p>
+        </p:txBody>
+      </p:sp>
+      <p:sp>
+        <p:nvSpPr>
+          <p:cNvPr id="3" name="Content Placeholder 2">
+            <a:extLst>
+              <a:ext uri="{FF2B5EF4-FFF2-40B4-BE49-F238E27FC236}">
+                <a16:creationId xmlns:a16="http://schemas.microsoft.com/office/drawing/2014/main" id="{2AFC031A-7697-450A-8416-737DE809F81B}"/>
+              </a:ext>
+            </a:extLst>
+          </p:cNvPr>
+          <p:cNvSpPr>
+            <a:spLocks noGrp="1"/>
+          </p:cNvSpPr>
+          <p:nvPr>
+            <p:ph idx="1"/>
+          </p:nvPr>
+        </p:nvSpPr>
+        <p:spPr/>
+        <p:txBody>
+          <a:bodyPr/>
+          <a:lstStyle/>
+          <a:p>
+            <a:endParaRPr lang="de-DE" dirty="0"/>
+          </a:p>
+        </p:txBody>
+      </p:sp>
+      <p:sp>
+        <p:nvSpPr>
+          <p:cNvPr id="4" name="Slide Number Placeholder 3">
+            <a:extLst>
+              <a:ext uri="{FF2B5EF4-FFF2-40B4-BE49-F238E27FC236}">
+                <a16:creationId xmlns:a16="http://schemas.microsoft.com/office/drawing/2014/main" id="{99175887-9508-472E-8D20-02C574E7633C}"/>
+              </a:ext>
+            </a:extLst>
+          </p:cNvPr>
+          <p:cNvSpPr>
+            <a:spLocks noGrp="1"/>
+          </p:cNvSpPr>
+          <p:nvPr>
+            <p:ph type="sldNum" sz="quarter" idx="12"/>
+          </p:nvPr>
+        </p:nvSpPr>
+        <p:spPr/>
+        <p:txBody>
+          <a:bodyPr/>
+          <a:lstStyle/>
+          <a:p>
+            <a:fld id="{2506CCB9-12E8-4B80-952C-584D19B36CCD}" type="slidenum">
+              <a:rPr lang="de-DE" smtClean="0"/>
+              <a:t>9</a:t>
+            </a:fld>
+            <a:endParaRPr lang="de-DE"/>
+          </a:p>
+        </p:txBody>
+      </p:sp>
+    </p:spTree>
+    <p:extLst>
+      <p:ext uri="{BB962C8B-B14F-4D97-AF65-F5344CB8AC3E}">
+        <p14:creationId xmlns:p14="http://schemas.microsoft.com/office/powerpoint/2010/main" val="2020745994"/>
       </p:ext>
     </p:extLst>
   </p:cSld>

--- a/Colloquium/Kolloquium.pptx
+++ b/Colloquium/Kolloquium.pptx
@@ -5,10 +5,10 @@
     <p:sldMasterId id="2147483672" r:id="rId1"/>
   </p:sldMasterIdLst>
   <p:notesMasterIdLst>
-    <p:notesMasterId r:id="rId13"/>
+    <p:notesMasterId r:id="rId14"/>
   </p:notesMasterIdLst>
   <p:handoutMasterIdLst>
-    <p:handoutMasterId r:id="rId14"/>
+    <p:handoutMasterId r:id="rId15"/>
   </p:handoutMasterIdLst>
   <p:sldIdLst>
     <p:sldId id="256" r:id="rId2"/>
@@ -18,10 +18,11 @@
     <p:sldId id="260" r:id="rId6"/>
     <p:sldId id="261" r:id="rId7"/>
     <p:sldId id="263" r:id="rId8"/>
-    <p:sldId id="264" r:id="rId9"/>
-    <p:sldId id="265" r:id="rId10"/>
-    <p:sldId id="266" r:id="rId11"/>
-    <p:sldId id="259" r:id="rId12"/>
+    <p:sldId id="266" r:id="rId9"/>
+    <p:sldId id="264" r:id="rId10"/>
+    <p:sldId id="265" r:id="rId11"/>
+    <p:sldId id="267" r:id="rId12"/>
+    <p:sldId id="259" r:id="rId13"/>
   </p:sldIdLst>
   <p:sldSz cx="12192000" cy="6858000"/>
   <p:notesSz cx="6858000" cy="9144000"/>
@@ -3477,7 +3478,7 @@
           <a:p>
             <a:fld id="{3ABDE448-252D-414B-8D88-7F653C15F9DE}" type="datetimeFigureOut">
               <a:rPr lang="de-DE" smtClean="0"/>
-              <a:t>05.11.2020</a:t>
+              <a:t>09.11.2020</a:t>
             </a:fld>
             <a:endParaRPr lang="de-DE"/>
           </a:p>
@@ -3655,7 +3656,7 @@
           <a:p>
             <a:fld id="{B172FAAD-3BAB-4526-AAC7-4F3AE7719F84}" type="datetimeFigureOut">
               <a:rPr lang="de-DE" smtClean="0"/>
-              <a:t>05.11.2020</a:t>
+              <a:t>09.11.2020</a:t>
             </a:fld>
             <a:endParaRPr lang="de-DE"/>
           </a:p>
@@ -4008,6 +4009,90 @@
 </p:notes>
 </file>
 
+<file path=ppt/notesSlides/notesSlide2.xml><?xml version="1.0" encoding="utf-8"?>
+<p:notes xmlns:a="http://schemas.openxmlformats.org/drawingml/2006/main" xmlns:r="http://schemas.openxmlformats.org/officeDocument/2006/relationships" xmlns:p="http://schemas.openxmlformats.org/presentationml/2006/main">
+  <p:cSld>
+    <p:spTree>
+      <p:nvGrpSpPr>
+        <p:cNvPr id="1" name=""/>
+        <p:cNvGrpSpPr/>
+        <p:nvPr/>
+      </p:nvGrpSpPr>
+      <p:grpSpPr>
+        <a:xfrm>
+          <a:off x="0" y="0"/>
+          <a:ext cx="0" cy="0"/>
+          <a:chOff x="0" y="0"/>
+          <a:chExt cx="0" cy="0"/>
+        </a:xfrm>
+      </p:grpSpPr>
+      <p:sp>
+        <p:nvSpPr>
+          <p:cNvPr id="2" name="Slide Image Placeholder 1"/>
+          <p:cNvSpPr>
+            <a:spLocks noGrp="1" noRot="1" noChangeAspect="1"/>
+          </p:cNvSpPr>
+          <p:nvPr>
+            <p:ph type="sldImg"/>
+          </p:nvPr>
+        </p:nvSpPr>
+        <p:spPr/>
+      </p:sp>
+      <p:sp>
+        <p:nvSpPr>
+          <p:cNvPr id="3" name="Notes Placeholder 2"/>
+          <p:cNvSpPr>
+            <a:spLocks noGrp="1"/>
+          </p:cNvSpPr>
+          <p:nvPr>
+            <p:ph type="body" idx="1"/>
+          </p:nvPr>
+        </p:nvSpPr>
+        <p:spPr/>
+        <p:txBody>
+          <a:bodyPr/>
+          <a:lstStyle/>
+          <a:p>
+            <a:endParaRPr lang="de-DE" dirty="0"/>
+          </a:p>
+        </p:txBody>
+      </p:sp>
+      <p:sp>
+        <p:nvSpPr>
+          <p:cNvPr id="4" name="Slide Number Placeholder 3"/>
+          <p:cNvSpPr>
+            <a:spLocks noGrp="1"/>
+          </p:cNvSpPr>
+          <p:nvPr>
+            <p:ph type="sldNum" sz="quarter" idx="5"/>
+          </p:nvPr>
+        </p:nvSpPr>
+        <p:spPr/>
+        <p:txBody>
+          <a:bodyPr/>
+          <a:lstStyle/>
+          <a:p>
+            <a:fld id="{03A665EB-5ED7-49D2-8898-9FDD315ADB7C}" type="slidenum">
+              <a:rPr lang="de-DE" smtClean="0"/>
+              <a:t>8</a:t>
+            </a:fld>
+            <a:endParaRPr lang="de-DE"/>
+          </a:p>
+        </p:txBody>
+      </p:sp>
+    </p:spTree>
+    <p:extLst>
+      <p:ext uri="{BB962C8B-B14F-4D97-AF65-F5344CB8AC3E}">
+        <p14:creationId xmlns:p14="http://schemas.microsoft.com/office/powerpoint/2010/main" val="2240166883"/>
+      </p:ext>
+    </p:extLst>
+  </p:cSld>
+  <p:clrMapOvr>
+    <a:masterClrMapping/>
+  </p:clrMapOvr>
+</p:notes>
+</file>
+
 <file path=ppt/slideLayouts/slideLayout1.xml><?xml version="1.0" encoding="utf-8"?>
 <p:sldLayout xmlns:a="http://schemas.openxmlformats.org/drawingml/2006/main" xmlns:r="http://schemas.openxmlformats.org/officeDocument/2006/relationships" xmlns:p="http://schemas.openxmlformats.org/presentationml/2006/main" type="title" preserve="1">
   <p:cSld name="Title Slide">
@@ -4147,7 +4232,7 @@
           <a:p>
             <a:fld id="{6610431E-669A-4FB5-A4F8-594D109AAFCA}" type="datetime1">
               <a:rPr lang="de-DE" smtClean="0"/>
-              <a:t>05.11.2020</a:t>
+              <a:t>09.11.2020</a:t>
             </a:fld>
             <a:endParaRPr lang="de-DE"/>
           </a:p>
@@ -4358,7 +4443,7 @@
           <a:p>
             <a:fld id="{D05B1630-20CA-4528-AFA8-C8C5F46EE5A1}" type="datetime1">
               <a:rPr lang="de-DE" smtClean="0"/>
-              <a:t>05.11.2020</a:t>
+              <a:t>09.11.2020</a:t>
             </a:fld>
             <a:endParaRPr lang="de-DE"/>
           </a:p>
@@ -4573,7 +4658,7 @@
           <a:p>
             <a:fld id="{349C1630-8E69-484C-B961-5D9F3E160A79}" type="datetime1">
               <a:rPr lang="de-DE" smtClean="0"/>
-              <a:t>05.11.2020</a:t>
+              <a:t>09.11.2020</a:t>
             </a:fld>
             <a:endParaRPr lang="de-DE"/>
           </a:p>
@@ -4774,7 +4859,7 @@
           <a:p>
             <a:fld id="{48BCFF82-C342-422C-A4DD-34307C62C2D9}" type="datetime1">
               <a:rPr lang="de-DE" smtClean="0"/>
-              <a:t>05.11.2020</a:t>
+              <a:t>09.11.2020</a:t>
             </a:fld>
             <a:endParaRPr lang="de-DE"/>
           </a:p>
@@ -5053,7 +5138,7 @@
           <a:p>
             <a:fld id="{35B12B37-394A-4C15-9988-7CBD966C93CE}" type="datetime1">
               <a:rPr lang="de-DE" smtClean="0"/>
-              <a:t>05.11.2020</a:t>
+              <a:t>09.11.2020</a:t>
             </a:fld>
             <a:endParaRPr lang="de-DE"/>
           </a:p>
@@ -5321,7 +5406,7 @@
           <a:p>
             <a:fld id="{905984C5-5228-47ED-99B7-57BEE3E90413}" type="datetime1">
               <a:rPr lang="de-DE" smtClean="0"/>
-              <a:t>05.11.2020</a:t>
+              <a:t>09.11.2020</a:t>
             </a:fld>
             <a:endParaRPr lang="de-DE"/>
           </a:p>
@@ -5737,7 +5822,7 @@
           <a:p>
             <a:fld id="{3C4DCE6D-7271-4A36-8A46-B14F6CED6D93}" type="datetime1">
               <a:rPr lang="de-DE" smtClean="0"/>
-              <a:t>05.11.2020</a:t>
+              <a:t>09.11.2020</a:t>
             </a:fld>
             <a:endParaRPr lang="de-DE"/>
           </a:p>
@@ -5886,7 +5971,7 @@
           <a:p>
             <a:fld id="{1C93DD34-728C-4FEF-89E4-F3B352B28E56}" type="datetime1">
               <a:rPr lang="de-DE" smtClean="0"/>
-              <a:t>05.11.2020</a:t>
+              <a:t>09.11.2020</a:t>
             </a:fld>
             <a:endParaRPr lang="de-DE"/>
           </a:p>
@@ -6012,7 +6097,7 @@
           <a:p>
             <a:fld id="{2E962AFC-78BF-4C27-968D-9F86BE7DBD9B}" type="datetime1">
               <a:rPr lang="de-DE" smtClean="0"/>
-              <a:t>05.11.2020</a:t>
+              <a:t>09.11.2020</a:t>
             </a:fld>
             <a:endParaRPr lang="de-DE"/>
           </a:p>
@@ -6263,7 +6348,7 @@
           <a:p>
             <a:fld id="{E929D11D-2036-48B3-94D5-66B66A32B3CD}" type="datetime1">
               <a:rPr lang="de-DE" smtClean="0"/>
-              <a:t>05.11.2020</a:t>
+              <a:t>09.11.2020</a:t>
             </a:fld>
             <a:endParaRPr lang="de-DE"/>
           </a:p>
@@ -6708,7 +6793,7 @@
           <a:p>
             <a:fld id="{FA4BADA1-3247-4F1A-AF5E-63939A6BAECB}" type="datetime1">
               <a:rPr lang="de-DE" smtClean="0"/>
-              <a:t>05.11.2020</a:t>
+              <a:t>09.11.2020</a:t>
             </a:fld>
             <a:endParaRPr lang="de-DE"/>
           </a:p>
@@ -7035,7 +7120,7 @@
           <a:p>
             <a:fld id="{0E379357-6AA6-4A96-A310-63C374D26E5A}" type="datetime1">
               <a:rPr lang="de-DE" smtClean="0"/>
-              <a:t>05.11.2020</a:t>
+              <a:t>09.11.2020</a:t>
             </a:fld>
             <a:endParaRPr lang="de-DE"/>
           </a:p>
@@ -7587,6 +7672,538 @@
           </a:p>
         </p:txBody>
       </p:sp>
+      <p:sp>
+        <p:nvSpPr>
+          <p:cNvPr id="4" name="Subtitle 2">
+            <a:extLst>
+              <a:ext uri="{FF2B5EF4-FFF2-40B4-BE49-F238E27FC236}">
+                <a16:creationId xmlns:a16="http://schemas.microsoft.com/office/drawing/2014/main" id="{ECDB4DEB-3496-4675-9163-764893881EEB}"/>
+              </a:ext>
+            </a:extLst>
+          </p:cNvPr>
+          <p:cNvSpPr txBox="1">
+            <a:spLocks/>
+          </p:cNvSpPr>
+          <p:nvPr/>
+        </p:nvSpPr>
+        <p:spPr>
+          <a:xfrm>
+            <a:off x="2417780" y="597889"/>
+            <a:ext cx="2234119" cy="831415"/>
+          </a:xfrm>
+          <a:prstGeom prst="rect">
+            <a:avLst/>
+          </a:prstGeom>
+        </p:spPr>
+        <p:txBody>
+          <a:bodyPr vert="horz" lIns="91440" tIns="91440" rIns="91440" bIns="91440" rtlCol="0">
+            <a:normAutofit/>
+          </a:bodyPr>
+          <a:lstStyle>
+            <a:lvl1pPr marL="0" indent="0" algn="l" defTabSz="914400" rtl="0" eaLnBrk="1" latinLnBrk="0" hangingPunct="1">
+              <a:lnSpc>
+                <a:spcPct val="120000"/>
+              </a:lnSpc>
+              <a:spcBef>
+                <a:spcPts val="1000"/>
+              </a:spcBef>
+              <a:buClr>
+                <a:schemeClr val="accent1"/>
+              </a:buClr>
+              <a:buSzPct val="100000"/>
+              <a:buFont typeface="Arial" panose="020B0604020202020204" pitchFamily="34" charset="0"/>
+              <a:buNone/>
+              <a:defRPr sz="1800" b="0" kern="1200" cap="all" baseline="0">
+                <a:solidFill>
+                  <a:schemeClr val="tx1"/>
+                </a:solidFill>
+                <a:effectLst/>
+                <a:latin typeface="+mn-lt"/>
+                <a:ea typeface="+mn-ea"/>
+                <a:cs typeface="+mn-cs"/>
+              </a:defRPr>
+            </a:lvl1pPr>
+            <a:lvl2pPr marL="457200" indent="0" algn="ctr" defTabSz="914400" rtl="0" eaLnBrk="1" latinLnBrk="0" hangingPunct="1">
+              <a:lnSpc>
+                <a:spcPct val="120000"/>
+              </a:lnSpc>
+              <a:spcBef>
+                <a:spcPts val="500"/>
+              </a:spcBef>
+              <a:buClr>
+                <a:schemeClr val="accent1"/>
+              </a:buClr>
+              <a:buSzPct val="100000"/>
+              <a:buFont typeface="Arial" panose="020B0604020202020204" pitchFamily="34" charset="0"/>
+              <a:buNone/>
+              <a:defRPr sz="1800" kern="1200" cap="none" baseline="0">
+                <a:solidFill>
+                  <a:schemeClr val="tx1"/>
+                </a:solidFill>
+                <a:effectLst/>
+                <a:latin typeface="+mn-lt"/>
+                <a:ea typeface="+mn-ea"/>
+                <a:cs typeface="+mn-cs"/>
+              </a:defRPr>
+            </a:lvl2pPr>
+            <a:lvl3pPr marL="914400" indent="0" algn="ctr" defTabSz="914400" rtl="0" eaLnBrk="1" latinLnBrk="0" hangingPunct="1">
+              <a:lnSpc>
+                <a:spcPct val="120000"/>
+              </a:lnSpc>
+              <a:spcBef>
+                <a:spcPts val="500"/>
+              </a:spcBef>
+              <a:buClr>
+                <a:schemeClr val="accent1"/>
+              </a:buClr>
+              <a:buSzPct val="100000"/>
+              <a:buFont typeface="Arial" panose="020B0604020202020204" pitchFamily="34" charset="0"/>
+              <a:buNone/>
+              <a:defRPr sz="1800" kern="1200">
+                <a:solidFill>
+                  <a:schemeClr val="tx1"/>
+                </a:solidFill>
+                <a:effectLst/>
+                <a:latin typeface="+mn-lt"/>
+                <a:ea typeface="+mn-ea"/>
+                <a:cs typeface="+mn-cs"/>
+              </a:defRPr>
+            </a:lvl3pPr>
+            <a:lvl4pPr marL="1371600" indent="0" algn="ctr" defTabSz="914400" rtl="0" eaLnBrk="1" latinLnBrk="0" hangingPunct="1">
+              <a:lnSpc>
+                <a:spcPct val="120000"/>
+              </a:lnSpc>
+              <a:spcBef>
+                <a:spcPts val="500"/>
+              </a:spcBef>
+              <a:buClr>
+                <a:schemeClr val="accent1"/>
+              </a:buClr>
+              <a:buSzPct val="100000"/>
+              <a:buFont typeface="Arial" panose="020B0604020202020204" pitchFamily="34" charset="0"/>
+              <a:buNone/>
+              <a:defRPr sz="1600" kern="1200" cap="none" baseline="0">
+                <a:solidFill>
+                  <a:schemeClr val="tx1"/>
+                </a:solidFill>
+                <a:effectLst/>
+                <a:latin typeface="+mn-lt"/>
+                <a:ea typeface="+mn-ea"/>
+                <a:cs typeface="+mn-cs"/>
+              </a:defRPr>
+            </a:lvl4pPr>
+            <a:lvl5pPr marL="1828800" indent="0" algn="ctr" defTabSz="914400" rtl="0" eaLnBrk="1" latinLnBrk="0" hangingPunct="1">
+              <a:lnSpc>
+                <a:spcPct val="120000"/>
+              </a:lnSpc>
+              <a:spcBef>
+                <a:spcPts val="500"/>
+              </a:spcBef>
+              <a:buClr>
+                <a:schemeClr val="accent1"/>
+              </a:buClr>
+              <a:buSzPct val="100000"/>
+              <a:buFont typeface="Arial" panose="020B0604020202020204" pitchFamily="34" charset="0"/>
+              <a:buNone/>
+              <a:defRPr sz="1600" kern="1200">
+                <a:solidFill>
+                  <a:schemeClr val="tx1"/>
+                </a:solidFill>
+                <a:effectLst/>
+                <a:latin typeface="+mn-lt"/>
+                <a:ea typeface="+mn-ea"/>
+                <a:cs typeface="+mn-cs"/>
+              </a:defRPr>
+            </a:lvl5pPr>
+            <a:lvl6pPr marL="2286000" indent="0" algn="ctr" defTabSz="914400" rtl="0" eaLnBrk="1" latinLnBrk="0" hangingPunct="1">
+              <a:lnSpc>
+                <a:spcPct val="120000"/>
+              </a:lnSpc>
+              <a:spcBef>
+                <a:spcPts val="500"/>
+              </a:spcBef>
+              <a:buClr>
+                <a:schemeClr val="accent1"/>
+              </a:buClr>
+              <a:buSzPct val="100000"/>
+              <a:buFont typeface="Arial" panose="020B0604020202020204" pitchFamily="34" charset="0"/>
+              <a:buNone/>
+              <a:defRPr sz="1600" kern="1200">
+                <a:solidFill>
+                  <a:schemeClr val="tx1"/>
+                </a:solidFill>
+                <a:effectLst/>
+                <a:latin typeface="+mn-lt"/>
+                <a:ea typeface="+mn-ea"/>
+                <a:cs typeface="+mn-cs"/>
+              </a:defRPr>
+            </a:lvl6pPr>
+            <a:lvl7pPr marL="2743200" indent="0" algn="ctr" defTabSz="914400" rtl="0" eaLnBrk="1" latinLnBrk="0" hangingPunct="1">
+              <a:lnSpc>
+                <a:spcPct val="120000"/>
+              </a:lnSpc>
+              <a:spcBef>
+                <a:spcPts val="500"/>
+              </a:spcBef>
+              <a:buClr>
+                <a:schemeClr val="accent1"/>
+              </a:buClr>
+              <a:buSzPct val="100000"/>
+              <a:buFont typeface="Arial" panose="020B0604020202020204" pitchFamily="34" charset="0"/>
+              <a:buNone/>
+              <a:defRPr sz="1600" kern="1200">
+                <a:solidFill>
+                  <a:schemeClr val="tx1"/>
+                </a:solidFill>
+                <a:effectLst/>
+                <a:latin typeface="+mn-lt"/>
+                <a:ea typeface="+mn-ea"/>
+                <a:cs typeface="+mn-cs"/>
+              </a:defRPr>
+            </a:lvl7pPr>
+            <a:lvl8pPr marL="3200400" indent="0" algn="ctr" defTabSz="914400" rtl="0" eaLnBrk="1" latinLnBrk="0" hangingPunct="1">
+              <a:lnSpc>
+                <a:spcPct val="120000"/>
+              </a:lnSpc>
+              <a:spcBef>
+                <a:spcPts val="500"/>
+              </a:spcBef>
+              <a:buClr>
+                <a:schemeClr val="accent1"/>
+              </a:buClr>
+              <a:buSzPct val="100000"/>
+              <a:buFont typeface="Arial" panose="020B0604020202020204" pitchFamily="34" charset="0"/>
+              <a:buNone/>
+              <a:defRPr sz="1600" kern="1200" baseline="0">
+                <a:solidFill>
+                  <a:schemeClr val="tx1"/>
+                </a:solidFill>
+                <a:effectLst/>
+                <a:latin typeface="+mn-lt"/>
+                <a:ea typeface="+mn-ea"/>
+                <a:cs typeface="+mn-cs"/>
+              </a:defRPr>
+            </a:lvl8pPr>
+            <a:lvl9pPr marL="3657600" indent="0" algn="ctr" defTabSz="914400" rtl="0" eaLnBrk="1" latinLnBrk="0" hangingPunct="1">
+              <a:lnSpc>
+                <a:spcPct val="120000"/>
+              </a:lnSpc>
+              <a:spcBef>
+                <a:spcPts val="500"/>
+              </a:spcBef>
+              <a:buClr>
+                <a:schemeClr val="accent1"/>
+              </a:buClr>
+              <a:buSzPct val="100000"/>
+              <a:buFont typeface="Arial" panose="020B0604020202020204" pitchFamily="34" charset="0"/>
+              <a:buNone/>
+              <a:defRPr sz="1600" kern="1200" baseline="0">
+                <a:solidFill>
+                  <a:schemeClr val="tx1"/>
+                </a:solidFill>
+                <a:effectLst/>
+                <a:latin typeface="+mn-lt"/>
+                <a:ea typeface="+mn-ea"/>
+                <a:cs typeface="+mn-cs"/>
+              </a:defRPr>
+            </a:lvl9pPr>
+          </a:lstStyle>
+          <a:p>
+            <a:r>
+              <a:rPr lang="de-DE" dirty="0">
+                <a:solidFill>
+                  <a:schemeClr val="tx2"/>
+                </a:solidFill>
+              </a:rPr>
+              <a:t>16. November 2020</a:t>
+            </a:r>
+          </a:p>
+        </p:txBody>
+      </p:sp>
+      <p:sp>
+        <p:nvSpPr>
+          <p:cNvPr id="6" name="Subtitle 2">
+            <a:extLst>
+              <a:ext uri="{FF2B5EF4-FFF2-40B4-BE49-F238E27FC236}">
+                <a16:creationId xmlns:a16="http://schemas.microsoft.com/office/drawing/2014/main" id="{7A40C7D9-FAA4-4990-8494-CAF487F75FF9}"/>
+              </a:ext>
+            </a:extLst>
+          </p:cNvPr>
+          <p:cNvSpPr txBox="1">
+            <a:spLocks/>
+          </p:cNvSpPr>
+          <p:nvPr/>
+        </p:nvSpPr>
+        <p:spPr>
+          <a:xfrm>
+            <a:off x="2417780" y="932235"/>
+            <a:ext cx="2234119" cy="497070"/>
+          </a:xfrm>
+          <a:prstGeom prst="rect">
+            <a:avLst/>
+          </a:prstGeom>
+        </p:spPr>
+        <p:txBody>
+          <a:bodyPr vert="horz" lIns="91440" tIns="91440" rIns="91440" bIns="91440" rtlCol="0">
+            <a:normAutofit/>
+          </a:bodyPr>
+          <a:lstStyle>
+            <a:lvl1pPr marL="0" indent="0" algn="l" defTabSz="914400" rtl="0" eaLnBrk="1" latinLnBrk="0" hangingPunct="1">
+              <a:lnSpc>
+                <a:spcPct val="120000"/>
+              </a:lnSpc>
+              <a:spcBef>
+                <a:spcPts val="1000"/>
+              </a:spcBef>
+              <a:buClr>
+                <a:schemeClr val="accent1"/>
+              </a:buClr>
+              <a:buSzPct val="100000"/>
+              <a:buFont typeface="Arial" panose="020B0604020202020204" pitchFamily="34" charset="0"/>
+              <a:buNone/>
+              <a:defRPr sz="1800" b="0" kern="1200" cap="all" baseline="0">
+                <a:solidFill>
+                  <a:schemeClr val="tx1"/>
+                </a:solidFill>
+                <a:effectLst/>
+                <a:latin typeface="+mn-lt"/>
+                <a:ea typeface="+mn-ea"/>
+                <a:cs typeface="+mn-cs"/>
+              </a:defRPr>
+            </a:lvl1pPr>
+            <a:lvl2pPr marL="457200" indent="0" algn="ctr" defTabSz="914400" rtl="0" eaLnBrk="1" latinLnBrk="0" hangingPunct="1">
+              <a:lnSpc>
+                <a:spcPct val="120000"/>
+              </a:lnSpc>
+              <a:spcBef>
+                <a:spcPts val="500"/>
+              </a:spcBef>
+              <a:buClr>
+                <a:schemeClr val="accent1"/>
+              </a:buClr>
+              <a:buSzPct val="100000"/>
+              <a:buFont typeface="Arial" panose="020B0604020202020204" pitchFamily="34" charset="0"/>
+              <a:buNone/>
+              <a:defRPr sz="1800" kern="1200" cap="none" baseline="0">
+                <a:solidFill>
+                  <a:schemeClr val="tx1"/>
+                </a:solidFill>
+                <a:effectLst/>
+                <a:latin typeface="+mn-lt"/>
+                <a:ea typeface="+mn-ea"/>
+                <a:cs typeface="+mn-cs"/>
+              </a:defRPr>
+            </a:lvl2pPr>
+            <a:lvl3pPr marL="914400" indent="0" algn="ctr" defTabSz="914400" rtl="0" eaLnBrk="1" latinLnBrk="0" hangingPunct="1">
+              <a:lnSpc>
+                <a:spcPct val="120000"/>
+              </a:lnSpc>
+              <a:spcBef>
+                <a:spcPts val="500"/>
+              </a:spcBef>
+              <a:buClr>
+                <a:schemeClr val="accent1"/>
+              </a:buClr>
+              <a:buSzPct val="100000"/>
+              <a:buFont typeface="Arial" panose="020B0604020202020204" pitchFamily="34" charset="0"/>
+              <a:buNone/>
+              <a:defRPr sz="1800" kern="1200">
+                <a:solidFill>
+                  <a:schemeClr val="tx1"/>
+                </a:solidFill>
+                <a:effectLst/>
+                <a:latin typeface="+mn-lt"/>
+                <a:ea typeface="+mn-ea"/>
+                <a:cs typeface="+mn-cs"/>
+              </a:defRPr>
+            </a:lvl3pPr>
+            <a:lvl4pPr marL="1371600" indent="0" algn="ctr" defTabSz="914400" rtl="0" eaLnBrk="1" latinLnBrk="0" hangingPunct="1">
+              <a:lnSpc>
+                <a:spcPct val="120000"/>
+              </a:lnSpc>
+              <a:spcBef>
+                <a:spcPts val="500"/>
+              </a:spcBef>
+              <a:buClr>
+                <a:schemeClr val="accent1"/>
+              </a:buClr>
+              <a:buSzPct val="100000"/>
+              <a:buFont typeface="Arial" panose="020B0604020202020204" pitchFamily="34" charset="0"/>
+              <a:buNone/>
+              <a:defRPr sz="1600" kern="1200" cap="none" baseline="0">
+                <a:solidFill>
+                  <a:schemeClr val="tx1"/>
+                </a:solidFill>
+                <a:effectLst/>
+                <a:latin typeface="+mn-lt"/>
+                <a:ea typeface="+mn-ea"/>
+                <a:cs typeface="+mn-cs"/>
+              </a:defRPr>
+            </a:lvl4pPr>
+            <a:lvl5pPr marL="1828800" indent="0" algn="ctr" defTabSz="914400" rtl="0" eaLnBrk="1" latinLnBrk="0" hangingPunct="1">
+              <a:lnSpc>
+                <a:spcPct val="120000"/>
+              </a:lnSpc>
+              <a:spcBef>
+                <a:spcPts val="500"/>
+              </a:spcBef>
+              <a:buClr>
+                <a:schemeClr val="accent1"/>
+              </a:buClr>
+              <a:buSzPct val="100000"/>
+              <a:buFont typeface="Arial" panose="020B0604020202020204" pitchFamily="34" charset="0"/>
+              <a:buNone/>
+              <a:defRPr sz="1600" kern="1200">
+                <a:solidFill>
+                  <a:schemeClr val="tx1"/>
+                </a:solidFill>
+                <a:effectLst/>
+                <a:latin typeface="+mn-lt"/>
+                <a:ea typeface="+mn-ea"/>
+                <a:cs typeface="+mn-cs"/>
+              </a:defRPr>
+            </a:lvl5pPr>
+            <a:lvl6pPr marL="2286000" indent="0" algn="ctr" defTabSz="914400" rtl="0" eaLnBrk="1" latinLnBrk="0" hangingPunct="1">
+              <a:lnSpc>
+                <a:spcPct val="120000"/>
+              </a:lnSpc>
+              <a:spcBef>
+                <a:spcPts val="500"/>
+              </a:spcBef>
+              <a:buClr>
+                <a:schemeClr val="accent1"/>
+              </a:buClr>
+              <a:buSzPct val="100000"/>
+              <a:buFont typeface="Arial" panose="020B0604020202020204" pitchFamily="34" charset="0"/>
+              <a:buNone/>
+              <a:defRPr sz="1600" kern="1200">
+                <a:solidFill>
+                  <a:schemeClr val="tx1"/>
+                </a:solidFill>
+                <a:effectLst/>
+                <a:latin typeface="+mn-lt"/>
+                <a:ea typeface="+mn-ea"/>
+                <a:cs typeface="+mn-cs"/>
+              </a:defRPr>
+            </a:lvl6pPr>
+            <a:lvl7pPr marL="2743200" indent="0" algn="ctr" defTabSz="914400" rtl="0" eaLnBrk="1" latinLnBrk="0" hangingPunct="1">
+              <a:lnSpc>
+                <a:spcPct val="120000"/>
+              </a:lnSpc>
+              <a:spcBef>
+                <a:spcPts val="500"/>
+              </a:spcBef>
+              <a:buClr>
+                <a:schemeClr val="accent1"/>
+              </a:buClr>
+              <a:buSzPct val="100000"/>
+              <a:buFont typeface="Arial" panose="020B0604020202020204" pitchFamily="34" charset="0"/>
+              <a:buNone/>
+              <a:defRPr sz="1600" kern="1200">
+                <a:solidFill>
+                  <a:schemeClr val="tx1"/>
+                </a:solidFill>
+                <a:effectLst/>
+                <a:latin typeface="+mn-lt"/>
+                <a:ea typeface="+mn-ea"/>
+                <a:cs typeface="+mn-cs"/>
+              </a:defRPr>
+            </a:lvl7pPr>
+            <a:lvl8pPr marL="3200400" indent="0" algn="ctr" defTabSz="914400" rtl="0" eaLnBrk="1" latinLnBrk="0" hangingPunct="1">
+              <a:lnSpc>
+                <a:spcPct val="120000"/>
+              </a:lnSpc>
+              <a:spcBef>
+                <a:spcPts val="500"/>
+              </a:spcBef>
+              <a:buClr>
+                <a:schemeClr val="accent1"/>
+              </a:buClr>
+              <a:buSzPct val="100000"/>
+              <a:buFont typeface="Arial" panose="020B0604020202020204" pitchFamily="34" charset="0"/>
+              <a:buNone/>
+              <a:defRPr sz="1600" kern="1200" baseline="0">
+                <a:solidFill>
+                  <a:schemeClr val="tx1"/>
+                </a:solidFill>
+                <a:effectLst/>
+                <a:latin typeface="+mn-lt"/>
+                <a:ea typeface="+mn-ea"/>
+                <a:cs typeface="+mn-cs"/>
+              </a:defRPr>
+            </a:lvl8pPr>
+            <a:lvl9pPr marL="3657600" indent="0" algn="ctr" defTabSz="914400" rtl="0" eaLnBrk="1" latinLnBrk="0" hangingPunct="1">
+              <a:lnSpc>
+                <a:spcPct val="120000"/>
+              </a:lnSpc>
+              <a:spcBef>
+                <a:spcPts val="500"/>
+              </a:spcBef>
+              <a:buClr>
+                <a:schemeClr val="accent1"/>
+              </a:buClr>
+              <a:buSzPct val="100000"/>
+              <a:buFont typeface="Arial" panose="020B0604020202020204" pitchFamily="34" charset="0"/>
+              <a:buNone/>
+              <a:defRPr sz="1600" kern="1200" baseline="0">
+                <a:solidFill>
+                  <a:schemeClr val="tx1"/>
+                </a:solidFill>
+                <a:effectLst/>
+                <a:latin typeface="+mn-lt"/>
+                <a:ea typeface="+mn-ea"/>
+                <a:cs typeface="+mn-cs"/>
+              </a:defRPr>
+            </a:lvl9pPr>
+          </a:lstStyle>
+          <a:p>
+            <a:r>
+              <a:rPr lang="de-DE" dirty="0">
+                <a:solidFill>
+                  <a:schemeClr val="tx2"/>
+                </a:solidFill>
+              </a:rPr>
+              <a:t> BACHELORARBEIT</a:t>
+            </a:r>
+          </a:p>
+        </p:txBody>
+      </p:sp>
+      <p:pic>
+        <p:nvPicPr>
+          <p:cNvPr id="8" name="Picture 7">
+            <a:extLst>
+              <a:ext uri="{FF2B5EF4-FFF2-40B4-BE49-F238E27FC236}">
+                <a16:creationId xmlns:a16="http://schemas.microsoft.com/office/drawing/2014/main" id="{D820815B-E6DB-43CA-A7C4-A05D4A5F5477}"/>
+              </a:ext>
+            </a:extLst>
+          </p:cNvPr>
+          <p:cNvPicPr>
+            <a:picLocks noChangeAspect="1"/>
+          </p:cNvPicPr>
+          <p:nvPr/>
+        </p:nvPicPr>
+        <p:blipFill>
+          <a:blip r:embed="rId2">
+            <a:extLst>
+              <a:ext uri="{28A0092B-C50C-407E-A947-70E740481C1C}">
+                <a14:useLocalDpi xmlns:a14="http://schemas.microsoft.com/office/drawing/2010/main" val="0"/>
+              </a:ext>
+            </a:extLst>
+          </a:blip>
+          <a:stretch>
+            <a:fillRect/>
+          </a:stretch>
+        </p:blipFill>
+        <p:spPr>
+          <a:xfrm>
+            <a:off x="8979398" y="597889"/>
+            <a:ext cx="1980452" cy="831416"/>
+          </a:xfrm>
+          <a:prstGeom prst="rect">
+            <a:avLst/>
+          </a:prstGeom>
+        </p:spPr>
+      </p:pic>
     </p:spTree>
     <p:extLst>
       <p:ext uri="{BB962C8B-B14F-4D97-AF65-F5344CB8AC3E}">
@@ -7645,33 +8262,8 @@
           <a:p>
             <a:r>
               <a:rPr lang="de-DE" dirty="0"/>
-              <a:t>5. ZUSAMMENFASSUNG</a:t>
+              <a:t>4. Reflektion über Vorangehensweise</a:t>
             </a:r>
-          </a:p>
-        </p:txBody>
-      </p:sp>
-      <p:sp>
-        <p:nvSpPr>
-          <p:cNvPr id="3" name="Content Placeholder 2">
-            <a:extLst>
-              <a:ext uri="{FF2B5EF4-FFF2-40B4-BE49-F238E27FC236}">
-                <a16:creationId xmlns:a16="http://schemas.microsoft.com/office/drawing/2014/main" id="{2AFC031A-7697-450A-8416-737DE809F81B}"/>
-              </a:ext>
-            </a:extLst>
-          </p:cNvPr>
-          <p:cNvSpPr>
-            <a:spLocks noGrp="1"/>
-          </p:cNvSpPr>
-          <p:nvPr>
-            <p:ph idx="1"/>
-          </p:nvPr>
-        </p:nvSpPr>
-        <p:spPr/>
-        <p:txBody>
-          <a:bodyPr/>
-          <a:lstStyle/>
-          <a:p>
-            <a:endParaRPr lang="de-DE" dirty="0"/>
           </a:p>
         </p:txBody>
       </p:sp>
@@ -7704,10 +8296,127 @@
           </a:p>
         </p:txBody>
       </p:sp>
+      <p:pic>
+        <p:nvPicPr>
+          <p:cNvPr id="6" name="Picture 5">
+            <a:extLst>
+              <a:ext uri="{FF2B5EF4-FFF2-40B4-BE49-F238E27FC236}">
+                <a16:creationId xmlns:a16="http://schemas.microsoft.com/office/drawing/2014/main" id="{81F78803-D3C4-4FC2-88E6-209E0C00B333}"/>
+              </a:ext>
+            </a:extLst>
+          </p:cNvPr>
+          <p:cNvPicPr>
+            <a:picLocks noChangeAspect="1"/>
+          </p:cNvPicPr>
+          <p:nvPr/>
+        </p:nvPicPr>
+        <p:blipFill>
+          <a:blip r:embed="rId2">
+            <a:extLst>
+              <a:ext uri="{28A0092B-C50C-407E-A947-70E740481C1C}">
+                <a14:useLocalDpi xmlns:a14="http://schemas.microsoft.com/office/drawing/2010/main" val="0"/>
+              </a:ext>
+            </a:extLst>
+          </a:blip>
+          <a:stretch>
+            <a:fillRect/>
+          </a:stretch>
+        </p:blipFill>
+        <p:spPr>
+          <a:xfrm>
+            <a:off x="8979398" y="597889"/>
+            <a:ext cx="1980452" cy="831416"/>
+          </a:xfrm>
+          <a:prstGeom prst="rect">
+            <a:avLst/>
+          </a:prstGeom>
+        </p:spPr>
+      </p:pic>
+      <p:sp>
+        <p:nvSpPr>
+          <p:cNvPr id="7" name="Content Placeholder 2">
+            <a:extLst>
+              <a:ext uri="{FF2B5EF4-FFF2-40B4-BE49-F238E27FC236}">
+                <a16:creationId xmlns:a16="http://schemas.microsoft.com/office/drawing/2014/main" id="{A76BFED3-819E-49EE-8166-2E87C80E79EE}"/>
+              </a:ext>
+            </a:extLst>
+          </p:cNvPr>
+          <p:cNvSpPr>
+            <a:spLocks noGrp="1"/>
+          </p:cNvSpPr>
+          <p:nvPr>
+            <p:ph idx="1"/>
+          </p:nvPr>
+        </p:nvSpPr>
+        <p:spPr>
+          <a:xfrm>
+            <a:off x="1451579" y="2017744"/>
+            <a:ext cx="9603275" cy="4090094"/>
+          </a:xfrm>
+        </p:spPr>
+        <p:txBody>
+          <a:bodyPr>
+            <a:noAutofit/>
+          </a:bodyPr>
+          <a:lstStyle/>
+          <a:p>
+            <a:r>
+              <a:rPr lang="de-DE" sz="1800" b="1" dirty="0"/>
+              <a:t>„Was würde ich anders machen, wenn ich die Arbeit mit jetzigem Wissen schreibe?“</a:t>
+            </a:r>
+          </a:p>
+          <a:p>
+            <a:pPr lvl="1"/>
+            <a:r>
+              <a:rPr lang="de-DE" dirty="0"/>
+              <a:t>Themenfindung nicht erst mit Abschluss des Studiums sondern zuvor</a:t>
+            </a:r>
+          </a:p>
+          <a:p>
+            <a:pPr marL="457200" lvl="1" indent="0">
+              <a:buNone/>
+            </a:pPr>
+            <a:endParaRPr lang="de-DE" dirty="0"/>
+          </a:p>
+          <a:p>
+            <a:pPr lvl="1"/>
+            <a:r>
+              <a:rPr lang="de-DE" dirty="0"/>
+              <a:t>Zeitplanung war angemessen, so beibehalten</a:t>
+            </a:r>
+          </a:p>
+          <a:p>
+            <a:pPr marL="457200" lvl="1" indent="0">
+              <a:buNone/>
+            </a:pPr>
+            <a:endParaRPr lang="de-DE" dirty="0"/>
+          </a:p>
+          <a:p>
+            <a:pPr lvl="1"/>
+            <a:r>
+              <a:rPr lang="de-DE" dirty="0"/>
+              <a:t>Mehr Gedanken um den Weg zum Ziel machen als das Ziel (den Prototypen) selbst (Gedanken über Forschungsmethode, die Wahl dessen usw.)</a:t>
+            </a:r>
+          </a:p>
+          <a:p>
+            <a:pPr marL="457200" lvl="1" indent="0">
+              <a:buNone/>
+            </a:pPr>
+            <a:endParaRPr lang="de-DE" dirty="0"/>
+          </a:p>
+          <a:p>
+            <a:pPr lvl="1"/>
+            <a:r>
+              <a:rPr lang="de-DE" dirty="0"/>
+              <a:t>Quellenverzeichnis während des Schreibens komplettieren und nicht zum Ende der Arbeit.</a:t>
+            </a:r>
+          </a:p>
+        </p:txBody>
+      </p:sp>
     </p:spTree>
     <p:extLst>
       <p:ext uri="{BB962C8B-B14F-4D97-AF65-F5344CB8AC3E}">
-        <p14:creationId xmlns:p14="http://schemas.microsoft.com/office/powerpoint/2010/main" val="31547043"/>
+        <p14:creationId xmlns:p14="http://schemas.microsoft.com/office/powerpoint/2010/main" val="2020745994"/>
       </p:ext>
     </p:extLst>
   </p:cSld>
@@ -7718,6 +8427,166 @@
 </file>
 
 <file path=ppt/slides/slide11.xml><?xml version="1.0" encoding="utf-8"?>
+<p:sld xmlns:a="http://schemas.openxmlformats.org/drawingml/2006/main" xmlns:r="http://schemas.openxmlformats.org/officeDocument/2006/relationships" xmlns:p="http://schemas.openxmlformats.org/presentationml/2006/main">
+  <p:cSld>
+    <p:spTree>
+      <p:nvGrpSpPr>
+        <p:cNvPr id="1" name=""/>
+        <p:cNvGrpSpPr/>
+        <p:nvPr/>
+      </p:nvGrpSpPr>
+      <p:grpSpPr>
+        <a:xfrm>
+          <a:off x="0" y="0"/>
+          <a:ext cx="0" cy="0"/>
+          <a:chOff x="0" y="0"/>
+          <a:chExt cx="0" cy="0"/>
+        </a:xfrm>
+      </p:grpSpPr>
+      <p:sp>
+        <p:nvSpPr>
+          <p:cNvPr id="2" name="Title 1">
+            <a:extLst>
+              <a:ext uri="{FF2B5EF4-FFF2-40B4-BE49-F238E27FC236}">
+                <a16:creationId xmlns:a16="http://schemas.microsoft.com/office/drawing/2014/main" id="{BFD4A6AD-BE9E-4441-9BD8-973DB0400DC8}"/>
+              </a:ext>
+            </a:extLst>
+          </p:cNvPr>
+          <p:cNvSpPr>
+            <a:spLocks noGrp="1"/>
+          </p:cNvSpPr>
+          <p:nvPr>
+            <p:ph type="title"/>
+          </p:nvPr>
+        </p:nvSpPr>
+        <p:spPr>
+          <a:xfrm>
+            <a:off x="1451579" y="1302551"/>
+            <a:ext cx="9603275" cy="551203"/>
+          </a:xfrm>
+        </p:spPr>
+        <p:txBody>
+          <a:bodyPr/>
+          <a:lstStyle/>
+          <a:p>
+            <a:r>
+              <a:rPr lang="de-DE" dirty="0"/>
+              <a:t>5. FAZIT &amp; ausblick</a:t>
+            </a:r>
+          </a:p>
+        </p:txBody>
+      </p:sp>
+      <p:sp>
+        <p:nvSpPr>
+          <p:cNvPr id="4" name="Slide Number Placeholder 3">
+            <a:extLst>
+              <a:ext uri="{FF2B5EF4-FFF2-40B4-BE49-F238E27FC236}">
+                <a16:creationId xmlns:a16="http://schemas.microsoft.com/office/drawing/2014/main" id="{99175887-9508-472E-8D20-02C574E7633C}"/>
+              </a:ext>
+            </a:extLst>
+          </p:cNvPr>
+          <p:cNvSpPr>
+            <a:spLocks noGrp="1"/>
+          </p:cNvSpPr>
+          <p:nvPr>
+            <p:ph type="sldNum" sz="quarter" idx="12"/>
+          </p:nvPr>
+        </p:nvSpPr>
+        <p:spPr/>
+        <p:txBody>
+          <a:bodyPr/>
+          <a:lstStyle/>
+          <a:p>
+            <a:fld id="{2506CCB9-12E8-4B80-952C-584D19B36CCD}" type="slidenum">
+              <a:rPr lang="de-DE" smtClean="0"/>
+              <a:t>11</a:t>
+            </a:fld>
+            <a:endParaRPr lang="de-DE"/>
+          </a:p>
+        </p:txBody>
+      </p:sp>
+      <p:pic>
+        <p:nvPicPr>
+          <p:cNvPr id="6" name="Picture 5">
+            <a:extLst>
+              <a:ext uri="{FF2B5EF4-FFF2-40B4-BE49-F238E27FC236}">
+                <a16:creationId xmlns:a16="http://schemas.microsoft.com/office/drawing/2014/main" id="{81F78803-D3C4-4FC2-88E6-209E0C00B333}"/>
+              </a:ext>
+            </a:extLst>
+          </p:cNvPr>
+          <p:cNvPicPr>
+            <a:picLocks noChangeAspect="1"/>
+          </p:cNvPicPr>
+          <p:nvPr/>
+        </p:nvPicPr>
+        <p:blipFill>
+          <a:blip r:embed="rId2">
+            <a:extLst>
+              <a:ext uri="{28A0092B-C50C-407E-A947-70E740481C1C}">
+                <a14:useLocalDpi xmlns:a14="http://schemas.microsoft.com/office/drawing/2010/main" val="0"/>
+              </a:ext>
+            </a:extLst>
+          </a:blip>
+          <a:stretch>
+            <a:fillRect/>
+          </a:stretch>
+        </p:blipFill>
+        <p:spPr>
+          <a:xfrm>
+            <a:off x="8979398" y="597889"/>
+            <a:ext cx="1980452" cy="831416"/>
+          </a:xfrm>
+          <a:prstGeom prst="rect">
+            <a:avLst/>
+          </a:prstGeom>
+        </p:spPr>
+      </p:pic>
+      <p:sp>
+        <p:nvSpPr>
+          <p:cNvPr id="7" name="Content Placeholder 2">
+            <a:extLst>
+              <a:ext uri="{FF2B5EF4-FFF2-40B4-BE49-F238E27FC236}">
+                <a16:creationId xmlns:a16="http://schemas.microsoft.com/office/drawing/2014/main" id="{A76BFED3-819E-49EE-8166-2E87C80E79EE}"/>
+              </a:ext>
+            </a:extLst>
+          </p:cNvPr>
+          <p:cNvSpPr>
+            <a:spLocks noGrp="1"/>
+          </p:cNvSpPr>
+          <p:nvPr>
+            <p:ph idx="1"/>
+          </p:nvPr>
+        </p:nvSpPr>
+        <p:spPr>
+          <a:xfrm>
+            <a:off x="1451579" y="2017744"/>
+            <a:ext cx="9603275" cy="4090094"/>
+          </a:xfrm>
+        </p:spPr>
+        <p:txBody>
+          <a:bodyPr>
+            <a:noAutofit/>
+          </a:bodyPr>
+          <a:lstStyle/>
+          <a:p>
+            <a:endParaRPr lang="de-DE" dirty="0"/>
+          </a:p>
+        </p:txBody>
+      </p:sp>
+    </p:spTree>
+    <p:extLst>
+      <p:ext uri="{BB962C8B-B14F-4D97-AF65-F5344CB8AC3E}">
+        <p14:creationId xmlns:p14="http://schemas.microsoft.com/office/powerpoint/2010/main" val="146966284"/>
+      </p:ext>
+    </p:extLst>
+  </p:cSld>
+  <p:clrMapOvr>
+    <a:masterClrMapping/>
+  </p:clrMapOvr>
+</p:sld>
+</file>
+
+<file path=ppt/slides/slide12.xml><?xml version="1.0" encoding="utf-8"?>
 <p:sld xmlns:a="http://schemas.openxmlformats.org/drawingml/2006/main" xmlns:r="http://schemas.openxmlformats.org/officeDocument/2006/relationships" xmlns:p="http://schemas.openxmlformats.org/presentationml/2006/main">
   <p:cSld>
     <p:spTree>
@@ -8004,9 +8873,310 @@
           <a:p>
             <a:fld id="{2506CCB9-12E8-4B80-952C-584D19B36CCD}" type="slidenum">
               <a:rPr lang="de-DE" smtClean="0"/>
-              <a:t>11</a:t>
+              <a:t>12</a:t>
             </a:fld>
             <a:endParaRPr lang="de-DE"/>
+          </a:p>
+        </p:txBody>
+      </p:sp>
+      <p:pic>
+        <p:nvPicPr>
+          <p:cNvPr id="5" name="Picture 4">
+            <a:extLst>
+              <a:ext uri="{FF2B5EF4-FFF2-40B4-BE49-F238E27FC236}">
+                <a16:creationId xmlns:a16="http://schemas.microsoft.com/office/drawing/2014/main" id="{E5C06457-4054-400A-B1DE-3B250F5DE2EF}"/>
+              </a:ext>
+            </a:extLst>
+          </p:cNvPr>
+          <p:cNvPicPr>
+            <a:picLocks noChangeAspect="1"/>
+          </p:cNvPicPr>
+          <p:nvPr/>
+        </p:nvPicPr>
+        <p:blipFill>
+          <a:blip r:embed="rId2">
+            <a:extLst>
+              <a:ext uri="{28A0092B-C50C-407E-A947-70E740481C1C}">
+                <a14:useLocalDpi xmlns:a14="http://schemas.microsoft.com/office/drawing/2010/main" val="0"/>
+              </a:ext>
+            </a:extLst>
+          </a:blip>
+          <a:stretch>
+            <a:fillRect/>
+          </a:stretch>
+        </p:blipFill>
+        <p:spPr>
+          <a:xfrm>
+            <a:off x="8979398" y="597889"/>
+            <a:ext cx="1980452" cy="831416"/>
+          </a:xfrm>
+          <a:prstGeom prst="rect">
+            <a:avLst/>
+          </a:prstGeom>
+        </p:spPr>
+      </p:pic>
+      <p:sp>
+        <p:nvSpPr>
+          <p:cNvPr id="8" name="Content Placeholder 2">
+            <a:extLst>
+              <a:ext uri="{FF2B5EF4-FFF2-40B4-BE49-F238E27FC236}">
+                <a16:creationId xmlns:a16="http://schemas.microsoft.com/office/drawing/2014/main" id="{655F2AA8-9468-4186-B4C2-BF605B4BBA0B}"/>
+              </a:ext>
+            </a:extLst>
+          </p:cNvPr>
+          <p:cNvSpPr txBox="1">
+            <a:spLocks/>
+          </p:cNvSpPr>
+          <p:nvPr/>
+        </p:nvSpPr>
+        <p:spPr>
+          <a:xfrm>
+            <a:off x="1291079" y="3429000"/>
+            <a:ext cx="5692364" cy="2188951"/>
+          </a:xfrm>
+          <a:prstGeom prst="rect">
+            <a:avLst/>
+          </a:prstGeom>
+        </p:spPr>
+        <p:txBody>
+          <a:bodyPr>
+            <a:noAutofit/>
+          </a:bodyPr>
+          <a:lstStyle>
+            <a:lvl1pPr marL="228600" indent="-228600" algn="l" defTabSz="914400" rtl="0" eaLnBrk="1" latinLnBrk="0" hangingPunct="1">
+              <a:lnSpc>
+                <a:spcPct val="120000"/>
+              </a:lnSpc>
+              <a:spcBef>
+                <a:spcPts val="1000"/>
+              </a:spcBef>
+              <a:buClr>
+                <a:schemeClr val="accent1"/>
+              </a:buClr>
+              <a:buSzPct val="100000"/>
+              <a:buFont typeface="Arial" panose="020B0604020202020204" pitchFamily="34" charset="0"/>
+              <a:buChar char="•"/>
+              <a:defRPr sz="2000" kern="1200">
+                <a:solidFill>
+                  <a:schemeClr val="tx1"/>
+                </a:solidFill>
+                <a:effectLst/>
+                <a:latin typeface="+mn-lt"/>
+                <a:ea typeface="+mn-ea"/>
+                <a:cs typeface="+mn-cs"/>
+              </a:defRPr>
+            </a:lvl1pPr>
+            <a:lvl2pPr marL="685800" indent="-228600" algn="l" defTabSz="914400" rtl="0" eaLnBrk="1" latinLnBrk="0" hangingPunct="1">
+              <a:lnSpc>
+                <a:spcPct val="120000"/>
+              </a:lnSpc>
+              <a:spcBef>
+                <a:spcPts val="500"/>
+              </a:spcBef>
+              <a:buClr>
+                <a:schemeClr val="accent1"/>
+              </a:buClr>
+              <a:buSzPct val="100000"/>
+              <a:buFont typeface="Arial" panose="020B0604020202020204" pitchFamily="34" charset="0"/>
+              <a:buChar char="•"/>
+              <a:defRPr sz="1800" kern="1200" cap="none" baseline="0">
+                <a:solidFill>
+                  <a:schemeClr val="tx1"/>
+                </a:solidFill>
+                <a:effectLst/>
+                <a:latin typeface="+mn-lt"/>
+                <a:ea typeface="+mn-ea"/>
+                <a:cs typeface="+mn-cs"/>
+              </a:defRPr>
+            </a:lvl2pPr>
+            <a:lvl3pPr marL="1143000" indent="-228600" algn="l" defTabSz="914400" rtl="0" eaLnBrk="1" latinLnBrk="0" hangingPunct="1">
+              <a:lnSpc>
+                <a:spcPct val="120000"/>
+              </a:lnSpc>
+              <a:spcBef>
+                <a:spcPts val="500"/>
+              </a:spcBef>
+              <a:buClr>
+                <a:schemeClr val="accent1"/>
+              </a:buClr>
+              <a:buSzPct val="100000"/>
+              <a:buFont typeface="Arial" panose="020B0604020202020204" pitchFamily="34" charset="0"/>
+              <a:buChar char="•"/>
+              <a:defRPr sz="1600" kern="1200">
+                <a:solidFill>
+                  <a:schemeClr val="tx1"/>
+                </a:solidFill>
+                <a:effectLst/>
+                <a:latin typeface="+mn-lt"/>
+                <a:ea typeface="+mn-ea"/>
+                <a:cs typeface="+mn-cs"/>
+              </a:defRPr>
+            </a:lvl3pPr>
+            <a:lvl4pPr marL="1600200" indent="-228600" algn="l" defTabSz="914400" rtl="0" eaLnBrk="1" latinLnBrk="0" hangingPunct="1">
+              <a:lnSpc>
+                <a:spcPct val="120000"/>
+              </a:lnSpc>
+              <a:spcBef>
+                <a:spcPts val="500"/>
+              </a:spcBef>
+              <a:buClr>
+                <a:schemeClr val="accent1"/>
+              </a:buClr>
+              <a:buSzPct val="100000"/>
+              <a:buFont typeface="Arial" panose="020B0604020202020204" pitchFamily="34" charset="0"/>
+              <a:buChar char="•"/>
+              <a:defRPr sz="1400" kern="1200" cap="none" baseline="0">
+                <a:solidFill>
+                  <a:schemeClr val="tx1"/>
+                </a:solidFill>
+                <a:effectLst/>
+                <a:latin typeface="+mn-lt"/>
+                <a:ea typeface="+mn-ea"/>
+                <a:cs typeface="+mn-cs"/>
+              </a:defRPr>
+            </a:lvl4pPr>
+            <a:lvl5pPr marL="2057400" indent="-228600" algn="l" defTabSz="914400" rtl="0" eaLnBrk="1" latinLnBrk="0" hangingPunct="1">
+              <a:lnSpc>
+                <a:spcPct val="120000"/>
+              </a:lnSpc>
+              <a:spcBef>
+                <a:spcPts val="500"/>
+              </a:spcBef>
+              <a:buClr>
+                <a:schemeClr val="accent1"/>
+              </a:buClr>
+              <a:buSzPct val="100000"/>
+              <a:buFont typeface="Arial" panose="020B0604020202020204" pitchFamily="34" charset="0"/>
+              <a:buChar char="•"/>
+              <a:defRPr sz="1200" kern="1200">
+                <a:solidFill>
+                  <a:schemeClr val="tx1"/>
+                </a:solidFill>
+                <a:effectLst/>
+                <a:latin typeface="+mn-lt"/>
+                <a:ea typeface="+mn-ea"/>
+                <a:cs typeface="+mn-cs"/>
+              </a:defRPr>
+            </a:lvl5pPr>
+            <a:lvl6pPr marL="2514600" indent="-228600" algn="l" defTabSz="914400" rtl="0" eaLnBrk="1" latinLnBrk="0" hangingPunct="1">
+              <a:lnSpc>
+                <a:spcPct val="120000"/>
+              </a:lnSpc>
+              <a:spcBef>
+                <a:spcPts val="500"/>
+              </a:spcBef>
+              <a:buClr>
+                <a:schemeClr val="accent1"/>
+              </a:buClr>
+              <a:buSzPct val="100000"/>
+              <a:buFont typeface="Arial" panose="020B0604020202020204" pitchFamily="34" charset="0"/>
+              <a:buChar char="•"/>
+              <a:defRPr sz="1200" kern="1200">
+                <a:solidFill>
+                  <a:schemeClr val="tx1"/>
+                </a:solidFill>
+                <a:effectLst/>
+                <a:latin typeface="+mn-lt"/>
+                <a:ea typeface="+mn-ea"/>
+                <a:cs typeface="+mn-cs"/>
+              </a:defRPr>
+            </a:lvl6pPr>
+            <a:lvl7pPr marL="2971800" indent="-228600" algn="l" defTabSz="914400" rtl="0" eaLnBrk="1" latinLnBrk="0" hangingPunct="1">
+              <a:lnSpc>
+                <a:spcPct val="120000"/>
+              </a:lnSpc>
+              <a:spcBef>
+                <a:spcPts val="500"/>
+              </a:spcBef>
+              <a:buClr>
+                <a:schemeClr val="accent1"/>
+              </a:buClr>
+              <a:buSzPct val="100000"/>
+              <a:buFont typeface="Arial" panose="020B0604020202020204" pitchFamily="34" charset="0"/>
+              <a:buChar char="•"/>
+              <a:defRPr sz="1200" kern="1200">
+                <a:solidFill>
+                  <a:schemeClr val="tx1"/>
+                </a:solidFill>
+                <a:effectLst/>
+                <a:latin typeface="+mn-lt"/>
+                <a:ea typeface="+mn-ea"/>
+                <a:cs typeface="+mn-cs"/>
+              </a:defRPr>
+            </a:lvl7pPr>
+            <a:lvl8pPr marL="3429000" indent="-228600" algn="l" defTabSz="914400" rtl="0" eaLnBrk="1" latinLnBrk="0" hangingPunct="1">
+              <a:lnSpc>
+                <a:spcPct val="120000"/>
+              </a:lnSpc>
+              <a:spcBef>
+                <a:spcPts val="500"/>
+              </a:spcBef>
+              <a:buClr>
+                <a:schemeClr val="accent1"/>
+              </a:buClr>
+              <a:buSzPct val="100000"/>
+              <a:buFont typeface="Arial" panose="020B0604020202020204" pitchFamily="34" charset="0"/>
+              <a:buChar char="•"/>
+              <a:defRPr sz="1200" kern="1200" baseline="0">
+                <a:solidFill>
+                  <a:schemeClr val="tx1"/>
+                </a:solidFill>
+                <a:effectLst/>
+                <a:latin typeface="+mn-lt"/>
+                <a:ea typeface="+mn-ea"/>
+                <a:cs typeface="+mn-cs"/>
+              </a:defRPr>
+            </a:lvl8pPr>
+            <a:lvl9pPr marL="3886200" indent="-228600" algn="l" defTabSz="914400" rtl="0" eaLnBrk="1" latinLnBrk="0" hangingPunct="1">
+              <a:lnSpc>
+                <a:spcPct val="120000"/>
+              </a:lnSpc>
+              <a:spcBef>
+                <a:spcPts val="500"/>
+              </a:spcBef>
+              <a:buClr>
+                <a:schemeClr val="accent1"/>
+              </a:buClr>
+              <a:buSzPct val="100000"/>
+              <a:buFont typeface="Arial" panose="020B0604020202020204" pitchFamily="34" charset="0"/>
+              <a:buChar char="•"/>
+              <a:defRPr sz="1200" kern="1200" baseline="0">
+                <a:solidFill>
+                  <a:schemeClr val="tx1"/>
+                </a:solidFill>
+                <a:effectLst/>
+                <a:latin typeface="+mn-lt"/>
+                <a:ea typeface="+mn-ea"/>
+                <a:cs typeface="+mn-cs"/>
+              </a:defRPr>
+            </a:lvl9pPr>
+          </a:lstStyle>
+          <a:p>
+            <a:r>
+              <a:rPr lang="de-DE" dirty="0"/>
+              <a:t>Für Nachfragen:</a:t>
+            </a:r>
+          </a:p>
+          <a:p>
+            <a:pPr lvl="1"/>
+            <a:r>
+              <a:rPr lang="de-DE" dirty="0"/>
+              <a:t>E-Mail (geschäftlich): </a:t>
+            </a:r>
+            <a:r>
+              <a:rPr lang="de-DE" dirty="0">
+                <a:hlinkClick r:id="rId3"/>
+              </a:rPr>
+              <a:t>ertugrul.sener@telekom.de</a:t>
+            </a:r>
+            <a:endParaRPr lang="de-DE" dirty="0"/>
+          </a:p>
+          <a:p>
+            <a:pPr lvl="1"/>
+            <a:r>
+              <a:rPr lang="de-DE" dirty="0"/>
+              <a:t>Telefon (geschäftlich): +49 170 7661500</a:t>
+            </a:r>
           </a:p>
         </p:txBody>
       </p:sp>
@@ -8138,19 +9308,19 @@
           <a:p>
             <a:r>
               <a:rPr lang="de-DE" dirty="0"/>
-              <a:t>3. Spannende Aspekte</a:t>
+              <a:t>3. Spannender Aspekt</a:t>
             </a:r>
           </a:p>
           <a:p>
             <a:r>
               <a:rPr lang="de-DE" dirty="0"/>
-              <a:t>4. Reflektion</a:t>
+              <a:t>4. Reflektion über Vorangehensweise</a:t>
             </a:r>
           </a:p>
           <a:p>
             <a:r>
               <a:rPr lang="de-DE" dirty="0"/>
-              <a:t>5. Zusammenfassung</a:t>
+              <a:t>5. Fazit und Ausblick</a:t>
             </a:r>
           </a:p>
         </p:txBody>
@@ -8184,6 +9354,42 @@
           </a:p>
         </p:txBody>
       </p:sp>
+      <p:pic>
+        <p:nvPicPr>
+          <p:cNvPr id="4" name="Picture 3">
+            <a:extLst>
+              <a:ext uri="{FF2B5EF4-FFF2-40B4-BE49-F238E27FC236}">
+                <a16:creationId xmlns:a16="http://schemas.microsoft.com/office/drawing/2014/main" id="{2F7FE3CB-2A54-4FCB-8700-EC34500F0F41}"/>
+              </a:ext>
+            </a:extLst>
+          </p:cNvPr>
+          <p:cNvPicPr>
+            <a:picLocks noChangeAspect="1"/>
+          </p:cNvPicPr>
+          <p:nvPr/>
+        </p:nvPicPr>
+        <p:blipFill>
+          <a:blip r:embed="rId2">
+            <a:extLst>
+              <a:ext uri="{28A0092B-C50C-407E-A947-70E740481C1C}">
+                <a14:useLocalDpi xmlns:a14="http://schemas.microsoft.com/office/drawing/2010/main" val="0"/>
+              </a:ext>
+            </a:extLst>
+          </a:blip>
+          <a:stretch>
+            <a:fillRect/>
+          </a:stretch>
+        </p:blipFill>
+        <p:spPr>
+          <a:xfrm>
+            <a:off x="8979398" y="597889"/>
+            <a:ext cx="1980452" cy="831416"/>
+          </a:xfrm>
+          <a:prstGeom prst="rect">
+            <a:avLst/>
+          </a:prstGeom>
+        </p:spPr>
+      </p:pic>
     </p:spTree>
     <p:extLst>
       <p:ext uri="{BB962C8B-B14F-4D97-AF65-F5344CB8AC3E}">
@@ -8278,10 +9484,10 @@
       </p:sp>
       <p:pic>
         <p:nvPicPr>
-          <p:cNvPr id="6" name="Picture 5">
+          <p:cNvPr id="10" name="Picture 9">
             <a:extLst>
               <a:ext uri="{FF2B5EF4-FFF2-40B4-BE49-F238E27FC236}">
-                <a16:creationId xmlns:a16="http://schemas.microsoft.com/office/drawing/2014/main" id="{8A82FF8F-2C48-4337-A416-B276F8E55655}"/>
+                <a16:creationId xmlns:a16="http://schemas.microsoft.com/office/drawing/2014/main" id="{7B6ABE56-34FF-4060-BDC6-6B3F24555C6D}"/>
               </a:ext>
             </a:extLst>
           </p:cNvPr>
@@ -8304,8 +9510,44 @@
         </p:blipFill>
         <p:spPr>
           <a:xfrm>
-            <a:off x="2454838" y="1951409"/>
-            <a:ext cx="7282324" cy="4094284"/>
+            <a:off x="2261022" y="2006354"/>
+            <a:ext cx="7486659" cy="3994951"/>
+          </a:xfrm>
+          <a:prstGeom prst="rect">
+            <a:avLst/>
+          </a:prstGeom>
+        </p:spPr>
+      </p:pic>
+      <p:pic>
+        <p:nvPicPr>
+          <p:cNvPr id="3" name="Picture 2">
+            <a:extLst>
+              <a:ext uri="{FF2B5EF4-FFF2-40B4-BE49-F238E27FC236}">
+                <a16:creationId xmlns:a16="http://schemas.microsoft.com/office/drawing/2014/main" id="{EC5029F7-74E1-465D-B604-7E8F9865F1EF}"/>
+              </a:ext>
+            </a:extLst>
+          </p:cNvPr>
+          <p:cNvPicPr>
+            <a:picLocks noChangeAspect="1"/>
+          </p:cNvPicPr>
+          <p:nvPr/>
+        </p:nvPicPr>
+        <p:blipFill>
+          <a:blip r:embed="rId3">
+            <a:extLst>
+              <a:ext uri="{28A0092B-C50C-407E-A947-70E740481C1C}">
+                <a14:useLocalDpi xmlns:a14="http://schemas.microsoft.com/office/drawing/2010/main" val="0"/>
+              </a:ext>
+            </a:extLst>
+          </a:blip>
+          <a:stretch>
+            <a:fillRect/>
+          </a:stretch>
+        </p:blipFill>
+        <p:spPr>
+          <a:xfrm>
+            <a:off x="8979398" y="597889"/>
+            <a:ext cx="1980452" cy="831416"/>
           </a:xfrm>
           <a:prstGeom prst="rect">
             <a:avLst/>
@@ -8567,6 +9809,42 @@
           </a:p>
         </p:txBody>
       </p:sp>
+      <p:pic>
+        <p:nvPicPr>
+          <p:cNvPr id="4" name="Picture 3">
+            <a:extLst>
+              <a:ext uri="{FF2B5EF4-FFF2-40B4-BE49-F238E27FC236}">
+                <a16:creationId xmlns:a16="http://schemas.microsoft.com/office/drawing/2014/main" id="{01B91053-A1FC-4DC9-BCAF-FCAFAE87F139}"/>
+              </a:ext>
+            </a:extLst>
+          </p:cNvPr>
+          <p:cNvPicPr>
+            <a:picLocks noChangeAspect="1"/>
+          </p:cNvPicPr>
+          <p:nvPr/>
+        </p:nvPicPr>
+        <p:blipFill>
+          <a:blip r:embed="rId2">
+            <a:extLst>
+              <a:ext uri="{28A0092B-C50C-407E-A947-70E740481C1C}">
+                <a14:useLocalDpi xmlns:a14="http://schemas.microsoft.com/office/drawing/2010/main" val="0"/>
+              </a:ext>
+            </a:extLst>
+          </a:blip>
+          <a:stretch>
+            <a:fillRect/>
+          </a:stretch>
+        </p:blipFill>
+        <p:spPr>
+          <a:xfrm>
+            <a:off x="8979398" y="597889"/>
+            <a:ext cx="1980452" cy="831416"/>
+          </a:xfrm>
+          <a:prstGeom prst="rect">
+            <a:avLst/>
+          </a:prstGeom>
+        </p:spPr>
+      </p:pic>
     </p:spTree>
     <p:extLst>
       <p:ext uri="{BB962C8B-B14F-4D97-AF65-F5344CB8AC3E}">
@@ -8755,6 +10033,42 @@
           </a:fontRef>
         </p:style>
       </p:sp>
+      <p:pic>
+        <p:nvPicPr>
+          <p:cNvPr id="3" name="Picture 2">
+            <a:extLst>
+              <a:ext uri="{FF2B5EF4-FFF2-40B4-BE49-F238E27FC236}">
+                <a16:creationId xmlns:a16="http://schemas.microsoft.com/office/drawing/2014/main" id="{1AD3DF1A-BB8B-42F8-B0C1-AC878624C758}"/>
+              </a:ext>
+            </a:extLst>
+          </p:cNvPr>
+          <p:cNvPicPr>
+            <a:picLocks noChangeAspect="1"/>
+          </p:cNvPicPr>
+          <p:nvPr/>
+        </p:nvPicPr>
+        <p:blipFill>
+          <a:blip r:embed="rId7">
+            <a:extLst>
+              <a:ext uri="{28A0092B-C50C-407E-A947-70E740481C1C}">
+                <a14:useLocalDpi xmlns:a14="http://schemas.microsoft.com/office/drawing/2010/main" val="0"/>
+              </a:ext>
+            </a:extLst>
+          </a:blip>
+          <a:stretch>
+            <a:fillRect/>
+          </a:stretch>
+        </p:blipFill>
+        <p:spPr>
+          <a:xfrm>
+            <a:off x="8979398" y="597889"/>
+            <a:ext cx="1980452" cy="831416"/>
+          </a:xfrm>
+          <a:prstGeom prst="rect">
+            <a:avLst/>
+          </a:prstGeom>
+        </p:spPr>
+      </p:pic>
     </p:spTree>
     <p:extLst>
       <p:ext uri="{BB962C8B-B14F-4D97-AF65-F5344CB8AC3E}">
@@ -9064,6 +10378,42 @@
           </a:graphicData>
         </a:graphic>
       </p:graphicFrame>
+      <p:pic>
+        <p:nvPicPr>
+          <p:cNvPr id="4" name="Picture 3">
+            <a:extLst>
+              <a:ext uri="{FF2B5EF4-FFF2-40B4-BE49-F238E27FC236}">
+                <a16:creationId xmlns:a16="http://schemas.microsoft.com/office/drawing/2014/main" id="{A3F51E77-6016-4411-8031-1E0BB614023C}"/>
+              </a:ext>
+            </a:extLst>
+          </p:cNvPr>
+          <p:cNvPicPr>
+            <a:picLocks noChangeAspect="1"/>
+          </p:cNvPicPr>
+          <p:nvPr/>
+        </p:nvPicPr>
+        <p:blipFill>
+          <a:blip r:embed="rId2">
+            <a:extLst>
+              <a:ext uri="{28A0092B-C50C-407E-A947-70E740481C1C}">
+                <a14:useLocalDpi xmlns:a14="http://schemas.microsoft.com/office/drawing/2010/main" val="0"/>
+              </a:ext>
+            </a:extLst>
+          </a:blip>
+          <a:stretch>
+            <a:fillRect/>
+          </a:stretch>
+        </p:blipFill>
+        <p:spPr>
+          <a:xfrm>
+            <a:off x="8979398" y="597889"/>
+            <a:ext cx="1980452" cy="831416"/>
+          </a:xfrm>
+          <a:prstGeom prst="rect">
+            <a:avLst/>
+          </a:prstGeom>
+        </p:spPr>
+      </p:pic>
     </p:spTree>
     <p:extLst>
       <p:ext uri="{BB962C8B-B14F-4D97-AF65-F5344CB8AC3E}">
@@ -9156,42 +10506,6 @@
           </a:p>
         </p:txBody>
       </p:sp>
-      <p:pic>
-        <p:nvPicPr>
-          <p:cNvPr id="6" name="Picture 5">
-            <a:extLst>
-              <a:ext uri="{FF2B5EF4-FFF2-40B4-BE49-F238E27FC236}">
-                <a16:creationId xmlns:a16="http://schemas.microsoft.com/office/drawing/2014/main" id="{87072B78-4430-43CE-972B-5F2CE2D91182}"/>
-              </a:ext>
-            </a:extLst>
-          </p:cNvPr>
-          <p:cNvPicPr>
-            <a:picLocks noChangeAspect="1"/>
-          </p:cNvPicPr>
-          <p:nvPr/>
-        </p:nvPicPr>
-        <p:blipFill>
-          <a:blip r:embed="rId3">
-            <a:extLst>
-              <a:ext uri="{28A0092B-C50C-407E-A947-70E740481C1C}">
-                <a14:useLocalDpi xmlns:a14="http://schemas.microsoft.com/office/drawing/2010/main" val="0"/>
-              </a:ext>
-            </a:extLst>
-          </a:blip>
-          <a:stretch>
-            <a:fillRect/>
-          </a:stretch>
-        </p:blipFill>
-        <p:spPr>
-          <a:xfrm>
-            <a:off x="1451579" y="1939166"/>
-            <a:ext cx="2847773" cy="4028260"/>
-          </a:xfrm>
-          <a:prstGeom prst="rect">
-            <a:avLst/>
-          </a:prstGeom>
-        </p:spPr>
-      </p:pic>
       <p:sp>
         <p:nvSpPr>
           <p:cNvPr id="7" name="Content Placeholder 2">
@@ -9210,8 +10524,8 @@
         </p:nvSpPr>
         <p:spPr>
           <a:xfrm>
-            <a:off x="4299353" y="2445193"/>
-            <a:ext cx="6870913" cy="2188951"/>
+            <a:off x="1451579" y="2355094"/>
+            <a:ext cx="9603275" cy="2188951"/>
           </a:xfrm>
         </p:spPr>
         <p:txBody>
@@ -9241,7 +10555,7 @@
           <a:p>
             <a:r>
               <a:rPr lang="de-DE" dirty="0"/>
-              <a:t>WebAuthn nicht allzu verbreitet obwohl weit unterstützt</a:t>
+              <a:t>WebAuthn auf Internetseiten nicht allzu verbreitet obwohl technisch unterstützt</a:t>
             </a:r>
           </a:p>
         </p:txBody>
@@ -9262,7 +10576,7 @@
         </p:nvSpPr>
         <p:spPr>
           <a:xfrm>
-            <a:off x="4414764" y="2084179"/>
+            <a:off x="1451579" y="1923917"/>
             <a:ext cx="6755502" cy="361014"/>
           </a:xfrm>
           <a:prstGeom prst="rect">
@@ -9301,6 +10615,242 @@
           </a:p>
         </p:txBody>
       </p:sp>
+      <p:pic>
+        <p:nvPicPr>
+          <p:cNvPr id="3" name="Picture 2">
+            <a:extLst>
+              <a:ext uri="{FF2B5EF4-FFF2-40B4-BE49-F238E27FC236}">
+                <a16:creationId xmlns:a16="http://schemas.microsoft.com/office/drawing/2014/main" id="{EE4DCE5E-6C40-43A4-B3D0-8B029AAAE78C}"/>
+              </a:ext>
+            </a:extLst>
+          </p:cNvPr>
+          <p:cNvPicPr>
+            <a:picLocks noChangeAspect="1"/>
+          </p:cNvPicPr>
+          <p:nvPr/>
+        </p:nvPicPr>
+        <p:blipFill>
+          <a:blip r:embed="rId3">
+            <a:extLst>
+              <a:ext uri="{28A0092B-C50C-407E-A947-70E740481C1C}">
+                <a14:useLocalDpi xmlns:a14="http://schemas.microsoft.com/office/drawing/2010/main" val="0"/>
+              </a:ext>
+            </a:extLst>
+          </a:blip>
+          <a:stretch>
+            <a:fillRect/>
+          </a:stretch>
+        </p:blipFill>
+        <p:spPr>
+          <a:xfrm>
+            <a:off x="8979398" y="597889"/>
+            <a:ext cx="1980452" cy="831416"/>
+          </a:xfrm>
+          <a:prstGeom prst="rect">
+            <a:avLst/>
+          </a:prstGeom>
+        </p:spPr>
+      </p:pic>
+      <p:pic>
+        <p:nvPicPr>
+          <p:cNvPr id="15" name="Picture 14">
+            <a:extLst>
+              <a:ext uri="{FF2B5EF4-FFF2-40B4-BE49-F238E27FC236}">
+                <a16:creationId xmlns:a16="http://schemas.microsoft.com/office/drawing/2014/main" id="{C86D8C35-7636-48E5-9A8D-E46CE9262781}"/>
+              </a:ext>
+            </a:extLst>
+          </p:cNvPr>
+          <p:cNvPicPr>
+            <a:picLocks noChangeAspect="1"/>
+          </p:cNvPicPr>
+          <p:nvPr/>
+        </p:nvPicPr>
+        <p:blipFill>
+          <a:blip r:embed="rId4">
+            <a:extLst>
+              <a:ext uri="{28A0092B-C50C-407E-A947-70E740481C1C}">
+                <a14:useLocalDpi xmlns:a14="http://schemas.microsoft.com/office/drawing/2010/main" val="0"/>
+              </a:ext>
+            </a:extLst>
+          </a:blip>
+          <a:stretch>
+            <a:fillRect/>
+          </a:stretch>
+        </p:blipFill>
+        <p:spPr>
+          <a:xfrm>
+            <a:off x="1815875" y="4614208"/>
+            <a:ext cx="1167023" cy="1305527"/>
+          </a:xfrm>
+          <a:prstGeom prst="rect">
+            <a:avLst/>
+          </a:prstGeom>
+        </p:spPr>
+      </p:pic>
+      <p:pic>
+        <p:nvPicPr>
+          <p:cNvPr id="17" name="Picture 16">
+            <a:extLst>
+              <a:ext uri="{FF2B5EF4-FFF2-40B4-BE49-F238E27FC236}">
+                <a16:creationId xmlns:a16="http://schemas.microsoft.com/office/drawing/2014/main" id="{86F4A74E-A66A-4C62-9F8F-FB62B46B0BD2}"/>
+              </a:ext>
+            </a:extLst>
+          </p:cNvPr>
+          <p:cNvPicPr>
+            <a:picLocks noChangeAspect="1"/>
+          </p:cNvPicPr>
+          <p:nvPr/>
+        </p:nvPicPr>
+        <p:blipFill>
+          <a:blip r:embed="rId5">
+            <a:extLst>
+              <a:ext uri="{28A0092B-C50C-407E-A947-70E740481C1C}">
+                <a14:useLocalDpi xmlns:a14="http://schemas.microsoft.com/office/drawing/2010/main" val="0"/>
+              </a:ext>
+            </a:extLst>
+          </a:blip>
+          <a:stretch>
+            <a:fillRect/>
+          </a:stretch>
+        </p:blipFill>
+        <p:spPr>
+          <a:xfrm>
+            <a:off x="3524322" y="4594799"/>
+            <a:ext cx="3702101" cy="1290573"/>
+          </a:xfrm>
+          <a:prstGeom prst="rect">
+            <a:avLst/>
+          </a:prstGeom>
+        </p:spPr>
+      </p:pic>
+      <p:pic>
+        <p:nvPicPr>
+          <p:cNvPr id="19" name="Picture 18">
+            <a:extLst>
+              <a:ext uri="{FF2B5EF4-FFF2-40B4-BE49-F238E27FC236}">
+                <a16:creationId xmlns:a16="http://schemas.microsoft.com/office/drawing/2014/main" id="{BBE735FB-BBE6-41DD-925F-AAEB2DC0BE4D}"/>
+              </a:ext>
+            </a:extLst>
+          </p:cNvPr>
+          <p:cNvPicPr>
+            <a:picLocks noChangeAspect="1"/>
+          </p:cNvPicPr>
+          <p:nvPr/>
+        </p:nvPicPr>
+        <p:blipFill>
+          <a:blip r:embed="rId6">
+            <a:extLst>
+              <a:ext uri="{28A0092B-C50C-407E-A947-70E740481C1C}">
+                <a14:useLocalDpi xmlns:a14="http://schemas.microsoft.com/office/drawing/2010/main" val="0"/>
+              </a:ext>
+            </a:extLst>
+          </a:blip>
+          <a:stretch>
+            <a:fillRect/>
+          </a:stretch>
+        </p:blipFill>
+        <p:spPr>
+          <a:xfrm>
+            <a:off x="7767848" y="4618373"/>
+            <a:ext cx="1775647" cy="1282242"/>
+          </a:xfrm>
+          <a:prstGeom prst="rect">
+            <a:avLst/>
+          </a:prstGeom>
+        </p:spPr>
+      </p:pic>
+    </p:spTree>
+    <p:extLst>
+      <p:ext uri="{BB962C8B-B14F-4D97-AF65-F5344CB8AC3E}">
+        <p14:creationId xmlns:p14="http://schemas.microsoft.com/office/powerpoint/2010/main" val="2980752683"/>
+      </p:ext>
+    </p:extLst>
+  </p:cSld>
+  <p:clrMapOvr>
+    <a:masterClrMapping/>
+  </p:clrMapOvr>
+</p:sld>
+</file>
+
+<file path=ppt/slides/slide8.xml><?xml version="1.0" encoding="utf-8"?>
+<p:sld xmlns:a="http://schemas.openxmlformats.org/drawingml/2006/main" xmlns:r="http://schemas.openxmlformats.org/officeDocument/2006/relationships" xmlns:p="http://schemas.openxmlformats.org/presentationml/2006/main">
+  <p:cSld>
+    <p:spTree>
+      <p:nvGrpSpPr>
+        <p:cNvPr id="1" name=""/>
+        <p:cNvGrpSpPr/>
+        <p:nvPr/>
+      </p:nvGrpSpPr>
+      <p:grpSpPr>
+        <a:xfrm>
+          <a:off x="0" y="0"/>
+          <a:ext cx="0" cy="0"/>
+          <a:chOff x="0" y="0"/>
+          <a:chExt cx="0" cy="0"/>
+        </a:xfrm>
+      </p:grpSpPr>
+      <p:sp>
+        <p:nvSpPr>
+          <p:cNvPr id="2" name="Title 1">
+            <a:extLst>
+              <a:ext uri="{FF2B5EF4-FFF2-40B4-BE49-F238E27FC236}">
+                <a16:creationId xmlns:a16="http://schemas.microsoft.com/office/drawing/2014/main" id="{3D74CB8F-38D6-48AC-8B02-1C9DAF699319}"/>
+              </a:ext>
+            </a:extLst>
+          </p:cNvPr>
+          <p:cNvSpPr>
+            <a:spLocks noGrp="1"/>
+          </p:cNvSpPr>
+          <p:nvPr>
+            <p:ph type="title"/>
+          </p:nvPr>
+        </p:nvSpPr>
+        <p:spPr>
+          <a:xfrm>
+            <a:off x="1451579" y="1302551"/>
+            <a:ext cx="9603275" cy="551203"/>
+          </a:xfrm>
+        </p:spPr>
+        <p:txBody>
+          <a:bodyPr/>
+          <a:lstStyle/>
+          <a:p>
+            <a:r>
+              <a:rPr lang="de-DE" dirty="0"/>
+              <a:t>2. Erkentnisse</a:t>
+            </a:r>
+          </a:p>
+        </p:txBody>
+      </p:sp>
+      <p:sp>
+        <p:nvSpPr>
+          <p:cNvPr id="4" name="Slide Number Placeholder 3">
+            <a:extLst>
+              <a:ext uri="{FF2B5EF4-FFF2-40B4-BE49-F238E27FC236}">
+                <a16:creationId xmlns:a16="http://schemas.microsoft.com/office/drawing/2014/main" id="{DB39EEAA-937B-479A-AC10-4B00B9D37C53}"/>
+              </a:ext>
+            </a:extLst>
+          </p:cNvPr>
+          <p:cNvSpPr>
+            <a:spLocks noGrp="1"/>
+          </p:cNvSpPr>
+          <p:nvPr>
+            <p:ph type="sldNum" sz="quarter" idx="12"/>
+          </p:nvPr>
+        </p:nvSpPr>
+        <p:spPr/>
+        <p:txBody>
+          <a:bodyPr/>
+          <a:lstStyle/>
+          <a:p>
+            <a:fld id="{2506CCB9-12E8-4B80-952C-584D19B36CCD}" type="slidenum">
+              <a:rPr lang="de-DE" smtClean="0"/>
+              <a:t>8</a:t>
+            </a:fld>
+            <a:endParaRPr lang="de-DE"/>
+          </a:p>
+        </p:txBody>
+      </p:sp>
       <p:sp>
         <p:nvSpPr>
           <p:cNvPr id="10" name="Title 1">
@@ -9317,7 +10867,7 @@
         </p:nvSpPr>
         <p:spPr>
           <a:xfrm>
-            <a:off x="4414764" y="4854524"/>
+            <a:off x="1383039" y="1934224"/>
             <a:ext cx="6755502" cy="361014"/>
           </a:xfrm>
           <a:prstGeom prst="rect">
@@ -9372,8 +10922,8 @@
         </p:nvSpPr>
         <p:spPr>
           <a:xfrm>
-            <a:off x="4357058" y="5225583"/>
-            <a:ext cx="6870914" cy="862354"/>
+            <a:off x="1291079" y="2375707"/>
+            <a:ext cx="9603275" cy="3683319"/>
           </a:xfrm>
           <a:prstGeom prst="rect">
             <a:avLst/>
@@ -9595,8 +11145,11 @@
           <a:p>
             <a:r>
               <a:rPr lang="de-DE" dirty="0"/>
-              <a:t>WebAuthn unerwartet kompliziert und Implementierung ein eher steiniger Weg </a:t>
+              <a:t>WebAuthn unerwartet kompliziert in der Implemenentation</a:t>
             </a:r>
+          </a:p>
+          <a:p>
+            <a:pPr lvl="1"/>
             <a:r>
               <a:rPr lang="de-DE" dirty="0">
                 <a:sym typeface="Wingdings" panose="05000000000000000000" pitchFamily="2" charset="2"/>
@@ -9608,175 +11161,93 @@
               <a:t> Abhilfe durch Bibliotheken</a:t>
             </a:r>
           </a:p>
+          <a:p>
+            <a:r>
+              <a:rPr lang="de-DE" dirty="0"/>
+              <a:t>Implemtentierung von eines Logins hat sehr viel mehr mit menschlicher Psychologie und Bequemlichkeiten zutun als gedacht.</a:t>
+            </a:r>
+          </a:p>
+          <a:p>
+            <a:pPr lvl="1"/>
+            <a:r>
+              <a:rPr lang="de-DE" dirty="0">
+                <a:sym typeface="Wingdings" panose="05000000000000000000" pitchFamily="2" charset="2"/>
+              </a:rPr>
+              <a:t> Nur sicher zu sein, genügt nicht</a:t>
+            </a:r>
+            <a:endParaRPr lang="de-DE" dirty="0"/>
+          </a:p>
+          <a:p>
+            <a:r>
+              <a:rPr lang="de-DE" dirty="0"/>
+              <a:t>Verschiedene Arten der Authentifikation, die nicht behandelt wurden</a:t>
+            </a:r>
+          </a:p>
+          <a:p>
+            <a:pPr lvl="1"/>
+            <a:r>
+              <a:rPr lang="de-DE" dirty="0">
+                <a:sym typeface="Wingdings" panose="05000000000000000000" pitchFamily="2" charset="2"/>
+              </a:rPr>
+              <a:t> per Mikrofon</a:t>
+            </a:r>
+          </a:p>
+          <a:p>
+            <a:pPr lvl="1"/>
+            <a:r>
+              <a:rPr lang="de-DE" dirty="0">
+                <a:sym typeface="Wingdings" panose="05000000000000000000" pitchFamily="2" charset="2"/>
+              </a:rPr>
+              <a:t> über die Augen (Iris-Scan) und eine Kamera</a:t>
+            </a:r>
+            <a:endParaRPr lang="de-DE" dirty="0"/>
+          </a:p>
+          <a:p>
+            <a:pPr lvl="1"/>
+            <a:endParaRPr lang="de-DE" dirty="0"/>
+          </a:p>
         </p:txBody>
       </p:sp>
-      <p:sp>
-        <p:nvSpPr>
-          <p:cNvPr id="12" name="Minus Sign 11">
+      <p:pic>
+        <p:nvPicPr>
+          <p:cNvPr id="3" name="Picture 2">
             <a:extLst>
               <a:ext uri="{FF2B5EF4-FFF2-40B4-BE49-F238E27FC236}">
-                <a16:creationId xmlns:a16="http://schemas.microsoft.com/office/drawing/2014/main" id="{94B7C4BC-A5A6-4EFF-AB7F-83A5BD774552}"/>
+                <a16:creationId xmlns:a16="http://schemas.microsoft.com/office/drawing/2014/main" id="{EE4DCE5E-6C40-43A4-B3D0-8B029AAAE78C}"/>
               </a:ext>
             </a:extLst>
           </p:cNvPr>
-          <p:cNvSpPr/>
+          <p:cNvPicPr>
+            <a:picLocks noChangeAspect="1"/>
+          </p:cNvPicPr>
           <p:nvPr/>
-        </p:nvSpPr>
+        </p:nvPicPr>
+        <p:blipFill>
+          <a:blip r:embed="rId3">
+            <a:extLst>
+              <a:ext uri="{28A0092B-C50C-407E-A947-70E740481C1C}">
+                <a14:useLocalDpi xmlns:a14="http://schemas.microsoft.com/office/drawing/2010/main" val="0"/>
+              </a:ext>
+            </a:extLst>
+          </a:blip>
+          <a:stretch>
+            <a:fillRect/>
+          </a:stretch>
+        </p:blipFill>
         <p:spPr>
           <a:xfrm>
-            <a:off x="3346082" y="4624099"/>
-            <a:ext cx="8777453" cy="148566"/>
+            <a:off x="8979398" y="597889"/>
+            <a:ext cx="1980452" cy="831416"/>
           </a:xfrm>
-          <a:prstGeom prst="mathMinus">
+          <a:prstGeom prst="rect">
             <a:avLst/>
           </a:prstGeom>
         </p:spPr>
-        <p:style>
-          <a:lnRef idx="2">
-            <a:schemeClr val="accent1">
-              <a:shade val="50000"/>
-            </a:schemeClr>
-          </a:lnRef>
-          <a:fillRef idx="1">
-            <a:schemeClr val="accent1"/>
-          </a:fillRef>
-          <a:effectRef idx="0">
-            <a:schemeClr val="accent1"/>
-          </a:effectRef>
-          <a:fontRef idx="minor">
-            <a:schemeClr val="lt1"/>
-          </a:fontRef>
-        </p:style>
-        <p:txBody>
-          <a:bodyPr rtlCol="0" anchor="ctr"/>
-          <a:lstStyle/>
-          <a:p>
-            <a:pPr algn="ctr"/>
-            <a:endParaRPr lang="de-DE"/>
-          </a:p>
-        </p:txBody>
-      </p:sp>
+      </p:pic>
     </p:spTree>
     <p:extLst>
       <p:ext uri="{BB962C8B-B14F-4D97-AF65-F5344CB8AC3E}">
-        <p14:creationId xmlns:p14="http://schemas.microsoft.com/office/powerpoint/2010/main" val="2980752683"/>
-      </p:ext>
-    </p:extLst>
-  </p:cSld>
-  <p:clrMapOvr>
-    <a:masterClrMapping/>
-  </p:clrMapOvr>
-</p:sld>
-</file>
-
-<file path=ppt/slides/slide8.xml><?xml version="1.0" encoding="utf-8"?>
-<p:sld xmlns:a="http://schemas.openxmlformats.org/drawingml/2006/main" xmlns:r="http://schemas.openxmlformats.org/officeDocument/2006/relationships" xmlns:p="http://schemas.openxmlformats.org/presentationml/2006/main">
-  <p:cSld>
-    <p:spTree>
-      <p:nvGrpSpPr>
-        <p:cNvPr id="1" name=""/>
-        <p:cNvGrpSpPr/>
-        <p:nvPr/>
-      </p:nvGrpSpPr>
-      <p:grpSpPr>
-        <a:xfrm>
-          <a:off x="0" y="0"/>
-          <a:ext cx="0" cy="0"/>
-          <a:chOff x="0" y="0"/>
-          <a:chExt cx="0" cy="0"/>
-        </a:xfrm>
-      </p:grpSpPr>
-      <p:sp>
-        <p:nvSpPr>
-          <p:cNvPr id="2" name="Title 1">
-            <a:extLst>
-              <a:ext uri="{FF2B5EF4-FFF2-40B4-BE49-F238E27FC236}">
-                <a16:creationId xmlns:a16="http://schemas.microsoft.com/office/drawing/2014/main" id="{BFD4A6AD-BE9E-4441-9BD8-973DB0400DC8}"/>
-              </a:ext>
-            </a:extLst>
-          </p:cNvPr>
-          <p:cNvSpPr>
-            <a:spLocks noGrp="1"/>
-          </p:cNvSpPr>
-          <p:nvPr>
-            <p:ph type="title"/>
-          </p:nvPr>
-        </p:nvSpPr>
-        <p:spPr>
-          <a:xfrm>
-            <a:off x="1451579" y="1302551"/>
-            <a:ext cx="9603275" cy="551203"/>
-          </a:xfrm>
-        </p:spPr>
-        <p:txBody>
-          <a:bodyPr/>
-          <a:lstStyle/>
-          <a:p>
-            <a:r>
-              <a:rPr lang="de-DE" dirty="0"/>
-              <a:t>3. SPANNENDE ASPEKTE</a:t>
-            </a:r>
-          </a:p>
-        </p:txBody>
-      </p:sp>
-      <p:sp>
-        <p:nvSpPr>
-          <p:cNvPr id="3" name="Content Placeholder 2">
-            <a:extLst>
-              <a:ext uri="{FF2B5EF4-FFF2-40B4-BE49-F238E27FC236}">
-                <a16:creationId xmlns:a16="http://schemas.microsoft.com/office/drawing/2014/main" id="{2AFC031A-7697-450A-8416-737DE809F81B}"/>
-              </a:ext>
-            </a:extLst>
-          </p:cNvPr>
-          <p:cNvSpPr>
-            <a:spLocks noGrp="1"/>
-          </p:cNvSpPr>
-          <p:nvPr>
-            <p:ph idx="1"/>
-          </p:nvPr>
-        </p:nvSpPr>
-        <p:spPr/>
-        <p:txBody>
-          <a:bodyPr/>
-          <a:lstStyle/>
-          <a:p>
-            <a:endParaRPr lang="de-DE" dirty="0"/>
-          </a:p>
-        </p:txBody>
-      </p:sp>
-      <p:sp>
-        <p:nvSpPr>
-          <p:cNvPr id="4" name="Slide Number Placeholder 3">
-            <a:extLst>
-              <a:ext uri="{FF2B5EF4-FFF2-40B4-BE49-F238E27FC236}">
-                <a16:creationId xmlns:a16="http://schemas.microsoft.com/office/drawing/2014/main" id="{99175887-9508-472E-8D20-02C574E7633C}"/>
-              </a:ext>
-            </a:extLst>
-          </p:cNvPr>
-          <p:cNvSpPr>
-            <a:spLocks noGrp="1"/>
-          </p:cNvSpPr>
-          <p:nvPr>
-            <p:ph type="sldNum" sz="quarter" idx="12"/>
-          </p:nvPr>
-        </p:nvSpPr>
-        <p:spPr/>
-        <p:txBody>
-          <a:bodyPr/>
-          <a:lstStyle/>
-          <a:p>
-            <a:fld id="{2506CCB9-12E8-4B80-952C-584D19B36CCD}" type="slidenum">
-              <a:rPr lang="de-DE" smtClean="0"/>
-              <a:t>8</a:t>
-            </a:fld>
-            <a:endParaRPr lang="de-DE"/>
-          </a:p>
-        </p:txBody>
-      </p:sp>
-    </p:spTree>
-    <p:extLst>
-      <p:ext uri="{BB962C8B-B14F-4D97-AF65-F5344CB8AC3E}">
-        <p14:creationId xmlns:p14="http://schemas.microsoft.com/office/powerpoint/2010/main" val="1884964997"/>
+        <p14:creationId xmlns:p14="http://schemas.microsoft.com/office/powerpoint/2010/main" val="1038575812"/>
       </p:ext>
     </p:extLst>
   </p:cSld>
@@ -9831,33 +11302,8 @@
           <a:p>
             <a:r>
               <a:rPr lang="de-DE" dirty="0"/>
-              <a:t>4. REFLEKTION &amp; ANALYSE</a:t>
+              <a:t>3. SPANNENDER ASPEKT</a:t>
             </a:r>
-          </a:p>
-        </p:txBody>
-      </p:sp>
-      <p:sp>
-        <p:nvSpPr>
-          <p:cNvPr id="3" name="Content Placeholder 2">
-            <a:extLst>
-              <a:ext uri="{FF2B5EF4-FFF2-40B4-BE49-F238E27FC236}">
-                <a16:creationId xmlns:a16="http://schemas.microsoft.com/office/drawing/2014/main" id="{2AFC031A-7697-450A-8416-737DE809F81B}"/>
-              </a:ext>
-            </a:extLst>
-          </p:cNvPr>
-          <p:cNvSpPr>
-            <a:spLocks noGrp="1"/>
-          </p:cNvSpPr>
-          <p:nvPr>
-            <p:ph idx="1"/>
-          </p:nvPr>
-        </p:nvSpPr>
-        <p:spPr/>
-        <p:txBody>
-          <a:bodyPr/>
-          <a:lstStyle/>
-          <a:p>
-            <a:endParaRPr lang="de-DE" dirty="0"/>
           </a:p>
         </p:txBody>
       </p:sp>
@@ -9890,10 +11336,46 @@
           </a:p>
         </p:txBody>
       </p:sp>
+      <p:pic>
+        <p:nvPicPr>
+          <p:cNvPr id="6" name="Picture 5">
+            <a:extLst>
+              <a:ext uri="{FF2B5EF4-FFF2-40B4-BE49-F238E27FC236}">
+                <a16:creationId xmlns:a16="http://schemas.microsoft.com/office/drawing/2014/main" id="{A83A1EEF-6C0F-40F2-84D8-053CBF4010F5}"/>
+              </a:ext>
+            </a:extLst>
+          </p:cNvPr>
+          <p:cNvPicPr>
+            <a:picLocks noChangeAspect="1"/>
+          </p:cNvPicPr>
+          <p:nvPr/>
+        </p:nvPicPr>
+        <p:blipFill>
+          <a:blip r:embed="rId2">
+            <a:extLst>
+              <a:ext uri="{28A0092B-C50C-407E-A947-70E740481C1C}">
+                <a14:useLocalDpi xmlns:a14="http://schemas.microsoft.com/office/drawing/2010/main" val="0"/>
+              </a:ext>
+            </a:extLst>
+          </a:blip>
+          <a:stretch>
+            <a:fillRect/>
+          </a:stretch>
+        </p:blipFill>
+        <p:spPr>
+          <a:xfrm>
+            <a:off x="8979398" y="597889"/>
+            <a:ext cx="1980452" cy="831416"/>
+          </a:xfrm>
+          <a:prstGeom prst="rect">
+            <a:avLst/>
+          </a:prstGeom>
+        </p:spPr>
+      </p:pic>
     </p:spTree>
     <p:extLst>
       <p:ext uri="{BB962C8B-B14F-4D97-AF65-F5344CB8AC3E}">
-        <p14:creationId xmlns:p14="http://schemas.microsoft.com/office/powerpoint/2010/main" val="2020745994"/>
+        <p14:creationId xmlns:p14="http://schemas.microsoft.com/office/powerpoint/2010/main" val="1884964997"/>
       </p:ext>
     </p:extLst>
   </p:cSld>

--- a/Colloquium/Kolloquium.pptx
+++ b/Colloquium/Kolloquium.pptx
@@ -5,10 +5,10 @@
     <p:sldMasterId id="2147483672" r:id="rId1"/>
   </p:sldMasterIdLst>
   <p:notesMasterIdLst>
-    <p:notesMasterId r:id="rId14"/>
+    <p:notesMasterId r:id="rId15"/>
   </p:notesMasterIdLst>
   <p:handoutMasterIdLst>
-    <p:handoutMasterId r:id="rId15"/>
+    <p:handoutMasterId r:id="rId16"/>
   </p:handoutMasterIdLst>
   <p:sldIdLst>
     <p:sldId id="256" r:id="rId2"/>
@@ -20,9 +20,10 @@
     <p:sldId id="263" r:id="rId8"/>
     <p:sldId id="266" r:id="rId9"/>
     <p:sldId id="264" r:id="rId10"/>
-    <p:sldId id="265" r:id="rId11"/>
-    <p:sldId id="267" r:id="rId12"/>
-    <p:sldId id="259" r:id="rId13"/>
+    <p:sldId id="268" r:id="rId11"/>
+    <p:sldId id="265" r:id="rId12"/>
+    <p:sldId id="267" r:id="rId13"/>
+    <p:sldId id="259" r:id="rId14"/>
   </p:sldIdLst>
   <p:sldSz cx="12192000" cy="6858000"/>
   <p:notesSz cx="6858000" cy="9144000"/>
@@ -3478,7 +3479,7 @@
           <a:p>
             <a:fld id="{3ABDE448-252D-414B-8D88-7F653C15F9DE}" type="datetimeFigureOut">
               <a:rPr lang="de-DE" smtClean="0"/>
-              <a:t>09.11.2020</a:t>
+              <a:t>11.11.2020</a:t>
             </a:fld>
             <a:endParaRPr lang="de-DE"/>
           </a:p>
@@ -3656,7 +3657,7 @@
           <a:p>
             <a:fld id="{B172FAAD-3BAB-4526-AAC7-4F3AE7719F84}" type="datetimeFigureOut">
               <a:rPr lang="de-DE" smtClean="0"/>
-              <a:t>09.11.2020</a:t>
+              <a:t>11.11.2020</a:t>
             </a:fld>
             <a:endParaRPr lang="de-DE"/>
           </a:p>
@@ -4232,7 +4233,7 @@
           <a:p>
             <a:fld id="{6610431E-669A-4FB5-A4F8-594D109AAFCA}" type="datetime1">
               <a:rPr lang="de-DE" smtClean="0"/>
-              <a:t>09.11.2020</a:t>
+              <a:t>11.11.2020</a:t>
             </a:fld>
             <a:endParaRPr lang="de-DE"/>
           </a:p>
@@ -4443,7 +4444,7 @@
           <a:p>
             <a:fld id="{D05B1630-20CA-4528-AFA8-C8C5F46EE5A1}" type="datetime1">
               <a:rPr lang="de-DE" smtClean="0"/>
-              <a:t>09.11.2020</a:t>
+              <a:t>11.11.2020</a:t>
             </a:fld>
             <a:endParaRPr lang="de-DE"/>
           </a:p>
@@ -4658,7 +4659,7 @@
           <a:p>
             <a:fld id="{349C1630-8E69-484C-B961-5D9F3E160A79}" type="datetime1">
               <a:rPr lang="de-DE" smtClean="0"/>
-              <a:t>09.11.2020</a:t>
+              <a:t>11.11.2020</a:t>
             </a:fld>
             <a:endParaRPr lang="de-DE"/>
           </a:p>
@@ -4859,7 +4860,7 @@
           <a:p>
             <a:fld id="{48BCFF82-C342-422C-A4DD-34307C62C2D9}" type="datetime1">
               <a:rPr lang="de-DE" smtClean="0"/>
-              <a:t>09.11.2020</a:t>
+              <a:t>11.11.2020</a:t>
             </a:fld>
             <a:endParaRPr lang="de-DE"/>
           </a:p>
@@ -5138,7 +5139,7 @@
           <a:p>
             <a:fld id="{35B12B37-394A-4C15-9988-7CBD966C93CE}" type="datetime1">
               <a:rPr lang="de-DE" smtClean="0"/>
-              <a:t>09.11.2020</a:t>
+              <a:t>11.11.2020</a:t>
             </a:fld>
             <a:endParaRPr lang="de-DE"/>
           </a:p>
@@ -5406,7 +5407,7 @@
           <a:p>
             <a:fld id="{905984C5-5228-47ED-99B7-57BEE3E90413}" type="datetime1">
               <a:rPr lang="de-DE" smtClean="0"/>
-              <a:t>09.11.2020</a:t>
+              <a:t>11.11.2020</a:t>
             </a:fld>
             <a:endParaRPr lang="de-DE"/>
           </a:p>
@@ -5822,7 +5823,7 @@
           <a:p>
             <a:fld id="{3C4DCE6D-7271-4A36-8A46-B14F6CED6D93}" type="datetime1">
               <a:rPr lang="de-DE" smtClean="0"/>
-              <a:t>09.11.2020</a:t>
+              <a:t>11.11.2020</a:t>
             </a:fld>
             <a:endParaRPr lang="de-DE"/>
           </a:p>
@@ -5971,7 +5972,7 @@
           <a:p>
             <a:fld id="{1C93DD34-728C-4FEF-89E4-F3B352B28E56}" type="datetime1">
               <a:rPr lang="de-DE" smtClean="0"/>
-              <a:t>09.11.2020</a:t>
+              <a:t>11.11.2020</a:t>
             </a:fld>
             <a:endParaRPr lang="de-DE"/>
           </a:p>
@@ -6097,7 +6098,7 @@
           <a:p>
             <a:fld id="{2E962AFC-78BF-4C27-968D-9F86BE7DBD9B}" type="datetime1">
               <a:rPr lang="de-DE" smtClean="0"/>
-              <a:t>09.11.2020</a:t>
+              <a:t>11.11.2020</a:t>
             </a:fld>
             <a:endParaRPr lang="de-DE"/>
           </a:p>
@@ -6348,7 +6349,7 @@
           <a:p>
             <a:fld id="{E929D11D-2036-48B3-94D5-66B66A32B3CD}" type="datetime1">
               <a:rPr lang="de-DE" smtClean="0"/>
-              <a:t>09.11.2020</a:t>
+              <a:t>11.11.2020</a:t>
             </a:fld>
             <a:endParaRPr lang="de-DE"/>
           </a:p>
@@ -6793,7 +6794,7 @@
           <a:p>
             <a:fld id="{FA4BADA1-3247-4F1A-AF5E-63939A6BAECB}" type="datetime1">
               <a:rPr lang="de-DE" smtClean="0"/>
-              <a:t>09.11.2020</a:t>
+              <a:t>11.11.2020</a:t>
             </a:fld>
             <a:endParaRPr lang="de-DE"/>
           </a:p>
@@ -7120,7 +7121,7 @@
           <a:p>
             <a:fld id="{0E379357-6AA6-4A96-A310-63C374D26E5A}" type="datetime1">
               <a:rPr lang="de-DE" smtClean="0"/>
-              <a:t>09.11.2020</a:t>
+              <a:t>11.11.2020</a:t>
             </a:fld>
             <a:endParaRPr lang="de-DE"/>
           </a:p>
@@ -8262,7 +8263,7 @@
           <a:p>
             <a:r>
               <a:rPr lang="de-DE" dirty="0"/>
-              <a:t>4. Reflektion über Vorangehensweise</a:t>
+              <a:t>3. SPANNENDER ASPEKT</a:t>
             </a:r>
           </a:p>
         </p:txBody>
@@ -8291,6 +8292,470 @@
             <a:fld id="{2506CCB9-12E8-4B80-952C-584D19B36CCD}" type="slidenum">
               <a:rPr lang="de-DE" smtClean="0"/>
               <a:t>10</a:t>
+            </a:fld>
+            <a:endParaRPr lang="de-DE"/>
+          </a:p>
+        </p:txBody>
+      </p:sp>
+      <p:pic>
+        <p:nvPicPr>
+          <p:cNvPr id="6" name="Picture 5">
+            <a:extLst>
+              <a:ext uri="{FF2B5EF4-FFF2-40B4-BE49-F238E27FC236}">
+                <a16:creationId xmlns:a16="http://schemas.microsoft.com/office/drawing/2014/main" id="{A83A1EEF-6C0F-40F2-84D8-053CBF4010F5}"/>
+              </a:ext>
+            </a:extLst>
+          </p:cNvPr>
+          <p:cNvPicPr>
+            <a:picLocks noChangeAspect="1"/>
+          </p:cNvPicPr>
+          <p:nvPr/>
+        </p:nvPicPr>
+        <p:blipFill>
+          <a:blip r:embed="rId2">
+            <a:extLst>
+              <a:ext uri="{28A0092B-C50C-407E-A947-70E740481C1C}">
+                <a14:useLocalDpi xmlns:a14="http://schemas.microsoft.com/office/drawing/2010/main" val="0"/>
+              </a:ext>
+            </a:extLst>
+          </a:blip>
+          <a:stretch>
+            <a:fillRect/>
+          </a:stretch>
+        </p:blipFill>
+        <p:spPr>
+          <a:xfrm>
+            <a:off x="8979398" y="597889"/>
+            <a:ext cx="1980452" cy="831416"/>
+          </a:xfrm>
+          <a:prstGeom prst="rect">
+            <a:avLst/>
+          </a:prstGeom>
+        </p:spPr>
+      </p:pic>
+      <p:sp>
+        <p:nvSpPr>
+          <p:cNvPr id="3" name="Content Placeholder 2">
+            <a:extLst>
+              <a:ext uri="{FF2B5EF4-FFF2-40B4-BE49-F238E27FC236}">
+                <a16:creationId xmlns:a16="http://schemas.microsoft.com/office/drawing/2014/main" id="{72840422-4306-418B-BC2C-C6DD4DD7B10C}"/>
+              </a:ext>
+            </a:extLst>
+          </p:cNvPr>
+          <p:cNvSpPr txBox="1">
+            <a:spLocks/>
+          </p:cNvSpPr>
+          <p:nvPr/>
+        </p:nvSpPr>
+        <p:spPr>
+          <a:xfrm>
+            <a:off x="1217045" y="2010410"/>
+            <a:ext cx="9603275" cy="3799589"/>
+          </a:xfrm>
+          <a:prstGeom prst="rect">
+            <a:avLst/>
+          </a:prstGeom>
+        </p:spPr>
+        <p:txBody>
+          <a:bodyPr vert="horz" lIns="91440" tIns="45720" rIns="91440" bIns="45720" rtlCol="0" anchor="t">
+            <a:noAutofit/>
+          </a:bodyPr>
+          <a:lstStyle>
+            <a:lvl1pPr marL="228600" indent="-228600" algn="l" defTabSz="914400" rtl="0" eaLnBrk="1" latinLnBrk="0" hangingPunct="1">
+              <a:lnSpc>
+                <a:spcPct val="120000"/>
+              </a:lnSpc>
+              <a:spcBef>
+                <a:spcPts val="1000"/>
+              </a:spcBef>
+              <a:buClr>
+                <a:schemeClr val="accent1"/>
+              </a:buClr>
+              <a:buSzPct val="100000"/>
+              <a:buFont typeface="Arial" panose="020B0604020202020204" pitchFamily="34" charset="0"/>
+              <a:buChar char="•"/>
+              <a:defRPr sz="2000" kern="1200">
+                <a:solidFill>
+                  <a:schemeClr val="tx1"/>
+                </a:solidFill>
+                <a:effectLst/>
+                <a:latin typeface="+mn-lt"/>
+                <a:ea typeface="+mn-ea"/>
+                <a:cs typeface="+mn-cs"/>
+              </a:defRPr>
+            </a:lvl1pPr>
+            <a:lvl2pPr marL="685800" indent="-228600" algn="l" defTabSz="914400" rtl="0" eaLnBrk="1" latinLnBrk="0" hangingPunct="1">
+              <a:lnSpc>
+                <a:spcPct val="120000"/>
+              </a:lnSpc>
+              <a:spcBef>
+                <a:spcPts val="500"/>
+              </a:spcBef>
+              <a:buClr>
+                <a:schemeClr val="accent1"/>
+              </a:buClr>
+              <a:buSzPct val="100000"/>
+              <a:buFont typeface="Arial" panose="020B0604020202020204" pitchFamily="34" charset="0"/>
+              <a:buChar char="•"/>
+              <a:defRPr sz="1800" kern="1200" cap="none" baseline="0">
+                <a:solidFill>
+                  <a:schemeClr val="tx1"/>
+                </a:solidFill>
+                <a:effectLst/>
+                <a:latin typeface="+mn-lt"/>
+                <a:ea typeface="+mn-ea"/>
+                <a:cs typeface="+mn-cs"/>
+              </a:defRPr>
+            </a:lvl2pPr>
+            <a:lvl3pPr marL="1143000" indent="-228600" algn="l" defTabSz="914400" rtl="0" eaLnBrk="1" latinLnBrk="0" hangingPunct="1">
+              <a:lnSpc>
+                <a:spcPct val="120000"/>
+              </a:lnSpc>
+              <a:spcBef>
+                <a:spcPts val="500"/>
+              </a:spcBef>
+              <a:buClr>
+                <a:schemeClr val="accent1"/>
+              </a:buClr>
+              <a:buSzPct val="100000"/>
+              <a:buFont typeface="Arial" panose="020B0604020202020204" pitchFamily="34" charset="0"/>
+              <a:buChar char="•"/>
+              <a:defRPr sz="1600" kern="1200">
+                <a:solidFill>
+                  <a:schemeClr val="tx1"/>
+                </a:solidFill>
+                <a:effectLst/>
+                <a:latin typeface="+mn-lt"/>
+                <a:ea typeface="+mn-ea"/>
+                <a:cs typeface="+mn-cs"/>
+              </a:defRPr>
+            </a:lvl3pPr>
+            <a:lvl4pPr marL="1600200" indent="-228600" algn="l" defTabSz="914400" rtl="0" eaLnBrk="1" latinLnBrk="0" hangingPunct="1">
+              <a:lnSpc>
+                <a:spcPct val="120000"/>
+              </a:lnSpc>
+              <a:spcBef>
+                <a:spcPts val="500"/>
+              </a:spcBef>
+              <a:buClr>
+                <a:schemeClr val="accent1"/>
+              </a:buClr>
+              <a:buSzPct val="100000"/>
+              <a:buFont typeface="Arial" panose="020B0604020202020204" pitchFamily="34" charset="0"/>
+              <a:buChar char="•"/>
+              <a:defRPr sz="1400" kern="1200" cap="none" baseline="0">
+                <a:solidFill>
+                  <a:schemeClr val="tx1"/>
+                </a:solidFill>
+                <a:effectLst/>
+                <a:latin typeface="+mn-lt"/>
+                <a:ea typeface="+mn-ea"/>
+                <a:cs typeface="+mn-cs"/>
+              </a:defRPr>
+            </a:lvl4pPr>
+            <a:lvl5pPr marL="2057400" indent="-228600" algn="l" defTabSz="914400" rtl="0" eaLnBrk="1" latinLnBrk="0" hangingPunct="1">
+              <a:lnSpc>
+                <a:spcPct val="120000"/>
+              </a:lnSpc>
+              <a:spcBef>
+                <a:spcPts val="500"/>
+              </a:spcBef>
+              <a:buClr>
+                <a:schemeClr val="accent1"/>
+              </a:buClr>
+              <a:buSzPct val="100000"/>
+              <a:buFont typeface="Arial" panose="020B0604020202020204" pitchFamily="34" charset="0"/>
+              <a:buChar char="•"/>
+              <a:defRPr sz="1200" kern="1200">
+                <a:solidFill>
+                  <a:schemeClr val="tx1"/>
+                </a:solidFill>
+                <a:effectLst/>
+                <a:latin typeface="+mn-lt"/>
+                <a:ea typeface="+mn-ea"/>
+                <a:cs typeface="+mn-cs"/>
+              </a:defRPr>
+            </a:lvl5pPr>
+            <a:lvl6pPr marL="2514600" indent="-228600" algn="l" defTabSz="914400" rtl="0" eaLnBrk="1" latinLnBrk="0" hangingPunct="1">
+              <a:lnSpc>
+                <a:spcPct val="120000"/>
+              </a:lnSpc>
+              <a:spcBef>
+                <a:spcPts val="500"/>
+              </a:spcBef>
+              <a:buClr>
+                <a:schemeClr val="accent1"/>
+              </a:buClr>
+              <a:buSzPct val="100000"/>
+              <a:buFont typeface="Arial" panose="020B0604020202020204" pitchFamily="34" charset="0"/>
+              <a:buChar char="•"/>
+              <a:defRPr sz="1200" kern="1200">
+                <a:solidFill>
+                  <a:schemeClr val="tx1"/>
+                </a:solidFill>
+                <a:effectLst/>
+                <a:latin typeface="+mn-lt"/>
+                <a:ea typeface="+mn-ea"/>
+                <a:cs typeface="+mn-cs"/>
+              </a:defRPr>
+            </a:lvl6pPr>
+            <a:lvl7pPr marL="2971800" indent="-228600" algn="l" defTabSz="914400" rtl="0" eaLnBrk="1" latinLnBrk="0" hangingPunct="1">
+              <a:lnSpc>
+                <a:spcPct val="120000"/>
+              </a:lnSpc>
+              <a:spcBef>
+                <a:spcPts val="500"/>
+              </a:spcBef>
+              <a:buClr>
+                <a:schemeClr val="accent1"/>
+              </a:buClr>
+              <a:buSzPct val="100000"/>
+              <a:buFont typeface="Arial" panose="020B0604020202020204" pitchFamily="34" charset="0"/>
+              <a:buChar char="•"/>
+              <a:defRPr sz="1200" kern="1200">
+                <a:solidFill>
+                  <a:schemeClr val="tx1"/>
+                </a:solidFill>
+                <a:effectLst/>
+                <a:latin typeface="+mn-lt"/>
+                <a:ea typeface="+mn-ea"/>
+                <a:cs typeface="+mn-cs"/>
+              </a:defRPr>
+            </a:lvl7pPr>
+            <a:lvl8pPr marL="3429000" indent="-228600" algn="l" defTabSz="914400" rtl="0" eaLnBrk="1" latinLnBrk="0" hangingPunct="1">
+              <a:lnSpc>
+                <a:spcPct val="120000"/>
+              </a:lnSpc>
+              <a:spcBef>
+                <a:spcPts val="500"/>
+              </a:spcBef>
+              <a:buClr>
+                <a:schemeClr val="accent1"/>
+              </a:buClr>
+              <a:buSzPct val="100000"/>
+              <a:buFont typeface="Arial" panose="020B0604020202020204" pitchFamily="34" charset="0"/>
+              <a:buChar char="•"/>
+              <a:defRPr sz="1200" kern="1200" baseline="0">
+                <a:solidFill>
+                  <a:schemeClr val="tx1"/>
+                </a:solidFill>
+                <a:effectLst/>
+                <a:latin typeface="+mn-lt"/>
+                <a:ea typeface="+mn-ea"/>
+                <a:cs typeface="+mn-cs"/>
+              </a:defRPr>
+            </a:lvl8pPr>
+            <a:lvl9pPr marL="3886200" indent="-228600" algn="l" defTabSz="914400" rtl="0" eaLnBrk="1" latinLnBrk="0" hangingPunct="1">
+              <a:lnSpc>
+                <a:spcPct val="120000"/>
+              </a:lnSpc>
+              <a:spcBef>
+                <a:spcPts val="500"/>
+              </a:spcBef>
+              <a:buClr>
+                <a:schemeClr val="accent1"/>
+              </a:buClr>
+              <a:buSzPct val="100000"/>
+              <a:buFont typeface="Arial" panose="020B0604020202020204" pitchFamily="34" charset="0"/>
+              <a:buChar char="•"/>
+              <a:defRPr sz="1200" kern="1200" baseline="0">
+                <a:solidFill>
+                  <a:schemeClr val="tx1"/>
+                </a:solidFill>
+                <a:effectLst/>
+                <a:latin typeface="+mn-lt"/>
+                <a:ea typeface="+mn-ea"/>
+                <a:cs typeface="+mn-cs"/>
+              </a:defRPr>
+            </a:lvl9pPr>
+          </a:lstStyle>
+          <a:p>
+            <a:pPr marL="0" indent="0" algn="ctr">
+              <a:buNone/>
+            </a:pPr>
+            <a:endParaRPr lang="de-DE" sz="30000" dirty="0">
+              <a:solidFill>
+                <a:srgbClr val="C00000"/>
+              </a:solidFill>
+            </a:endParaRPr>
+          </a:p>
+        </p:txBody>
+      </p:sp>
+      <p:sp>
+        <p:nvSpPr>
+          <p:cNvPr id="7" name="Content Placeholder 2">
+            <a:extLst>
+              <a:ext uri="{FF2B5EF4-FFF2-40B4-BE49-F238E27FC236}">
+                <a16:creationId xmlns:a16="http://schemas.microsoft.com/office/drawing/2014/main" id="{829C648F-634E-42DD-8428-E9A5EABD2B0F}"/>
+              </a:ext>
+            </a:extLst>
+          </p:cNvPr>
+          <p:cNvSpPr>
+            <a:spLocks noGrp="1"/>
+          </p:cNvSpPr>
+          <p:nvPr>
+            <p:ph idx="1"/>
+          </p:nvPr>
+        </p:nvSpPr>
+        <p:spPr>
+          <a:xfrm>
+            <a:off x="1451580" y="2017744"/>
+            <a:ext cx="3961854" cy="4054582"/>
+          </a:xfrm>
+        </p:spPr>
+        <p:txBody>
+          <a:bodyPr>
+            <a:noAutofit/>
+          </a:bodyPr>
+          <a:lstStyle/>
+          <a:p>
+            <a:r>
+              <a:rPr lang="de-DE" dirty="0"/>
+              <a:t>Nutzung der selben Passwörter seit Jahrzehnten</a:t>
+            </a:r>
+          </a:p>
+          <a:p>
+            <a:pPr lvl="1"/>
+            <a:r>
+              <a:rPr lang="de-DE" dirty="0"/>
+              <a:t>Studien von Bitkom Research, 08.11.2016 </a:t>
+            </a:r>
+            <a:r>
+              <a:rPr lang="de-DE" dirty="0">
+                <a:sym typeface="Wingdings" panose="05000000000000000000" pitchFamily="2" charset="2"/>
+              </a:rPr>
+              <a:t> </a:t>
+            </a:r>
+            <a:r>
+              <a:rPr lang="de-DE" dirty="0"/>
+              <a:t>2019</a:t>
+            </a:r>
+          </a:p>
+          <a:p>
+            <a:r>
+              <a:rPr lang="de-DE" dirty="0"/>
+              <a:t>Führte zum Gedanken der Negativauthentifikation</a:t>
+            </a:r>
+          </a:p>
+        </p:txBody>
+      </p:sp>
+      <p:pic>
+        <p:nvPicPr>
+          <p:cNvPr id="5" name="Picture 4">
+            <a:extLst>
+              <a:ext uri="{FF2B5EF4-FFF2-40B4-BE49-F238E27FC236}">
+                <a16:creationId xmlns:a16="http://schemas.microsoft.com/office/drawing/2014/main" id="{6FFC70F6-32D9-4075-B5D8-B481752DDB97}"/>
+              </a:ext>
+            </a:extLst>
+          </p:cNvPr>
+          <p:cNvPicPr>
+            <a:picLocks noChangeAspect="1"/>
+          </p:cNvPicPr>
+          <p:nvPr/>
+        </p:nvPicPr>
+        <p:blipFill>
+          <a:blip r:embed="rId3"/>
+          <a:stretch>
+            <a:fillRect/>
+          </a:stretch>
+        </p:blipFill>
+        <p:spPr>
+          <a:xfrm>
+            <a:off x="5552963" y="2152399"/>
+            <a:ext cx="5406887" cy="3657600"/>
+          </a:xfrm>
+          <a:prstGeom prst="rect">
+            <a:avLst/>
+          </a:prstGeom>
+        </p:spPr>
+      </p:pic>
+    </p:spTree>
+    <p:extLst>
+      <p:ext uri="{BB962C8B-B14F-4D97-AF65-F5344CB8AC3E}">
+        <p14:creationId xmlns:p14="http://schemas.microsoft.com/office/powerpoint/2010/main" val="1551608000"/>
+      </p:ext>
+    </p:extLst>
+  </p:cSld>
+  <p:clrMapOvr>
+    <a:masterClrMapping/>
+  </p:clrMapOvr>
+</p:sld>
+</file>
+
+<file path=ppt/slides/slide11.xml><?xml version="1.0" encoding="utf-8"?>
+<p:sld xmlns:a="http://schemas.openxmlformats.org/drawingml/2006/main" xmlns:r="http://schemas.openxmlformats.org/officeDocument/2006/relationships" xmlns:p="http://schemas.openxmlformats.org/presentationml/2006/main">
+  <p:cSld>
+    <p:spTree>
+      <p:nvGrpSpPr>
+        <p:cNvPr id="1" name=""/>
+        <p:cNvGrpSpPr/>
+        <p:nvPr/>
+      </p:nvGrpSpPr>
+      <p:grpSpPr>
+        <a:xfrm>
+          <a:off x="0" y="0"/>
+          <a:ext cx="0" cy="0"/>
+          <a:chOff x="0" y="0"/>
+          <a:chExt cx="0" cy="0"/>
+        </a:xfrm>
+      </p:grpSpPr>
+      <p:sp>
+        <p:nvSpPr>
+          <p:cNvPr id="2" name="Title 1">
+            <a:extLst>
+              <a:ext uri="{FF2B5EF4-FFF2-40B4-BE49-F238E27FC236}">
+                <a16:creationId xmlns:a16="http://schemas.microsoft.com/office/drawing/2014/main" id="{BFD4A6AD-BE9E-4441-9BD8-973DB0400DC8}"/>
+              </a:ext>
+            </a:extLst>
+          </p:cNvPr>
+          <p:cNvSpPr>
+            <a:spLocks noGrp="1"/>
+          </p:cNvSpPr>
+          <p:nvPr>
+            <p:ph type="title"/>
+          </p:nvPr>
+        </p:nvSpPr>
+        <p:spPr>
+          <a:xfrm>
+            <a:off x="1451579" y="1302551"/>
+            <a:ext cx="9603275" cy="551203"/>
+          </a:xfrm>
+        </p:spPr>
+        <p:txBody>
+          <a:bodyPr/>
+          <a:lstStyle/>
+          <a:p>
+            <a:r>
+              <a:rPr lang="de-DE" dirty="0"/>
+              <a:t>4. Reflektion über Vorangehensweise</a:t>
+            </a:r>
+          </a:p>
+        </p:txBody>
+      </p:sp>
+      <p:sp>
+        <p:nvSpPr>
+          <p:cNvPr id="4" name="Slide Number Placeholder 3">
+            <a:extLst>
+              <a:ext uri="{FF2B5EF4-FFF2-40B4-BE49-F238E27FC236}">
+                <a16:creationId xmlns:a16="http://schemas.microsoft.com/office/drawing/2014/main" id="{99175887-9508-472E-8D20-02C574E7633C}"/>
+              </a:ext>
+            </a:extLst>
+          </p:cNvPr>
+          <p:cNvSpPr>
+            <a:spLocks noGrp="1"/>
+          </p:cNvSpPr>
+          <p:nvPr>
+            <p:ph type="sldNum" sz="quarter" idx="12"/>
+          </p:nvPr>
+        </p:nvSpPr>
+        <p:spPr/>
+        <p:txBody>
+          <a:bodyPr/>
+          <a:lstStyle/>
+          <a:p>
+            <a:fld id="{2506CCB9-12E8-4B80-952C-584D19B36CCD}" type="slidenum">
+              <a:rPr lang="de-DE" smtClean="0"/>
+              <a:t>11</a:t>
             </a:fld>
             <a:endParaRPr lang="de-DE"/>
           </a:p>
@@ -8426,7 +8891,7 @@
 </p:sld>
 </file>
 
-<file path=ppt/slides/slide11.xml><?xml version="1.0" encoding="utf-8"?>
+<file path=ppt/slides/slide12.xml><?xml version="1.0" encoding="utf-8"?>
 <p:sld xmlns:a="http://schemas.openxmlformats.org/drawingml/2006/main" xmlns:r="http://schemas.openxmlformats.org/officeDocument/2006/relationships" xmlns:p="http://schemas.openxmlformats.org/presentationml/2006/main">
   <p:cSld>
     <p:spTree>
@@ -8471,7 +8936,7 @@
           <a:p>
             <a:r>
               <a:rPr lang="de-DE" dirty="0"/>
-              <a:t>5. FAZIT &amp; ausblick</a:t>
+              <a:t>5. FAZIT – Ziele erfüllt?</a:t>
             </a:r>
           </a:p>
         </p:txBody>
@@ -8499,7 +8964,7 @@
           <a:p>
             <a:fld id="{2506CCB9-12E8-4B80-952C-584D19B36CCD}" type="slidenum">
               <a:rPr lang="de-DE" smtClean="0"/>
-              <a:t>11</a:t>
+              <a:t>12</a:t>
             </a:fld>
             <a:endParaRPr lang="de-DE"/>
           </a:p>
@@ -8541,38 +9006,217 @@
           </a:prstGeom>
         </p:spPr>
       </p:pic>
-      <p:sp>
-        <p:nvSpPr>
-          <p:cNvPr id="7" name="Content Placeholder 2">
+      <p:graphicFrame>
+        <p:nvGraphicFramePr>
+          <p:cNvPr id="3" name="Table 4">
             <a:extLst>
               <a:ext uri="{FF2B5EF4-FFF2-40B4-BE49-F238E27FC236}">
-                <a16:creationId xmlns:a16="http://schemas.microsoft.com/office/drawing/2014/main" id="{A76BFED3-819E-49EE-8166-2E87C80E79EE}"/>
+                <a16:creationId xmlns:a16="http://schemas.microsoft.com/office/drawing/2014/main" id="{14C8C3D9-1236-48AE-AEE3-958184E6797B}"/>
               </a:ext>
             </a:extLst>
           </p:cNvPr>
-          <p:cNvSpPr>
-            <a:spLocks noGrp="1"/>
-          </p:cNvSpPr>
+          <p:cNvGraphicFramePr>
+            <a:graphicFrameLocks noGrp="1"/>
+          </p:cNvGraphicFramePr>
           <p:nvPr>
-            <p:ph idx="1"/>
+            <p:extLst>
+              <p:ext uri="{D42A27DB-BD31-4B8C-83A1-F6EECF244321}">
+                <p14:modId xmlns:p14="http://schemas.microsoft.com/office/powerpoint/2010/main" val="685636769"/>
+              </p:ext>
+            </p:extLst>
           </p:nvPr>
-        </p:nvSpPr>
-        <p:spPr>
-          <a:xfrm>
-            <a:off x="1451579" y="2017744"/>
-            <a:ext cx="9603275" cy="4090094"/>
-          </a:xfrm>
-        </p:spPr>
-        <p:txBody>
-          <a:bodyPr>
-            <a:noAutofit/>
-          </a:bodyPr>
-          <a:lstStyle/>
-          <a:p>
-            <a:endParaRPr lang="de-DE" dirty="0"/>
-          </a:p>
-        </p:txBody>
-      </p:sp>
+        </p:nvGraphicFramePr>
+        <p:xfrm>
+          <a:off x="2032000" y="2051315"/>
+          <a:ext cx="8128000" cy="3891925"/>
+        </p:xfrm>
+        <a:graphic>
+          <a:graphicData uri="http://schemas.openxmlformats.org/drawingml/2006/table">
+            <a:tbl>
+              <a:tblPr firstRow="1" bandRow="1">
+                <a:tableStyleId>{5C22544A-7EE6-4342-B048-85BDC9FD1C3A}</a:tableStyleId>
+              </a:tblPr>
+              <a:tblGrid>
+                <a:gridCol w="4064000">
+                  <a:extLst>
+                    <a:ext uri="{9D8B030D-6E8A-4147-A177-3AD203B41FA5}">
+                      <a16:colId xmlns:a16="http://schemas.microsoft.com/office/drawing/2014/main" val="8746929"/>
+                    </a:ext>
+                  </a:extLst>
+                </a:gridCol>
+                <a:gridCol w="4064000">
+                  <a:extLst>
+                    <a:ext uri="{9D8B030D-6E8A-4147-A177-3AD203B41FA5}">
+                      <a16:colId xmlns:a16="http://schemas.microsoft.com/office/drawing/2014/main" val="1289488921"/>
+                    </a:ext>
+                  </a:extLst>
+                </a:gridCol>
+              </a:tblGrid>
+              <a:tr h="379700">
+                <a:tc>
+                  <a:txBody>
+                    <a:bodyPr/>
+                    <a:lstStyle/>
+                    <a:p>
+                      <a:pPr algn="ctr"/>
+                      <a:r>
+                        <a:rPr lang="de-DE" dirty="0"/>
+                        <a:t>Ziele</a:t>
+                      </a:r>
+                    </a:p>
+                  </a:txBody>
+                  <a:tcPr anchor="ctr"/>
+                </a:tc>
+                <a:tc>
+                  <a:txBody>
+                    <a:bodyPr/>
+                    <a:lstStyle/>
+                    <a:p>
+                      <a:pPr algn="ctr"/>
+                      <a:r>
+                        <a:rPr lang="de-DE" dirty="0"/>
+                        <a:t>Nicht-Ziele</a:t>
+                      </a:r>
+                    </a:p>
+                  </a:txBody>
+                  <a:tcPr anchor="ctr"/>
+                </a:tc>
+                <a:extLst>
+                  <a:ext uri="{0D108BD9-81ED-4DB2-BD59-A6C34878D82A}">
+                    <a16:rowId xmlns:a16="http://schemas.microsoft.com/office/drawing/2014/main" val="3935889859"/>
+                  </a:ext>
+                </a:extLst>
+              </a:tr>
+              <a:tr h="949250">
+                <a:tc>
+                  <a:txBody>
+                    <a:bodyPr/>
+                    <a:lstStyle/>
+                    <a:p>
+                      <a:r>
+                        <a:rPr lang="de-DE" dirty="0"/>
+                        <a:t>- Vor- und Nachteile von Passwörtern ausarbeiten und neueren Verfahren gegenüberstellen</a:t>
+                      </a:r>
+                    </a:p>
+                  </a:txBody>
+                  <a:tcPr/>
+                </a:tc>
+                <a:tc>
+                  <a:txBody>
+                    <a:bodyPr/>
+                    <a:lstStyle/>
+                    <a:p>
+                      <a:r>
+                        <a:rPr lang="de-DE" dirty="0"/>
+                        <a:t>- Jede Authentifikationsmöglichkeit jeder Kategorie durchleuchten</a:t>
+                      </a:r>
+                    </a:p>
+                  </a:txBody>
+                  <a:tcPr/>
+                </a:tc>
+                <a:extLst>
+                  <a:ext uri="{0D108BD9-81ED-4DB2-BD59-A6C34878D82A}">
+                    <a16:rowId xmlns:a16="http://schemas.microsoft.com/office/drawing/2014/main" val="3531731500"/>
+                  </a:ext>
+                </a:extLst>
+              </a:tr>
+              <a:tr h="664475">
+                <a:tc>
+                  <a:txBody>
+                    <a:bodyPr/>
+                    <a:lstStyle/>
+                    <a:p>
+                      <a:r>
+                        <a:rPr lang="de-DE" dirty="0"/>
+                        <a:t>- Eine kriteriengerechte Authentifikation (Prototyp) implementieren</a:t>
+                      </a:r>
+                    </a:p>
+                  </a:txBody>
+                  <a:tcPr/>
+                </a:tc>
+                <a:tc>
+                  <a:txBody>
+                    <a:bodyPr/>
+                    <a:lstStyle/>
+                    <a:p>
+                      <a:r>
+                        <a:rPr lang="de-DE" dirty="0"/>
+                        <a:t>- Die perfekte Lösung für Authentifikation finden / erfinden</a:t>
+                      </a:r>
+                    </a:p>
+                  </a:txBody>
+                  <a:tcPr/>
+                </a:tc>
+                <a:extLst>
+                  <a:ext uri="{0D108BD9-81ED-4DB2-BD59-A6C34878D82A}">
+                    <a16:rowId xmlns:a16="http://schemas.microsoft.com/office/drawing/2014/main" val="2924372483"/>
+                  </a:ext>
+                </a:extLst>
+              </a:tr>
+              <a:tr h="664475">
+                <a:tc>
+                  <a:txBody>
+                    <a:bodyPr/>
+                    <a:lstStyle/>
+                    <a:p>
+                      <a:r>
+                        <a:rPr lang="de-DE" dirty="0"/>
+                        <a:t>- Leser in die Sicht des Angreifers auf Anwendungen versetzen</a:t>
+                      </a:r>
+                    </a:p>
+                  </a:txBody>
+                  <a:tcPr/>
+                </a:tc>
+                <a:tc>
+                  <a:txBody>
+                    <a:bodyPr/>
+                    <a:lstStyle/>
+                    <a:p>
+                      <a:endParaRPr lang="de-DE" dirty="0"/>
+                    </a:p>
+                  </a:txBody>
+                  <a:tcPr/>
+                </a:tc>
+                <a:extLst>
+                  <a:ext uri="{0D108BD9-81ED-4DB2-BD59-A6C34878D82A}">
+                    <a16:rowId xmlns:a16="http://schemas.microsoft.com/office/drawing/2014/main" val="4009633449"/>
+                  </a:ext>
+                </a:extLst>
+              </a:tr>
+              <a:tr h="1234025">
+                <a:tc>
+                  <a:txBody>
+                    <a:bodyPr/>
+                    <a:lstStyle/>
+                    <a:p>
+                      <a:r>
+                        <a:rPr lang="de-DE" dirty="0"/>
+                        <a:t>- Für einige ausgewählte Nutzertypen (Erfahrene, Casuals und ältere Menschen) Empfehlungen zur Wahl eines geeigneten Authentifikators aussprechen</a:t>
+                      </a:r>
+                    </a:p>
+                  </a:txBody>
+                  <a:tcPr/>
+                </a:tc>
+                <a:tc>
+                  <a:txBody>
+                    <a:bodyPr/>
+                    <a:lstStyle/>
+                    <a:p>
+                      <a:endParaRPr lang="de-DE" dirty="0"/>
+                    </a:p>
+                  </a:txBody>
+                  <a:tcPr/>
+                </a:tc>
+                <a:extLst>
+                  <a:ext uri="{0D108BD9-81ED-4DB2-BD59-A6C34878D82A}">
+                    <a16:rowId xmlns:a16="http://schemas.microsoft.com/office/drawing/2014/main" val="3250687234"/>
+                  </a:ext>
+                </a:extLst>
+              </a:tr>
+            </a:tbl>
+          </a:graphicData>
+        </a:graphic>
+      </p:graphicFrame>
     </p:spTree>
     <p:extLst>
       <p:ext uri="{BB962C8B-B14F-4D97-AF65-F5344CB8AC3E}">
@@ -8586,7 +9230,7 @@
 </p:sld>
 </file>
 
-<file path=ppt/slides/slide12.xml><?xml version="1.0" encoding="utf-8"?>
+<file path=ppt/slides/slide13.xml><?xml version="1.0" encoding="utf-8"?>
 <p:sld xmlns:a="http://schemas.openxmlformats.org/drawingml/2006/main" xmlns:r="http://schemas.openxmlformats.org/officeDocument/2006/relationships" xmlns:p="http://schemas.openxmlformats.org/presentationml/2006/main">
   <p:cSld>
     <p:spTree>
@@ -8873,7 +9517,7 @@
           <a:p>
             <a:fld id="{2506CCB9-12E8-4B80-952C-584D19B36CCD}" type="slidenum">
               <a:rPr lang="de-DE" smtClean="0"/>
-              <a:t>12</a:t>
+              <a:t>13</a:t>
             </a:fld>
             <a:endParaRPr lang="de-DE"/>
           </a:p>
@@ -9320,7 +9964,7 @@
           <a:p>
             <a:r>
               <a:rPr lang="de-DE" dirty="0"/>
-              <a:t>5. Fazit und Ausblick</a:t>
+              <a:t>5. Fazit</a:t>
             </a:r>
           </a:p>
         </p:txBody>
@@ -11372,6 +12016,257 @@
           </a:prstGeom>
         </p:spPr>
       </p:pic>
+      <p:sp>
+        <p:nvSpPr>
+          <p:cNvPr id="3" name="Content Placeholder 2">
+            <a:extLst>
+              <a:ext uri="{FF2B5EF4-FFF2-40B4-BE49-F238E27FC236}">
+                <a16:creationId xmlns:a16="http://schemas.microsoft.com/office/drawing/2014/main" id="{72840422-4306-418B-BC2C-C6DD4DD7B10C}"/>
+              </a:ext>
+            </a:extLst>
+          </p:cNvPr>
+          <p:cNvSpPr txBox="1">
+            <a:spLocks/>
+          </p:cNvSpPr>
+          <p:nvPr/>
+        </p:nvSpPr>
+        <p:spPr>
+          <a:xfrm>
+            <a:off x="1137146" y="1038687"/>
+            <a:ext cx="9603275" cy="3799589"/>
+          </a:xfrm>
+          <a:prstGeom prst="rect">
+            <a:avLst/>
+          </a:prstGeom>
+        </p:spPr>
+        <p:txBody>
+          <a:bodyPr vert="horz" lIns="91440" tIns="45720" rIns="91440" bIns="45720" rtlCol="0" anchor="t">
+            <a:noAutofit/>
+          </a:bodyPr>
+          <a:lstStyle>
+            <a:lvl1pPr marL="228600" indent="-228600" algn="l" defTabSz="914400" rtl="0" eaLnBrk="1" latinLnBrk="0" hangingPunct="1">
+              <a:lnSpc>
+                <a:spcPct val="120000"/>
+              </a:lnSpc>
+              <a:spcBef>
+                <a:spcPts val="1000"/>
+              </a:spcBef>
+              <a:buClr>
+                <a:schemeClr val="accent1"/>
+              </a:buClr>
+              <a:buSzPct val="100000"/>
+              <a:buFont typeface="Arial" panose="020B0604020202020204" pitchFamily="34" charset="0"/>
+              <a:buChar char="•"/>
+              <a:defRPr sz="2000" kern="1200">
+                <a:solidFill>
+                  <a:schemeClr val="tx1"/>
+                </a:solidFill>
+                <a:effectLst/>
+                <a:latin typeface="+mn-lt"/>
+                <a:ea typeface="+mn-ea"/>
+                <a:cs typeface="+mn-cs"/>
+              </a:defRPr>
+            </a:lvl1pPr>
+            <a:lvl2pPr marL="685800" indent="-228600" algn="l" defTabSz="914400" rtl="0" eaLnBrk="1" latinLnBrk="0" hangingPunct="1">
+              <a:lnSpc>
+                <a:spcPct val="120000"/>
+              </a:lnSpc>
+              <a:spcBef>
+                <a:spcPts val="500"/>
+              </a:spcBef>
+              <a:buClr>
+                <a:schemeClr val="accent1"/>
+              </a:buClr>
+              <a:buSzPct val="100000"/>
+              <a:buFont typeface="Arial" panose="020B0604020202020204" pitchFamily="34" charset="0"/>
+              <a:buChar char="•"/>
+              <a:defRPr sz="1800" kern="1200" cap="none" baseline="0">
+                <a:solidFill>
+                  <a:schemeClr val="tx1"/>
+                </a:solidFill>
+                <a:effectLst/>
+                <a:latin typeface="+mn-lt"/>
+                <a:ea typeface="+mn-ea"/>
+                <a:cs typeface="+mn-cs"/>
+              </a:defRPr>
+            </a:lvl2pPr>
+            <a:lvl3pPr marL="1143000" indent="-228600" algn="l" defTabSz="914400" rtl="0" eaLnBrk="1" latinLnBrk="0" hangingPunct="1">
+              <a:lnSpc>
+                <a:spcPct val="120000"/>
+              </a:lnSpc>
+              <a:spcBef>
+                <a:spcPts val="500"/>
+              </a:spcBef>
+              <a:buClr>
+                <a:schemeClr val="accent1"/>
+              </a:buClr>
+              <a:buSzPct val="100000"/>
+              <a:buFont typeface="Arial" panose="020B0604020202020204" pitchFamily="34" charset="0"/>
+              <a:buChar char="•"/>
+              <a:defRPr sz="1600" kern="1200">
+                <a:solidFill>
+                  <a:schemeClr val="tx1"/>
+                </a:solidFill>
+                <a:effectLst/>
+                <a:latin typeface="+mn-lt"/>
+                <a:ea typeface="+mn-ea"/>
+                <a:cs typeface="+mn-cs"/>
+              </a:defRPr>
+            </a:lvl3pPr>
+            <a:lvl4pPr marL="1600200" indent="-228600" algn="l" defTabSz="914400" rtl="0" eaLnBrk="1" latinLnBrk="0" hangingPunct="1">
+              <a:lnSpc>
+                <a:spcPct val="120000"/>
+              </a:lnSpc>
+              <a:spcBef>
+                <a:spcPts val="500"/>
+              </a:spcBef>
+              <a:buClr>
+                <a:schemeClr val="accent1"/>
+              </a:buClr>
+              <a:buSzPct val="100000"/>
+              <a:buFont typeface="Arial" panose="020B0604020202020204" pitchFamily="34" charset="0"/>
+              <a:buChar char="•"/>
+              <a:defRPr sz="1400" kern="1200" cap="none" baseline="0">
+                <a:solidFill>
+                  <a:schemeClr val="tx1"/>
+                </a:solidFill>
+                <a:effectLst/>
+                <a:latin typeface="+mn-lt"/>
+                <a:ea typeface="+mn-ea"/>
+                <a:cs typeface="+mn-cs"/>
+              </a:defRPr>
+            </a:lvl4pPr>
+            <a:lvl5pPr marL="2057400" indent="-228600" algn="l" defTabSz="914400" rtl="0" eaLnBrk="1" latinLnBrk="0" hangingPunct="1">
+              <a:lnSpc>
+                <a:spcPct val="120000"/>
+              </a:lnSpc>
+              <a:spcBef>
+                <a:spcPts val="500"/>
+              </a:spcBef>
+              <a:buClr>
+                <a:schemeClr val="accent1"/>
+              </a:buClr>
+              <a:buSzPct val="100000"/>
+              <a:buFont typeface="Arial" panose="020B0604020202020204" pitchFamily="34" charset="0"/>
+              <a:buChar char="•"/>
+              <a:defRPr sz="1200" kern="1200">
+                <a:solidFill>
+                  <a:schemeClr val="tx1"/>
+                </a:solidFill>
+                <a:effectLst/>
+                <a:latin typeface="+mn-lt"/>
+                <a:ea typeface="+mn-ea"/>
+                <a:cs typeface="+mn-cs"/>
+              </a:defRPr>
+            </a:lvl5pPr>
+            <a:lvl6pPr marL="2514600" indent="-228600" algn="l" defTabSz="914400" rtl="0" eaLnBrk="1" latinLnBrk="0" hangingPunct="1">
+              <a:lnSpc>
+                <a:spcPct val="120000"/>
+              </a:lnSpc>
+              <a:spcBef>
+                <a:spcPts val="500"/>
+              </a:spcBef>
+              <a:buClr>
+                <a:schemeClr val="accent1"/>
+              </a:buClr>
+              <a:buSzPct val="100000"/>
+              <a:buFont typeface="Arial" panose="020B0604020202020204" pitchFamily="34" charset="0"/>
+              <a:buChar char="•"/>
+              <a:defRPr sz="1200" kern="1200">
+                <a:solidFill>
+                  <a:schemeClr val="tx1"/>
+                </a:solidFill>
+                <a:effectLst/>
+                <a:latin typeface="+mn-lt"/>
+                <a:ea typeface="+mn-ea"/>
+                <a:cs typeface="+mn-cs"/>
+              </a:defRPr>
+            </a:lvl6pPr>
+            <a:lvl7pPr marL="2971800" indent="-228600" algn="l" defTabSz="914400" rtl="0" eaLnBrk="1" latinLnBrk="0" hangingPunct="1">
+              <a:lnSpc>
+                <a:spcPct val="120000"/>
+              </a:lnSpc>
+              <a:spcBef>
+                <a:spcPts val="500"/>
+              </a:spcBef>
+              <a:buClr>
+                <a:schemeClr val="accent1"/>
+              </a:buClr>
+              <a:buSzPct val="100000"/>
+              <a:buFont typeface="Arial" panose="020B0604020202020204" pitchFamily="34" charset="0"/>
+              <a:buChar char="•"/>
+              <a:defRPr sz="1200" kern="1200">
+                <a:solidFill>
+                  <a:schemeClr val="tx1"/>
+                </a:solidFill>
+                <a:effectLst/>
+                <a:latin typeface="+mn-lt"/>
+                <a:ea typeface="+mn-ea"/>
+                <a:cs typeface="+mn-cs"/>
+              </a:defRPr>
+            </a:lvl7pPr>
+            <a:lvl8pPr marL="3429000" indent="-228600" algn="l" defTabSz="914400" rtl="0" eaLnBrk="1" latinLnBrk="0" hangingPunct="1">
+              <a:lnSpc>
+                <a:spcPct val="120000"/>
+              </a:lnSpc>
+              <a:spcBef>
+                <a:spcPts val="500"/>
+              </a:spcBef>
+              <a:buClr>
+                <a:schemeClr val="accent1"/>
+              </a:buClr>
+              <a:buSzPct val="100000"/>
+              <a:buFont typeface="Arial" panose="020B0604020202020204" pitchFamily="34" charset="0"/>
+              <a:buChar char="•"/>
+              <a:defRPr sz="1200" kern="1200" baseline="0">
+                <a:solidFill>
+                  <a:schemeClr val="tx1"/>
+                </a:solidFill>
+                <a:effectLst/>
+                <a:latin typeface="+mn-lt"/>
+                <a:ea typeface="+mn-ea"/>
+                <a:cs typeface="+mn-cs"/>
+              </a:defRPr>
+            </a:lvl8pPr>
+            <a:lvl9pPr marL="3886200" indent="-228600" algn="l" defTabSz="914400" rtl="0" eaLnBrk="1" latinLnBrk="0" hangingPunct="1">
+              <a:lnSpc>
+                <a:spcPct val="120000"/>
+              </a:lnSpc>
+              <a:spcBef>
+                <a:spcPts val="500"/>
+              </a:spcBef>
+              <a:buClr>
+                <a:schemeClr val="accent1"/>
+              </a:buClr>
+              <a:buSzPct val="100000"/>
+              <a:buFont typeface="Arial" panose="020B0604020202020204" pitchFamily="34" charset="0"/>
+              <a:buChar char="•"/>
+              <a:defRPr sz="1200" kern="1200" baseline="0">
+                <a:solidFill>
+                  <a:schemeClr val="tx1"/>
+                </a:solidFill>
+                <a:effectLst/>
+                <a:latin typeface="+mn-lt"/>
+                <a:ea typeface="+mn-ea"/>
+                <a:cs typeface="+mn-cs"/>
+              </a:defRPr>
+            </a:lvl9pPr>
+          </a:lstStyle>
+          <a:p>
+            <a:pPr marL="0" indent="0" algn="ctr">
+              <a:buNone/>
+            </a:pPr>
+            <a:r>
+              <a:rPr lang="de-DE" sz="30000" dirty="0">
+                <a:solidFill>
+                  <a:srgbClr val="C00000"/>
+                </a:solidFill>
+              </a:rPr>
+              <a:t>?</a:t>
+            </a:r>
+          </a:p>
+        </p:txBody>
+      </p:sp>
     </p:spTree>
     <p:extLst>
       <p:ext uri="{BB962C8B-B14F-4D97-AF65-F5344CB8AC3E}">

--- a/Colloquium/Kolloquium.pptx
+++ b/Colloquium/Kolloquium.pptx
@@ -3479,7 +3479,7 @@
           <a:p>
             <a:fld id="{3ABDE448-252D-414B-8D88-7F653C15F9DE}" type="datetimeFigureOut">
               <a:rPr lang="de-DE" smtClean="0"/>
-              <a:t>11.11.2020</a:t>
+              <a:t>13.11.2020</a:t>
             </a:fld>
             <a:endParaRPr lang="de-DE"/>
           </a:p>
@@ -3657,7 +3657,7 @@
           <a:p>
             <a:fld id="{B172FAAD-3BAB-4526-AAC7-4F3AE7719F84}" type="datetimeFigureOut">
               <a:rPr lang="de-DE" smtClean="0"/>
-              <a:t>11.11.2020</a:t>
+              <a:t>13.11.2020</a:t>
             </a:fld>
             <a:endParaRPr lang="de-DE"/>
           </a:p>
@@ -4233,7 +4233,7 @@
           <a:p>
             <a:fld id="{6610431E-669A-4FB5-A4F8-594D109AAFCA}" type="datetime1">
               <a:rPr lang="de-DE" smtClean="0"/>
-              <a:t>11.11.2020</a:t>
+              <a:t>13.11.2020</a:t>
             </a:fld>
             <a:endParaRPr lang="de-DE"/>
           </a:p>
@@ -4444,7 +4444,7 @@
           <a:p>
             <a:fld id="{D05B1630-20CA-4528-AFA8-C8C5F46EE5A1}" type="datetime1">
               <a:rPr lang="de-DE" smtClean="0"/>
-              <a:t>11.11.2020</a:t>
+              <a:t>13.11.2020</a:t>
             </a:fld>
             <a:endParaRPr lang="de-DE"/>
           </a:p>
@@ -4659,7 +4659,7 @@
           <a:p>
             <a:fld id="{349C1630-8E69-484C-B961-5D9F3E160A79}" type="datetime1">
               <a:rPr lang="de-DE" smtClean="0"/>
-              <a:t>11.11.2020</a:t>
+              <a:t>13.11.2020</a:t>
             </a:fld>
             <a:endParaRPr lang="de-DE"/>
           </a:p>
@@ -4860,7 +4860,7 @@
           <a:p>
             <a:fld id="{48BCFF82-C342-422C-A4DD-34307C62C2D9}" type="datetime1">
               <a:rPr lang="de-DE" smtClean="0"/>
-              <a:t>11.11.2020</a:t>
+              <a:t>13.11.2020</a:t>
             </a:fld>
             <a:endParaRPr lang="de-DE"/>
           </a:p>
@@ -5139,7 +5139,7 @@
           <a:p>
             <a:fld id="{35B12B37-394A-4C15-9988-7CBD966C93CE}" type="datetime1">
               <a:rPr lang="de-DE" smtClean="0"/>
-              <a:t>11.11.2020</a:t>
+              <a:t>13.11.2020</a:t>
             </a:fld>
             <a:endParaRPr lang="de-DE"/>
           </a:p>
@@ -5407,7 +5407,7 @@
           <a:p>
             <a:fld id="{905984C5-5228-47ED-99B7-57BEE3E90413}" type="datetime1">
               <a:rPr lang="de-DE" smtClean="0"/>
-              <a:t>11.11.2020</a:t>
+              <a:t>13.11.2020</a:t>
             </a:fld>
             <a:endParaRPr lang="de-DE"/>
           </a:p>
@@ -5823,7 +5823,7 @@
           <a:p>
             <a:fld id="{3C4DCE6D-7271-4A36-8A46-B14F6CED6D93}" type="datetime1">
               <a:rPr lang="de-DE" smtClean="0"/>
-              <a:t>11.11.2020</a:t>
+              <a:t>13.11.2020</a:t>
             </a:fld>
             <a:endParaRPr lang="de-DE"/>
           </a:p>
@@ -5972,7 +5972,7 @@
           <a:p>
             <a:fld id="{1C93DD34-728C-4FEF-89E4-F3B352B28E56}" type="datetime1">
               <a:rPr lang="de-DE" smtClean="0"/>
-              <a:t>11.11.2020</a:t>
+              <a:t>13.11.2020</a:t>
             </a:fld>
             <a:endParaRPr lang="de-DE"/>
           </a:p>
@@ -6098,7 +6098,7 @@
           <a:p>
             <a:fld id="{2E962AFC-78BF-4C27-968D-9F86BE7DBD9B}" type="datetime1">
               <a:rPr lang="de-DE" smtClean="0"/>
-              <a:t>11.11.2020</a:t>
+              <a:t>13.11.2020</a:t>
             </a:fld>
             <a:endParaRPr lang="de-DE"/>
           </a:p>
@@ -6349,7 +6349,7 @@
           <a:p>
             <a:fld id="{E929D11D-2036-48B3-94D5-66B66A32B3CD}" type="datetime1">
               <a:rPr lang="de-DE" smtClean="0"/>
-              <a:t>11.11.2020</a:t>
+              <a:t>13.11.2020</a:t>
             </a:fld>
             <a:endParaRPr lang="de-DE"/>
           </a:p>
@@ -6694,10 +6694,9 @@
           </a:lstStyle>
           <a:p>
             <a:r>
-              <a:rPr lang="en-US"/>
+              <a:rPr lang="en-US" dirty="0"/>
               <a:t>Click icon to add picture</a:t>
             </a:r>
-            <a:endParaRPr lang="en-US" dirty="0"/>
           </a:p>
         </p:txBody>
       </p:sp>
@@ -6794,7 +6793,7 @@
           <a:p>
             <a:fld id="{FA4BADA1-3247-4F1A-AF5E-63939A6BAECB}" type="datetime1">
               <a:rPr lang="de-DE" smtClean="0"/>
-              <a:t>11.11.2020</a:t>
+              <a:t>13.11.2020</a:t>
             </a:fld>
             <a:endParaRPr lang="de-DE"/>
           </a:p>
@@ -7121,7 +7120,7 @@
           <a:p>
             <a:fld id="{0E379357-6AA6-4A96-A310-63C374D26E5A}" type="datetime1">
               <a:rPr lang="de-DE" smtClean="0"/>
-              <a:t>11.11.2020</a:t>
+              <a:t>13.11.2020</a:t>
             </a:fld>
             <a:endParaRPr lang="de-DE"/>
           </a:p>
@@ -9940,7 +9939,7 @@
             <a:pPr lvl="1"/>
             <a:r>
               <a:rPr lang="de-DE" dirty="0"/>
-              <a:t>1.3 Zusammenfassung</a:t>
+              <a:t>1.3 Zielsetzung</a:t>
             </a:r>
           </a:p>
           <a:p>
@@ -11807,8 +11806,12 @@
           </a:p>
           <a:p>
             <a:r>
+              <a:rPr lang="de-DE"/>
+              <a:t>Implementierung </a:t>
+            </a:r>
+            <a:r>
               <a:rPr lang="de-DE" dirty="0"/>
-              <a:t>Implemtentierung von eines Logins hat sehr viel mehr mit menschlicher Psychologie und Bequemlichkeiten zutun als gedacht.</a:t>
+              <a:t>von eines Logins hat sehr viel mehr mit menschlicher Psychologie und Bequemlichkeiten zutun als gedacht.</a:t>
             </a:r>
           </a:p>
           <a:p>
